--- a/Data&MissingData.pptx
+++ b/Data&MissingData.pptx
@@ -2,11 +2,30 @@
 <file path=ppt/presentation.xml><?xml version="1.0" encoding="utf-8"?>
 <p:presentation xmlns:a="http://schemas.openxmlformats.org/drawingml/2006/main" xmlns:r="http://schemas.openxmlformats.org/officeDocument/2006/relationships" xmlns:p="http://schemas.openxmlformats.org/presentationml/2006/main" saveSubsetFonts="1">
   <p:sldMasterIdLst>
-    <p:sldMasterId id="2147483648" r:id="rId1"/>
+    <p:sldMasterId id="2147483732" r:id="rId1"/>
   </p:sldMasterIdLst>
   <p:sldIdLst>
-    <p:sldId id="256" r:id="rId2"/>
-    <p:sldId id="257" r:id="rId3"/>
+    <p:sldId id="257" r:id="rId2"/>
+    <p:sldId id="258" r:id="rId3"/>
+    <p:sldId id="262" r:id="rId4"/>
+    <p:sldId id="263" r:id="rId5"/>
+    <p:sldId id="264" r:id="rId6"/>
+    <p:sldId id="265" r:id="rId7"/>
+    <p:sldId id="266" r:id="rId8"/>
+    <p:sldId id="270" r:id="rId9"/>
+    <p:sldId id="267" r:id="rId10"/>
+    <p:sldId id="271" r:id="rId11"/>
+    <p:sldId id="268" r:id="rId12"/>
+    <p:sldId id="272" r:id="rId13"/>
+    <p:sldId id="269" r:id="rId14"/>
+    <p:sldId id="273" r:id="rId15"/>
+    <p:sldId id="277" r:id="rId16"/>
+    <p:sldId id="274" r:id="rId17"/>
+    <p:sldId id="278" r:id="rId18"/>
+    <p:sldId id="275" r:id="rId19"/>
+    <p:sldId id="280" r:id="rId20"/>
+    <p:sldId id="276" r:id="rId21"/>
+    <p:sldId id="279" r:id="rId22"/>
   </p:sldIdLst>
   <p:sldSz cx="9144000" cy="6858000" type="screen4x3"/>
   <p:notesSz cx="6858000" cy="9144000"/>
@@ -149,7 +168,7 @@
               <a:rPr lang="en-US" smtClean="0"/>
               <a:t>Click to edit Master title style</a:t>
             </a:r>
-            <a:endParaRPr lang="en-US"/>
+            <a:endParaRPr lang="en-IN"/>
           </a:p>
         </p:txBody>
       </p:sp>
@@ -268,7 +287,7 @@
               <a:rPr lang="en-US" smtClean="0"/>
               <a:t>Click to edit Master subtitle style</a:t>
             </a:r>
-            <a:endParaRPr lang="en-US"/>
+            <a:endParaRPr lang="en-IN"/>
           </a:p>
         </p:txBody>
       </p:sp>
@@ -290,7 +309,7 @@
             <a:fld id="{1D8BD707-D9CF-40AE-B4C6-C98DA3205C09}" type="datetimeFigureOut">
               <a:rPr lang="en-US" smtClean="0"/>
               <a:pPr/>
-              <a:t>5/9/2019</a:t>
+              <a:t>5/11/2019</a:t>
             </a:fld>
             <a:endParaRPr lang="en-US"/>
           </a:p>
@@ -340,6 +359,11 @@
         </p:txBody>
       </p:sp>
     </p:spTree>
+    <p:extLst>
+      <p:ext uri="{BB962C8B-B14F-4D97-AF65-F5344CB8AC3E}">
+        <p14:creationId xmlns:p14="http://schemas.microsoft.com/office/powerpoint/2010/main" val="2552930111"/>
+      </p:ext>
+    </p:extLst>
   </p:cSld>
   <p:clrMapOvr>
     <a:masterClrMapping/>
@@ -383,7 +407,7 @@
               <a:rPr lang="en-US" smtClean="0"/>
               <a:t>Click to edit Master title style</a:t>
             </a:r>
-            <a:endParaRPr lang="en-US"/>
+            <a:endParaRPr lang="en-IN"/>
           </a:p>
         </p:txBody>
       </p:sp>
@@ -435,7 +459,7 @@
               <a:rPr lang="en-US" smtClean="0"/>
               <a:t>Fifth level</a:t>
             </a:r>
-            <a:endParaRPr lang="en-US"/>
+            <a:endParaRPr lang="en-IN"/>
           </a:p>
         </p:txBody>
       </p:sp>
@@ -457,7 +481,7 @@
             <a:fld id="{1D8BD707-D9CF-40AE-B4C6-C98DA3205C09}" type="datetimeFigureOut">
               <a:rPr lang="en-US" smtClean="0"/>
               <a:pPr/>
-              <a:t>5/9/2019</a:t>
+              <a:t>5/11/2019</a:t>
             </a:fld>
             <a:endParaRPr lang="en-US"/>
           </a:p>
@@ -507,6 +531,11 @@
         </p:txBody>
       </p:sp>
     </p:spTree>
+    <p:extLst>
+      <p:ext uri="{BB962C8B-B14F-4D97-AF65-F5344CB8AC3E}">
+        <p14:creationId xmlns:p14="http://schemas.microsoft.com/office/powerpoint/2010/main" val="2716372037"/>
+      </p:ext>
+    </p:extLst>
   </p:cSld>
   <p:clrMapOvr>
     <a:masterClrMapping/>
@@ -555,7 +584,7 @@
               <a:rPr lang="en-US" smtClean="0"/>
               <a:t>Click to edit Master title style</a:t>
             </a:r>
-            <a:endParaRPr lang="en-US"/>
+            <a:endParaRPr lang="en-IN"/>
           </a:p>
         </p:txBody>
       </p:sp>
@@ -612,7 +641,7 @@
               <a:rPr lang="en-US" smtClean="0"/>
               <a:t>Fifth level</a:t>
             </a:r>
-            <a:endParaRPr lang="en-US"/>
+            <a:endParaRPr lang="en-IN"/>
           </a:p>
         </p:txBody>
       </p:sp>
@@ -634,7 +663,7 @@
             <a:fld id="{1D8BD707-D9CF-40AE-B4C6-C98DA3205C09}" type="datetimeFigureOut">
               <a:rPr lang="en-US" smtClean="0"/>
               <a:pPr/>
-              <a:t>5/9/2019</a:t>
+              <a:t>5/11/2019</a:t>
             </a:fld>
             <a:endParaRPr lang="en-US"/>
           </a:p>
@@ -684,6 +713,11 @@
         </p:txBody>
       </p:sp>
     </p:spTree>
+    <p:extLst>
+      <p:ext uri="{BB962C8B-B14F-4D97-AF65-F5344CB8AC3E}">
+        <p14:creationId xmlns:p14="http://schemas.microsoft.com/office/powerpoint/2010/main" val="3458783767"/>
+      </p:ext>
+    </p:extLst>
   </p:cSld>
   <p:clrMapOvr>
     <a:masterClrMapping/>
@@ -727,7 +761,7 @@
               <a:rPr lang="en-US" smtClean="0"/>
               <a:t>Click to edit Master title style</a:t>
             </a:r>
-            <a:endParaRPr lang="en-US"/>
+            <a:endParaRPr lang="en-IN"/>
           </a:p>
         </p:txBody>
       </p:sp>
@@ -779,7 +813,7 @@
               <a:rPr lang="en-US" smtClean="0"/>
               <a:t>Fifth level</a:t>
             </a:r>
-            <a:endParaRPr lang="en-US"/>
+            <a:endParaRPr lang="en-IN"/>
           </a:p>
         </p:txBody>
       </p:sp>
@@ -801,7 +835,7 @@
             <a:fld id="{1D8BD707-D9CF-40AE-B4C6-C98DA3205C09}" type="datetimeFigureOut">
               <a:rPr lang="en-US" smtClean="0"/>
               <a:pPr/>
-              <a:t>5/9/2019</a:t>
+              <a:t>5/11/2019</a:t>
             </a:fld>
             <a:endParaRPr lang="en-US"/>
           </a:p>
@@ -851,6 +885,11 @@
         </p:txBody>
       </p:sp>
     </p:spTree>
+    <p:extLst>
+      <p:ext uri="{BB962C8B-B14F-4D97-AF65-F5344CB8AC3E}">
+        <p14:creationId xmlns:p14="http://schemas.microsoft.com/office/powerpoint/2010/main" val="2596849798"/>
+      </p:ext>
+    </p:extLst>
   </p:cSld>
   <p:clrMapOvr>
     <a:masterClrMapping/>
@@ -903,7 +942,7 @@
               <a:rPr lang="en-US" smtClean="0"/>
               <a:t>Click to edit Master title style</a:t>
             </a:r>
-            <a:endParaRPr lang="en-US"/>
+            <a:endParaRPr lang="en-IN"/>
           </a:p>
         </p:txBody>
       </p:sp>
@@ -1044,7 +1083,7 @@
             <a:fld id="{1D8BD707-D9CF-40AE-B4C6-C98DA3205C09}" type="datetimeFigureOut">
               <a:rPr lang="en-US" smtClean="0"/>
               <a:pPr/>
-              <a:t>5/9/2019</a:t>
+              <a:t>5/11/2019</a:t>
             </a:fld>
             <a:endParaRPr lang="en-US"/>
           </a:p>
@@ -1094,6 +1133,11 @@
         </p:txBody>
       </p:sp>
     </p:spTree>
+    <p:extLst>
+      <p:ext uri="{BB962C8B-B14F-4D97-AF65-F5344CB8AC3E}">
+        <p14:creationId xmlns:p14="http://schemas.microsoft.com/office/powerpoint/2010/main" val="75775125"/>
+      </p:ext>
+    </p:extLst>
   </p:cSld>
   <p:clrMapOvr>
     <a:masterClrMapping/>
@@ -1137,7 +1181,7 @@
               <a:rPr lang="en-US" smtClean="0"/>
               <a:t>Click to edit Master title style</a:t>
             </a:r>
-            <a:endParaRPr lang="en-US"/>
+            <a:endParaRPr lang="en-IN"/>
           </a:p>
         </p:txBody>
       </p:sp>
@@ -1222,7 +1266,7 @@
               <a:rPr lang="en-US" smtClean="0"/>
               <a:t>Fifth level</a:t>
             </a:r>
-            <a:endParaRPr lang="en-US"/>
+            <a:endParaRPr lang="en-IN"/>
           </a:p>
         </p:txBody>
       </p:sp>
@@ -1307,7 +1351,7 @@
               <a:rPr lang="en-US" smtClean="0"/>
               <a:t>Fifth level</a:t>
             </a:r>
-            <a:endParaRPr lang="en-US"/>
+            <a:endParaRPr lang="en-IN"/>
           </a:p>
         </p:txBody>
       </p:sp>
@@ -1329,7 +1373,7 @@
             <a:fld id="{1D8BD707-D9CF-40AE-B4C6-C98DA3205C09}" type="datetimeFigureOut">
               <a:rPr lang="en-US" smtClean="0"/>
               <a:pPr/>
-              <a:t>5/9/2019</a:t>
+              <a:t>5/11/2019</a:t>
             </a:fld>
             <a:endParaRPr lang="en-US"/>
           </a:p>
@@ -1379,6 +1423,11 @@
         </p:txBody>
       </p:sp>
     </p:spTree>
+    <p:extLst>
+      <p:ext uri="{BB962C8B-B14F-4D97-AF65-F5344CB8AC3E}">
+        <p14:creationId xmlns:p14="http://schemas.microsoft.com/office/powerpoint/2010/main" val="2459641522"/>
+      </p:ext>
+    </p:extLst>
   </p:cSld>
   <p:clrMapOvr>
     <a:masterClrMapping/>
@@ -1426,7 +1475,7 @@
               <a:rPr lang="en-US" smtClean="0"/>
               <a:t>Click to edit Master title style</a:t>
             </a:r>
-            <a:endParaRPr lang="en-US"/>
+            <a:endParaRPr lang="en-IN"/>
           </a:p>
         </p:txBody>
       </p:sp>
@@ -1576,7 +1625,7 @@
               <a:rPr lang="en-US" smtClean="0"/>
               <a:t>Fifth level</a:t>
             </a:r>
-            <a:endParaRPr lang="en-US"/>
+            <a:endParaRPr lang="en-IN"/>
           </a:p>
         </p:txBody>
       </p:sp>
@@ -1726,7 +1775,7 @@
               <a:rPr lang="en-US" smtClean="0"/>
               <a:t>Fifth level</a:t>
             </a:r>
-            <a:endParaRPr lang="en-US"/>
+            <a:endParaRPr lang="en-IN"/>
           </a:p>
         </p:txBody>
       </p:sp>
@@ -1748,7 +1797,7 @@
             <a:fld id="{1D8BD707-D9CF-40AE-B4C6-C98DA3205C09}" type="datetimeFigureOut">
               <a:rPr lang="en-US" smtClean="0"/>
               <a:pPr/>
-              <a:t>5/9/2019</a:t>
+              <a:t>5/11/2019</a:t>
             </a:fld>
             <a:endParaRPr lang="en-US"/>
           </a:p>
@@ -1798,6 +1847,11 @@
         </p:txBody>
       </p:sp>
     </p:spTree>
+    <p:extLst>
+      <p:ext uri="{BB962C8B-B14F-4D97-AF65-F5344CB8AC3E}">
+        <p14:creationId xmlns:p14="http://schemas.microsoft.com/office/powerpoint/2010/main" val="3593743992"/>
+      </p:ext>
+    </p:extLst>
   </p:cSld>
   <p:clrMapOvr>
     <a:masterClrMapping/>
@@ -1841,7 +1895,7 @@
               <a:rPr lang="en-US" smtClean="0"/>
               <a:t>Click to edit Master title style</a:t>
             </a:r>
-            <a:endParaRPr lang="en-US"/>
+            <a:endParaRPr lang="en-IN"/>
           </a:p>
         </p:txBody>
       </p:sp>
@@ -1863,7 +1917,7 @@
             <a:fld id="{1D8BD707-D9CF-40AE-B4C6-C98DA3205C09}" type="datetimeFigureOut">
               <a:rPr lang="en-US" smtClean="0"/>
               <a:pPr/>
-              <a:t>5/9/2019</a:t>
+              <a:t>5/11/2019</a:t>
             </a:fld>
             <a:endParaRPr lang="en-US"/>
           </a:p>
@@ -1913,6 +1967,11 @@
         </p:txBody>
       </p:sp>
     </p:spTree>
+    <p:extLst>
+      <p:ext uri="{BB962C8B-B14F-4D97-AF65-F5344CB8AC3E}">
+        <p14:creationId xmlns:p14="http://schemas.microsoft.com/office/powerpoint/2010/main" val="839426203"/>
+      </p:ext>
+    </p:extLst>
   </p:cSld>
   <p:clrMapOvr>
     <a:masterClrMapping/>
@@ -1955,7 +2014,7 @@
             <a:fld id="{1D8BD707-D9CF-40AE-B4C6-C98DA3205C09}" type="datetimeFigureOut">
               <a:rPr lang="en-US" smtClean="0"/>
               <a:pPr/>
-              <a:t>5/9/2019</a:t>
+              <a:t>5/11/2019</a:t>
             </a:fld>
             <a:endParaRPr lang="en-US"/>
           </a:p>
@@ -2005,6 +2064,11 @@
         </p:txBody>
       </p:sp>
     </p:spTree>
+    <p:extLst>
+      <p:ext uri="{BB962C8B-B14F-4D97-AF65-F5344CB8AC3E}">
+        <p14:creationId xmlns:p14="http://schemas.microsoft.com/office/powerpoint/2010/main" val="3208901105"/>
+      </p:ext>
+    </p:extLst>
   </p:cSld>
   <p:clrMapOvr>
     <a:masterClrMapping/>
@@ -2057,7 +2121,7 @@
               <a:rPr lang="en-US" smtClean="0"/>
               <a:t>Click to edit Master title style</a:t>
             </a:r>
-            <a:endParaRPr lang="en-US"/>
+            <a:endParaRPr lang="en-IN"/>
           </a:p>
         </p:txBody>
       </p:sp>
@@ -2142,7 +2206,7 @@
               <a:rPr lang="en-US" smtClean="0"/>
               <a:t>Fifth level</a:t>
             </a:r>
-            <a:endParaRPr lang="en-US"/>
+            <a:endParaRPr lang="en-IN"/>
           </a:p>
         </p:txBody>
       </p:sp>
@@ -2229,7 +2293,7 @@
             <a:fld id="{1D8BD707-D9CF-40AE-B4C6-C98DA3205C09}" type="datetimeFigureOut">
               <a:rPr lang="en-US" smtClean="0"/>
               <a:pPr/>
-              <a:t>5/9/2019</a:t>
+              <a:t>5/11/2019</a:t>
             </a:fld>
             <a:endParaRPr lang="en-US"/>
           </a:p>
@@ -2279,6 +2343,11 @@
         </p:txBody>
       </p:sp>
     </p:spTree>
+    <p:extLst>
+      <p:ext uri="{BB962C8B-B14F-4D97-AF65-F5344CB8AC3E}">
+        <p14:creationId xmlns:p14="http://schemas.microsoft.com/office/powerpoint/2010/main" val="383940283"/>
+      </p:ext>
+    </p:extLst>
   </p:cSld>
   <p:clrMapOvr>
     <a:masterClrMapping/>
@@ -2331,7 +2400,7 @@
               <a:rPr lang="en-US" smtClean="0"/>
               <a:t>Click to edit Master title style</a:t>
             </a:r>
-            <a:endParaRPr lang="en-US"/>
+            <a:endParaRPr lang="en-IN"/>
           </a:p>
         </p:txBody>
       </p:sp>
@@ -2392,7 +2461,7 @@
             </a:lvl9pPr>
           </a:lstStyle>
           <a:p>
-            <a:endParaRPr lang="en-US"/>
+            <a:endParaRPr lang="en-IN"/>
           </a:p>
         </p:txBody>
       </p:sp>
@@ -2479,7 +2548,7 @@
             <a:fld id="{1D8BD707-D9CF-40AE-B4C6-C98DA3205C09}" type="datetimeFigureOut">
               <a:rPr lang="en-US" smtClean="0"/>
               <a:pPr/>
-              <a:t>5/9/2019</a:t>
+              <a:t>5/11/2019</a:t>
             </a:fld>
             <a:endParaRPr lang="en-US"/>
           </a:p>
@@ -2529,6 +2598,11 @@
         </p:txBody>
       </p:sp>
     </p:spTree>
+    <p:extLst>
+      <p:ext uri="{BB962C8B-B14F-4D97-AF65-F5344CB8AC3E}">
+        <p14:creationId xmlns:p14="http://schemas.microsoft.com/office/powerpoint/2010/main" val="442639492"/>
+      </p:ext>
+    </p:extLst>
   </p:cSld>
   <p:clrMapOvr>
     <a:masterClrMapping/>
@@ -2587,7 +2661,7 @@
               <a:rPr lang="en-US" smtClean="0"/>
               <a:t>Click to edit Master title style</a:t>
             </a:r>
-            <a:endParaRPr lang="en-US"/>
+            <a:endParaRPr lang="en-IN"/>
           </a:p>
         </p:txBody>
       </p:sp>
@@ -2649,7 +2723,7 @@
               <a:rPr lang="en-US" smtClean="0"/>
               <a:t>Fifth level</a:t>
             </a:r>
-            <a:endParaRPr lang="en-US"/>
+            <a:endParaRPr lang="en-IN"/>
           </a:p>
         </p:txBody>
       </p:sp>
@@ -2689,7 +2763,7 @@
             <a:fld id="{1D8BD707-D9CF-40AE-B4C6-C98DA3205C09}" type="datetimeFigureOut">
               <a:rPr lang="en-US" smtClean="0"/>
               <a:pPr/>
-              <a:t>5/9/2019</a:t>
+              <a:t>5/11/2019</a:t>
             </a:fld>
             <a:endParaRPr lang="en-US"/>
           </a:p>
@@ -2775,20 +2849,25 @@
         </p:txBody>
       </p:sp>
     </p:spTree>
+    <p:extLst>
+      <p:ext uri="{BB962C8B-B14F-4D97-AF65-F5344CB8AC3E}">
+        <p14:creationId xmlns:p14="http://schemas.microsoft.com/office/powerpoint/2010/main" val="948014149"/>
+      </p:ext>
+    </p:extLst>
   </p:cSld>
   <p:clrMap bg1="lt1" tx1="dk1" bg2="lt2" tx2="dk2" accent1="accent1" accent2="accent2" accent3="accent3" accent4="accent4" accent5="accent5" accent6="accent6" hlink="hlink" folHlink="folHlink"/>
   <p:sldLayoutIdLst>
-    <p:sldLayoutId id="2147483649" r:id="rId1"/>
-    <p:sldLayoutId id="2147483650" r:id="rId2"/>
-    <p:sldLayoutId id="2147483651" r:id="rId3"/>
-    <p:sldLayoutId id="2147483652" r:id="rId4"/>
-    <p:sldLayoutId id="2147483653" r:id="rId5"/>
-    <p:sldLayoutId id="2147483654" r:id="rId6"/>
-    <p:sldLayoutId id="2147483655" r:id="rId7"/>
-    <p:sldLayoutId id="2147483656" r:id="rId8"/>
-    <p:sldLayoutId id="2147483657" r:id="rId9"/>
-    <p:sldLayoutId id="2147483658" r:id="rId10"/>
-    <p:sldLayoutId id="2147483659" r:id="rId11"/>
+    <p:sldLayoutId id="2147483733" r:id="rId1"/>
+    <p:sldLayoutId id="2147483734" r:id="rId2"/>
+    <p:sldLayoutId id="2147483735" r:id="rId3"/>
+    <p:sldLayoutId id="2147483736" r:id="rId4"/>
+    <p:sldLayoutId id="2147483737" r:id="rId5"/>
+    <p:sldLayoutId id="2147483738" r:id="rId6"/>
+    <p:sldLayoutId id="2147483739" r:id="rId7"/>
+    <p:sldLayoutId id="2147483740" r:id="rId8"/>
+    <p:sldLayoutId id="2147483741" r:id="rId9"/>
+    <p:sldLayoutId id="2147483742" r:id="rId10"/>
+    <p:sldLayoutId id="2147483743" r:id="rId11"/>
   </p:sldLayoutIdLst>
   <p:txStyles>
     <p:titleStyle>
@@ -3060,9 +3139,377 @@
           <a:chExt cx="0" cy="0"/>
         </a:xfrm>
       </p:grpSpPr>
+    </p:spTree>
+    <p:extLst>
+      <p:ext uri="{BB962C8B-B14F-4D97-AF65-F5344CB8AC3E}">
+        <p14:creationId xmlns:p14="http://schemas.microsoft.com/office/powerpoint/2010/main" val="3608994480"/>
+      </p:ext>
+    </p:extLst>
+  </p:cSld>
+  <p:clrMapOvr>
+    <a:masterClrMapping/>
+  </p:clrMapOvr>
+  <p:timing>
+    <p:tnLst>
+      <p:par>
+        <p:cTn id="1" dur="indefinite" restart="never" nodeType="tmRoot"/>
+      </p:par>
+    </p:tnLst>
+  </p:timing>
+</p:sld>
+</file>
+
+<file path=ppt/slides/slide10.xml><?xml version="1.0" encoding="utf-8"?>
+<p:sld xmlns:a="http://schemas.openxmlformats.org/drawingml/2006/main" xmlns:r="http://schemas.openxmlformats.org/officeDocument/2006/relationships" xmlns:p="http://schemas.openxmlformats.org/presentationml/2006/main">
+  <p:cSld>
+    <p:spTree>
+      <p:nvGrpSpPr>
+        <p:cNvPr id="1" name=""/>
+        <p:cNvGrpSpPr/>
+        <p:nvPr/>
+      </p:nvGrpSpPr>
+      <p:grpSpPr>
+        <a:xfrm>
+          <a:off x="0" y="0"/>
+          <a:ext cx="0" cy="0"/>
+          <a:chOff x="0" y="0"/>
+          <a:chExt cx="0" cy="0"/>
+        </a:xfrm>
+      </p:grpSpPr>
+      <p:sp>
+        <p:nvSpPr>
+          <p:cNvPr id="2" name="Title 1"/>
+          <p:cNvSpPr>
+            <a:spLocks noGrp="1"/>
+          </p:cNvSpPr>
+          <p:nvPr>
+            <p:ph type="title"/>
+          </p:nvPr>
+        </p:nvSpPr>
+        <p:spPr>
+          <a:xfrm>
+            <a:off x="457200" y="274638"/>
+            <a:ext cx="8229600" cy="792162"/>
+          </a:xfrm>
+        </p:spPr>
+        <p:txBody>
+          <a:bodyPr/>
+          <a:lstStyle/>
+          <a:p>
+            <a:pPr algn="l"/>
+            <a:r>
+              <a:rPr lang="en-IN" dirty="0" smtClean="0"/>
+              <a:t>Data Imputation:</a:t>
+            </a:r>
+            <a:endParaRPr lang="en-IN" dirty="0"/>
+          </a:p>
+        </p:txBody>
+      </p:sp>
+      <p:sp>
+        <p:nvSpPr>
+          <p:cNvPr id="3" name="Content Placeholder 2"/>
+          <p:cNvSpPr>
+            <a:spLocks noGrp="1"/>
+          </p:cNvSpPr>
+          <p:nvPr>
+            <p:ph idx="1"/>
+          </p:nvPr>
+        </p:nvSpPr>
+        <p:spPr>
+          <a:xfrm>
+            <a:off x="457200" y="994569"/>
+            <a:ext cx="8229600" cy="3126582"/>
+          </a:xfrm>
+        </p:spPr>
+        <p:txBody>
+          <a:bodyPr>
+            <a:normAutofit/>
+          </a:bodyPr>
+          <a:lstStyle/>
+          <a:p>
+            <a:pPr marL="0" indent="0">
+              <a:buNone/>
+            </a:pPr>
+            <a:r>
+              <a:rPr lang="en-IN" sz="2400" b="1" dirty="0" smtClean="0"/>
+              <a:t># UNIVARIATE IMPUTATION</a:t>
+            </a:r>
+          </a:p>
+          <a:p>
+            <a:pPr marL="0" indent="0">
+              <a:buNone/>
+            </a:pPr>
+            <a:r>
+              <a:rPr lang="en-IN" sz="2400" dirty="0" smtClean="0"/>
+              <a:t>			Importing dependencies</a:t>
+            </a:r>
+          </a:p>
+          <a:p>
+            <a:pPr marL="0" indent="0">
+              <a:buNone/>
+            </a:pPr>
+            <a:r>
+              <a:rPr lang="en-IN" sz="2400" dirty="0" smtClean="0"/>
+              <a:t>	</a:t>
+            </a:r>
+          </a:p>
+          <a:p>
+            <a:pPr marL="0" indent="0">
+              <a:buNone/>
+            </a:pPr>
+            <a:endParaRPr lang="en-IN" sz="2400" dirty="0"/>
+          </a:p>
+          <a:p>
+            <a:pPr marL="0" indent="0">
+              <a:buNone/>
+            </a:pPr>
+            <a:r>
+              <a:rPr lang="en-IN" sz="2400" b="1" dirty="0" smtClean="0"/>
+              <a:t>3.  			     Mode Imputation</a:t>
+            </a:r>
+            <a:endParaRPr lang="en-IN" sz="2400" b="1" dirty="0"/>
+          </a:p>
+        </p:txBody>
+      </p:sp>
       <p:pic>
         <p:nvPicPr>
-          <p:cNvPr id="5" name="Picture 4"/>
+          <p:cNvPr id="5123" name="Picture 3"/>
+          <p:cNvPicPr>
+            <a:picLocks noChangeAspect="1" noChangeArrowheads="1"/>
+          </p:cNvPicPr>
+          <p:nvPr/>
+        </p:nvPicPr>
+        <p:blipFill>
+          <a:blip r:embed="rId2">
+            <a:extLst>
+              <a:ext uri="{28A0092B-C50C-407E-A947-70E740481C1C}">
+                <a14:useLocalDpi xmlns:a14="http://schemas.microsoft.com/office/drawing/2010/main" val="0"/>
+              </a:ext>
+            </a:extLst>
+          </a:blip>
+          <a:srcRect/>
+          <a:stretch>
+            <a:fillRect/>
+          </a:stretch>
+        </p:blipFill>
+        <p:spPr bwMode="auto">
+          <a:xfrm>
+            <a:off x="533400" y="1905000"/>
+            <a:ext cx="7708900" cy="647700"/>
+          </a:xfrm>
+          <a:prstGeom prst="rect">
+            <a:avLst/>
+          </a:prstGeom>
+          <a:noFill/>
+          <a:ln>
+            <a:noFill/>
+          </a:ln>
+          <a:effectLst/>
+          <a:extLst>
+            <a:ext uri="{909E8E84-426E-40DD-AFC4-6F175D3DCCD1}">
+              <a14:hiddenFill xmlns:a14="http://schemas.microsoft.com/office/drawing/2010/main">
+                <a:solidFill>
+                  <a:schemeClr val="accent1"/>
+                </a:solidFill>
+              </a14:hiddenFill>
+            </a:ext>
+            <a:ext uri="{91240B29-F687-4F45-9708-019B960494DF}">
+              <a14:hiddenLine xmlns:a14="http://schemas.microsoft.com/office/drawing/2010/main" w="9525">
+                <a:solidFill>
+                  <a:schemeClr val="tx1"/>
+                </a:solidFill>
+                <a:miter lim="800000"/>
+                <a:headEnd/>
+                <a:tailEnd/>
+              </a14:hiddenLine>
+            </a:ext>
+            <a:ext uri="{AF507438-7753-43E0-B8FC-AC1667EBCBE1}">
+              <a14:hiddenEffects xmlns:a14="http://schemas.microsoft.com/office/drawing/2010/main">
+                <a:effectLst>
+                  <a:outerShdw dist="35921" dir="2700000" algn="ctr" rotWithShape="0">
+                    <a:schemeClr val="bg2"/>
+                  </a:outerShdw>
+                </a:effectLst>
+              </a14:hiddenEffects>
+            </a:ext>
+          </a:extLst>
+        </p:spPr>
+      </p:pic>
+      <p:pic>
+        <p:nvPicPr>
+          <p:cNvPr id="11266" name="Picture 2"/>
+          <p:cNvPicPr>
+            <a:picLocks noChangeAspect="1" noChangeArrowheads="1"/>
+          </p:cNvPicPr>
+          <p:nvPr/>
+        </p:nvPicPr>
+        <p:blipFill>
+          <a:blip r:embed="rId3">
+            <a:extLst>
+              <a:ext uri="{28A0092B-C50C-407E-A947-70E740481C1C}">
+                <a14:useLocalDpi xmlns:a14="http://schemas.microsoft.com/office/drawing/2010/main" val="0"/>
+              </a:ext>
+            </a:extLst>
+          </a:blip>
+          <a:srcRect/>
+          <a:stretch>
+            <a:fillRect/>
+          </a:stretch>
+        </p:blipFill>
+        <p:spPr bwMode="auto">
+          <a:xfrm>
+            <a:off x="533400" y="3352800"/>
+            <a:ext cx="7721600" cy="1670050"/>
+          </a:xfrm>
+          <a:prstGeom prst="rect">
+            <a:avLst/>
+          </a:prstGeom>
+          <a:noFill/>
+          <a:ln>
+            <a:noFill/>
+          </a:ln>
+          <a:effectLst/>
+          <a:extLst>
+            <a:ext uri="{909E8E84-426E-40DD-AFC4-6F175D3DCCD1}">
+              <a14:hiddenFill xmlns:a14="http://schemas.microsoft.com/office/drawing/2010/main">
+                <a:solidFill>
+                  <a:schemeClr val="accent1"/>
+                </a:solidFill>
+              </a14:hiddenFill>
+            </a:ext>
+            <a:ext uri="{91240B29-F687-4F45-9708-019B960494DF}">
+              <a14:hiddenLine xmlns:a14="http://schemas.microsoft.com/office/drawing/2010/main" w="9525">
+                <a:solidFill>
+                  <a:schemeClr val="tx1"/>
+                </a:solidFill>
+                <a:miter lim="800000"/>
+                <a:headEnd/>
+                <a:tailEnd/>
+              </a14:hiddenLine>
+            </a:ext>
+            <a:ext uri="{AF507438-7753-43E0-B8FC-AC1667EBCBE1}">
+              <a14:hiddenEffects xmlns:a14="http://schemas.microsoft.com/office/drawing/2010/main">
+                <a:effectLst>
+                  <a:outerShdw dist="35921" dir="2700000" algn="ctr" rotWithShape="0">
+                    <a:schemeClr val="bg2"/>
+                  </a:outerShdw>
+                </a:effectLst>
+              </a14:hiddenEffects>
+            </a:ext>
+          </a:extLst>
+        </p:spPr>
+      </p:pic>
+    </p:spTree>
+    <p:extLst>
+      <p:ext uri="{BB962C8B-B14F-4D97-AF65-F5344CB8AC3E}">
+        <p14:creationId xmlns:p14="http://schemas.microsoft.com/office/powerpoint/2010/main" val="2133908154"/>
+      </p:ext>
+    </p:extLst>
+  </p:cSld>
+  <p:clrMapOvr>
+    <a:masterClrMapping/>
+  </p:clrMapOvr>
+  <p:timing>
+    <p:tnLst>
+      <p:par>
+        <p:cTn id="1" dur="indefinite" restart="never" nodeType="tmRoot"/>
+      </p:par>
+    </p:tnLst>
+  </p:timing>
+</p:sld>
+</file>
+
+<file path=ppt/slides/slide11.xml><?xml version="1.0" encoding="utf-8"?>
+<p:sld xmlns:a="http://schemas.openxmlformats.org/drawingml/2006/main" xmlns:r="http://schemas.openxmlformats.org/officeDocument/2006/relationships" xmlns:p="http://schemas.openxmlformats.org/presentationml/2006/main">
+  <p:cSld>
+    <p:spTree>
+      <p:nvGrpSpPr>
+        <p:cNvPr id="1" name=""/>
+        <p:cNvGrpSpPr/>
+        <p:nvPr/>
+      </p:nvGrpSpPr>
+      <p:grpSpPr>
+        <a:xfrm>
+          <a:off x="0" y="0"/>
+          <a:ext cx="0" cy="0"/>
+          <a:chOff x="0" y="0"/>
+          <a:chExt cx="0" cy="0"/>
+        </a:xfrm>
+      </p:grpSpPr>
+      <p:sp>
+        <p:nvSpPr>
+          <p:cNvPr id="2" name="Title 1"/>
+          <p:cNvSpPr>
+            <a:spLocks noGrp="1"/>
+          </p:cNvSpPr>
+          <p:nvPr>
+            <p:ph type="title"/>
+          </p:nvPr>
+        </p:nvSpPr>
+        <p:spPr>
+          <a:xfrm>
+            <a:off x="457200" y="274638"/>
+            <a:ext cx="8229600" cy="792162"/>
+          </a:xfrm>
+        </p:spPr>
+        <p:txBody>
+          <a:bodyPr/>
+          <a:lstStyle/>
+          <a:p>
+            <a:pPr algn="l"/>
+            <a:r>
+              <a:rPr lang="en-IN" dirty="0" smtClean="0"/>
+              <a:t>Data Imputation:</a:t>
+            </a:r>
+            <a:endParaRPr lang="en-IN" dirty="0"/>
+          </a:p>
+        </p:txBody>
+      </p:sp>
+      <p:sp>
+        <p:nvSpPr>
+          <p:cNvPr id="3" name="Content Placeholder 2"/>
+          <p:cNvSpPr>
+            <a:spLocks noGrp="1"/>
+          </p:cNvSpPr>
+          <p:nvPr>
+            <p:ph idx="1"/>
+          </p:nvPr>
+        </p:nvSpPr>
+        <p:spPr>
+          <a:xfrm>
+            <a:off x="457200" y="994569"/>
+            <a:ext cx="8229600" cy="3126582"/>
+          </a:xfrm>
+        </p:spPr>
+        <p:txBody>
+          <a:bodyPr>
+            <a:normAutofit/>
+          </a:bodyPr>
+          <a:lstStyle/>
+          <a:p>
+            <a:pPr marL="0" indent="0">
+              <a:buNone/>
+            </a:pPr>
+            <a:r>
+              <a:rPr lang="en-IN" sz="2400" b="1" dirty="0" smtClean="0"/>
+              <a:t># UNIVARIATE IMPUTATION</a:t>
+            </a:r>
+          </a:p>
+          <a:p>
+            <a:pPr marL="0" indent="0">
+              <a:buNone/>
+            </a:pPr>
+            <a:r>
+              <a:rPr lang="en-IN" sz="2400" dirty="0" smtClean="0"/>
+              <a:t>Mode Imputed data</a:t>
+            </a:r>
+            <a:endParaRPr lang="en-IN" sz="2400" dirty="0"/>
+          </a:p>
+        </p:txBody>
+      </p:sp>
+      <p:pic>
+        <p:nvPicPr>
+          <p:cNvPr id="4" name="Picture 3"/>
           <p:cNvPicPr>
             <a:picLocks noChangeAspect="1"/>
           </p:cNvPicPr>
@@ -3082,18 +3529,2152 @@
         </p:blipFill>
         <p:spPr>
           <a:xfrm>
-            <a:off x="29955" y="0"/>
-            <a:ext cx="9114045" cy="6858000"/>
+            <a:off x="3124200" y="1752600"/>
+            <a:ext cx="1292633" cy="4756150"/>
           </a:xfrm>
           <a:prstGeom prst="rect">
             <a:avLst/>
           </a:prstGeom>
+        </p:spPr>
+      </p:pic>
+      <p:sp>
+        <p:nvSpPr>
+          <p:cNvPr id="5" name="Right Arrow 4"/>
+          <p:cNvSpPr/>
+          <p:nvPr/>
+        </p:nvSpPr>
+        <p:spPr>
+          <a:xfrm>
+            <a:off x="4715256" y="3695700"/>
+            <a:ext cx="1219200" cy="533400"/>
+          </a:xfrm>
+          <a:prstGeom prst="rightArrow">
+            <a:avLst/>
+          </a:prstGeom>
+          <a:solidFill>
+            <a:schemeClr val="bg1">
+              <a:lumMod val="65000"/>
+            </a:schemeClr>
+          </a:solidFill>
+          <a:ln>
+            <a:noFill/>
+          </a:ln>
+        </p:spPr>
+        <p:style>
+          <a:lnRef idx="2">
+            <a:schemeClr val="accent1">
+              <a:shade val="50000"/>
+            </a:schemeClr>
+          </a:lnRef>
+          <a:fillRef idx="1">
+            <a:schemeClr val="accent1"/>
+          </a:fillRef>
+          <a:effectRef idx="0">
+            <a:schemeClr val="accent1"/>
+          </a:effectRef>
+          <a:fontRef idx="minor">
+            <a:schemeClr val="lt1"/>
+          </a:fontRef>
+        </p:style>
+        <p:txBody>
+          <a:bodyPr rtlCol="0" anchor="ctr"/>
+          <a:lstStyle/>
+          <a:p>
+            <a:pPr algn="ctr"/>
+            <a:endParaRPr lang="en-IN"/>
+          </a:p>
+        </p:txBody>
+      </p:sp>
+      <p:pic>
+        <p:nvPicPr>
+          <p:cNvPr id="8194" name="Picture 2"/>
+          <p:cNvPicPr>
+            <a:picLocks noChangeAspect="1" noChangeArrowheads="1"/>
+          </p:cNvPicPr>
+          <p:nvPr/>
+        </p:nvPicPr>
+        <p:blipFill>
+          <a:blip r:embed="rId3">
+            <a:extLst>
+              <a:ext uri="{28A0092B-C50C-407E-A947-70E740481C1C}">
+                <a14:useLocalDpi xmlns:a14="http://schemas.microsoft.com/office/drawing/2010/main" val="0"/>
+              </a:ext>
+            </a:extLst>
+          </a:blip>
+          <a:srcRect/>
+          <a:stretch>
+            <a:fillRect/>
+          </a:stretch>
+        </p:blipFill>
+        <p:spPr bwMode="auto">
+          <a:xfrm>
+            <a:off x="6172200" y="1752600"/>
+            <a:ext cx="1225550" cy="4749800"/>
+          </a:xfrm>
+          <a:prstGeom prst="rect">
+            <a:avLst/>
+          </a:prstGeom>
+          <a:noFill/>
+          <a:ln>
+            <a:noFill/>
+          </a:ln>
+          <a:effectLst/>
+          <a:extLst>
+            <a:ext uri="{909E8E84-426E-40DD-AFC4-6F175D3DCCD1}">
+              <a14:hiddenFill xmlns:a14="http://schemas.microsoft.com/office/drawing/2010/main">
+                <a:solidFill>
+                  <a:schemeClr val="accent1"/>
+                </a:solidFill>
+              </a14:hiddenFill>
+            </a:ext>
+            <a:ext uri="{91240B29-F687-4F45-9708-019B960494DF}">
+              <a14:hiddenLine xmlns:a14="http://schemas.microsoft.com/office/drawing/2010/main" w="9525">
+                <a:solidFill>
+                  <a:schemeClr val="tx1"/>
+                </a:solidFill>
+                <a:miter lim="800000"/>
+                <a:headEnd/>
+                <a:tailEnd/>
+              </a14:hiddenLine>
+            </a:ext>
+            <a:ext uri="{AF507438-7753-43E0-B8FC-AC1667EBCBE1}">
+              <a14:hiddenEffects xmlns:a14="http://schemas.microsoft.com/office/drawing/2010/main">
+                <a:effectLst>
+                  <a:outerShdw dist="35921" dir="2700000" algn="ctr" rotWithShape="0">
+                    <a:schemeClr val="bg2"/>
+                  </a:outerShdw>
+                </a:effectLst>
+              </a14:hiddenEffects>
+            </a:ext>
+          </a:extLst>
         </p:spPr>
       </p:pic>
     </p:spTree>
     <p:extLst>
       <p:ext uri="{BB962C8B-B14F-4D97-AF65-F5344CB8AC3E}">
-        <p14:creationId xmlns:p14="http://schemas.microsoft.com/office/powerpoint/2010/main" val="3508189026"/>
+        <p14:creationId xmlns:p14="http://schemas.microsoft.com/office/powerpoint/2010/main" val="645959431"/>
+      </p:ext>
+    </p:extLst>
+  </p:cSld>
+  <p:clrMapOvr>
+    <a:masterClrMapping/>
+  </p:clrMapOvr>
+  <p:timing>
+    <p:tnLst>
+      <p:par>
+        <p:cTn id="1" dur="indefinite" restart="never" nodeType="tmRoot"/>
+      </p:par>
+    </p:tnLst>
+  </p:timing>
+</p:sld>
+</file>
+
+<file path=ppt/slides/slide12.xml><?xml version="1.0" encoding="utf-8"?>
+<p:sld xmlns:a="http://schemas.openxmlformats.org/drawingml/2006/main" xmlns:r="http://schemas.openxmlformats.org/officeDocument/2006/relationships" xmlns:p="http://schemas.openxmlformats.org/presentationml/2006/main">
+  <p:cSld>
+    <p:spTree>
+      <p:nvGrpSpPr>
+        <p:cNvPr id="1" name=""/>
+        <p:cNvGrpSpPr/>
+        <p:nvPr/>
+      </p:nvGrpSpPr>
+      <p:grpSpPr>
+        <a:xfrm>
+          <a:off x="0" y="0"/>
+          <a:ext cx="0" cy="0"/>
+          <a:chOff x="0" y="0"/>
+          <a:chExt cx="0" cy="0"/>
+        </a:xfrm>
+      </p:grpSpPr>
+      <p:sp>
+        <p:nvSpPr>
+          <p:cNvPr id="2" name="Title 1"/>
+          <p:cNvSpPr>
+            <a:spLocks noGrp="1"/>
+          </p:cNvSpPr>
+          <p:nvPr>
+            <p:ph type="title"/>
+          </p:nvPr>
+        </p:nvSpPr>
+        <p:spPr>
+          <a:xfrm>
+            <a:off x="457200" y="274638"/>
+            <a:ext cx="8229600" cy="792162"/>
+          </a:xfrm>
+        </p:spPr>
+        <p:txBody>
+          <a:bodyPr/>
+          <a:lstStyle/>
+          <a:p>
+            <a:pPr algn="l"/>
+            <a:r>
+              <a:rPr lang="en-IN" dirty="0" smtClean="0"/>
+              <a:t>Data Imputation:</a:t>
+            </a:r>
+            <a:endParaRPr lang="en-IN" dirty="0"/>
+          </a:p>
+        </p:txBody>
+      </p:sp>
+      <p:sp>
+        <p:nvSpPr>
+          <p:cNvPr id="3" name="Content Placeholder 2"/>
+          <p:cNvSpPr>
+            <a:spLocks noGrp="1"/>
+          </p:cNvSpPr>
+          <p:nvPr>
+            <p:ph idx="1"/>
+          </p:nvPr>
+        </p:nvSpPr>
+        <p:spPr>
+          <a:xfrm>
+            <a:off x="457200" y="994569"/>
+            <a:ext cx="8229600" cy="3126582"/>
+          </a:xfrm>
+        </p:spPr>
+        <p:txBody>
+          <a:bodyPr>
+            <a:normAutofit/>
+          </a:bodyPr>
+          <a:lstStyle/>
+          <a:p>
+            <a:pPr marL="0" indent="0">
+              <a:buNone/>
+            </a:pPr>
+            <a:r>
+              <a:rPr lang="en-IN" sz="2400" b="1" dirty="0" smtClean="0"/>
+              <a:t># UNIVARIATE IMPUTATION</a:t>
+            </a:r>
+          </a:p>
+          <a:p>
+            <a:pPr marL="0" indent="0">
+              <a:buNone/>
+            </a:pPr>
+            <a:r>
+              <a:rPr lang="en-IN" sz="2400" dirty="0" smtClean="0"/>
+              <a:t>			Importing dependencies</a:t>
+            </a:r>
+          </a:p>
+          <a:p>
+            <a:pPr marL="0" indent="0">
+              <a:buNone/>
+            </a:pPr>
+            <a:r>
+              <a:rPr lang="en-IN" sz="2400" dirty="0" smtClean="0"/>
+              <a:t>	</a:t>
+            </a:r>
+          </a:p>
+          <a:p>
+            <a:pPr marL="0" indent="0">
+              <a:buNone/>
+            </a:pPr>
+            <a:endParaRPr lang="en-IN" sz="2400" dirty="0"/>
+          </a:p>
+          <a:p>
+            <a:pPr marL="0" indent="0">
+              <a:buNone/>
+            </a:pPr>
+            <a:r>
+              <a:rPr lang="en-IN" sz="2400" b="1" dirty="0" smtClean="0"/>
+              <a:t>4.  			     Constant Imputation</a:t>
+            </a:r>
+            <a:endParaRPr lang="en-IN" sz="2400" b="1" dirty="0"/>
+          </a:p>
+        </p:txBody>
+      </p:sp>
+      <p:pic>
+        <p:nvPicPr>
+          <p:cNvPr id="5123" name="Picture 3"/>
+          <p:cNvPicPr>
+            <a:picLocks noChangeAspect="1" noChangeArrowheads="1"/>
+          </p:cNvPicPr>
+          <p:nvPr/>
+        </p:nvPicPr>
+        <p:blipFill>
+          <a:blip r:embed="rId2">
+            <a:extLst>
+              <a:ext uri="{28A0092B-C50C-407E-A947-70E740481C1C}">
+                <a14:useLocalDpi xmlns:a14="http://schemas.microsoft.com/office/drawing/2010/main" val="0"/>
+              </a:ext>
+            </a:extLst>
+          </a:blip>
+          <a:srcRect/>
+          <a:stretch>
+            <a:fillRect/>
+          </a:stretch>
+        </p:blipFill>
+        <p:spPr bwMode="auto">
+          <a:xfrm>
+            <a:off x="533400" y="1905000"/>
+            <a:ext cx="7708900" cy="647700"/>
+          </a:xfrm>
+          <a:prstGeom prst="rect">
+            <a:avLst/>
+          </a:prstGeom>
+          <a:noFill/>
+          <a:ln>
+            <a:noFill/>
+          </a:ln>
+          <a:effectLst/>
+          <a:extLst>
+            <a:ext uri="{909E8E84-426E-40DD-AFC4-6F175D3DCCD1}">
+              <a14:hiddenFill xmlns:a14="http://schemas.microsoft.com/office/drawing/2010/main">
+                <a:solidFill>
+                  <a:schemeClr val="accent1"/>
+                </a:solidFill>
+              </a14:hiddenFill>
+            </a:ext>
+            <a:ext uri="{91240B29-F687-4F45-9708-019B960494DF}">
+              <a14:hiddenLine xmlns:a14="http://schemas.microsoft.com/office/drawing/2010/main" w="9525">
+                <a:solidFill>
+                  <a:schemeClr val="tx1"/>
+                </a:solidFill>
+                <a:miter lim="800000"/>
+                <a:headEnd/>
+                <a:tailEnd/>
+              </a14:hiddenLine>
+            </a:ext>
+            <a:ext uri="{AF507438-7753-43E0-B8FC-AC1667EBCBE1}">
+              <a14:hiddenEffects xmlns:a14="http://schemas.microsoft.com/office/drawing/2010/main">
+                <a:effectLst>
+                  <a:outerShdw dist="35921" dir="2700000" algn="ctr" rotWithShape="0">
+                    <a:schemeClr val="bg2"/>
+                  </a:outerShdw>
+                </a:effectLst>
+              </a14:hiddenEffects>
+            </a:ext>
+          </a:extLst>
+        </p:spPr>
+      </p:pic>
+      <p:pic>
+        <p:nvPicPr>
+          <p:cNvPr id="12290" name="Picture 2"/>
+          <p:cNvPicPr>
+            <a:picLocks noChangeAspect="1" noChangeArrowheads="1"/>
+          </p:cNvPicPr>
+          <p:nvPr/>
+        </p:nvPicPr>
+        <p:blipFill>
+          <a:blip r:embed="rId3">
+            <a:extLst>
+              <a:ext uri="{28A0092B-C50C-407E-A947-70E740481C1C}">
+                <a14:useLocalDpi xmlns:a14="http://schemas.microsoft.com/office/drawing/2010/main" val="0"/>
+              </a:ext>
+            </a:extLst>
+          </a:blip>
+          <a:srcRect/>
+          <a:stretch>
+            <a:fillRect/>
+          </a:stretch>
+        </p:blipFill>
+        <p:spPr bwMode="auto">
+          <a:xfrm>
+            <a:off x="682244" y="3352800"/>
+            <a:ext cx="7518400" cy="1651000"/>
+          </a:xfrm>
+          <a:prstGeom prst="rect">
+            <a:avLst/>
+          </a:prstGeom>
+          <a:noFill/>
+          <a:ln>
+            <a:noFill/>
+          </a:ln>
+          <a:effectLst/>
+          <a:extLst>
+            <a:ext uri="{909E8E84-426E-40DD-AFC4-6F175D3DCCD1}">
+              <a14:hiddenFill xmlns:a14="http://schemas.microsoft.com/office/drawing/2010/main">
+                <a:solidFill>
+                  <a:schemeClr val="accent1"/>
+                </a:solidFill>
+              </a14:hiddenFill>
+            </a:ext>
+            <a:ext uri="{91240B29-F687-4F45-9708-019B960494DF}">
+              <a14:hiddenLine xmlns:a14="http://schemas.microsoft.com/office/drawing/2010/main" w="9525">
+                <a:solidFill>
+                  <a:schemeClr val="tx1"/>
+                </a:solidFill>
+                <a:miter lim="800000"/>
+                <a:headEnd/>
+                <a:tailEnd/>
+              </a14:hiddenLine>
+            </a:ext>
+            <a:ext uri="{AF507438-7753-43E0-B8FC-AC1667EBCBE1}">
+              <a14:hiddenEffects xmlns:a14="http://schemas.microsoft.com/office/drawing/2010/main">
+                <a:effectLst>
+                  <a:outerShdw dist="35921" dir="2700000" algn="ctr" rotWithShape="0">
+                    <a:schemeClr val="bg2"/>
+                  </a:outerShdw>
+                </a:effectLst>
+              </a14:hiddenEffects>
+            </a:ext>
+          </a:extLst>
+        </p:spPr>
+      </p:pic>
+    </p:spTree>
+    <p:extLst>
+      <p:ext uri="{BB962C8B-B14F-4D97-AF65-F5344CB8AC3E}">
+        <p14:creationId xmlns:p14="http://schemas.microsoft.com/office/powerpoint/2010/main" val="1505472434"/>
+      </p:ext>
+    </p:extLst>
+  </p:cSld>
+  <p:clrMapOvr>
+    <a:masterClrMapping/>
+  </p:clrMapOvr>
+  <p:timing>
+    <p:tnLst>
+      <p:par>
+        <p:cTn id="1" dur="indefinite" restart="never" nodeType="tmRoot"/>
+      </p:par>
+    </p:tnLst>
+  </p:timing>
+</p:sld>
+</file>
+
+<file path=ppt/slides/slide13.xml><?xml version="1.0" encoding="utf-8"?>
+<p:sld xmlns:a="http://schemas.openxmlformats.org/drawingml/2006/main" xmlns:r="http://schemas.openxmlformats.org/officeDocument/2006/relationships" xmlns:p="http://schemas.openxmlformats.org/presentationml/2006/main">
+  <p:cSld>
+    <p:spTree>
+      <p:nvGrpSpPr>
+        <p:cNvPr id="1" name=""/>
+        <p:cNvGrpSpPr/>
+        <p:nvPr/>
+      </p:nvGrpSpPr>
+      <p:grpSpPr>
+        <a:xfrm>
+          <a:off x="0" y="0"/>
+          <a:ext cx="0" cy="0"/>
+          <a:chOff x="0" y="0"/>
+          <a:chExt cx="0" cy="0"/>
+        </a:xfrm>
+      </p:grpSpPr>
+      <p:sp>
+        <p:nvSpPr>
+          <p:cNvPr id="2" name="Title 1"/>
+          <p:cNvSpPr>
+            <a:spLocks noGrp="1"/>
+          </p:cNvSpPr>
+          <p:nvPr>
+            <p:ph type="title"/>
+          </p:nvPr>
+        </p:nvSpPr>
+        <p:spPr>
+          <a:xfrm>
+            <a:off x="457200" y="274638"/>
+            <a:ext cx="8229600" cy="792162"/>
+          </a:xfrm>
+        </p:spPr>
+        <p:txBody>
+          <a:bodyPr/>
+          <a:lstStyle/>
+          <a:p>
+            <a:pPr algn="l"/>
+            <a:r>
+              <a:rPr lang="en-IN" dirty="0" smtClean="0"/>
+              <a:t>Data Imputation:</a:t>
+            </a:r>
+            <a:endParaRPr lang="en-IN" dirty="0"/>
+          </a:p>
+        </p:txBody>
+      </p:sp>
+      <p:sp>
+        <p:nvSpPr>
+          <p:cNvPr id="3" name="Content Placeholder 2"/>
+          <p:cNvSpPr>
+            <a:spLocks noGrp="1"/>
+          </p:cNvSpPr>
+          <p:nvPr>
+            <p:ph idx="1"/>
+          </p:nvPr>
+        </p:nvSpPr>
+        <p:spPr>
+          <a:xfrm>
+            <a:off x="457200" y="994569"/>
+            <a:ext cx="8229600" cy="3126582"/>
+          </a:xfrm>
+        </p:spPr>
+        <p:txBody>
+          <a:bodyPr>
+            <a:normAutofit/>
+          </a:bodyPr>
+          <a:lstStyle/>
+          <a:p>
+            <a:pPr marL="0" indent="0">
+              <a:buNone/>
+            </a:pPr>
+            <a:r>
+              <a:rPr lang="en-IN" sz="2400" b="1" dirty="0" smtClean="0"/>
+              <a:t># UNIVARIATE IMPUTATION</a:t>
+            </a:r>
+          </a:p>
+          <a:p>
+            <a:pPr marL="0" indent="0">
+              <a:buNone/>
+            </a:pPr>
+            <a:r>
+              <a:rPr lang="en-IN" sz="2400" dirty="0" smtClean="0"/>
+              <a:t>Data imputation </a:t>
+            </a:r>
+          </a:p>
+          <a:p>
+            <a:pPr marL="0" indent="0">
+              <a:buNone/>
+            </a:pPr>
+            <a:r>
+              <a:rPr lang="en-IN" sz="2400" dirty="0" smtClean="0"/>
+              <a:t>with a constant</a:t>
+            </a:r>
+            <a:endParaRPr lang="en-IN" sz="2400" dirty="0"/>
+          </a:p>
+        </p:txBody>
+      </p:sp>
+      <p:pic>
+        <p:nvPicPr>
+          <p:cNvPr id="4" name="Picture 3"/>
+          <p:cNvPicPr>
+            <a:picLocks noChangeAspect="1"/>
+          </p:cNvPicPr>
+          <p:nvPr/>
+        </p:nvPicPr>
+        <p:blipFill>
+          <a:blip r:embed="rId2">
+            <a:extLst>
+              <a:ext uri="{28A0092B-C50C-407E-A947-70E740481C1C}">
+                <a14:useLocalDpi xmlns:a14="http://schemas.microsoft.com/office/drawing/2010/main" val="0"/>
+              </a:ext>
+            </a:extLst>
+          </a:blip>
+          <a:stretch>
+            <a:fillRect/>
+          </a:stretch>
+        </p:blipFill>
+        <p:spPr>
+          <a:xfrm>
+            <a:off x="3124200" y="1752600"/>
+            <a:ext cx="1292633" cy="4756150"/>
+          </a:xfrm>
+          <a:prstGeom prst="rect">
+            <a:avLst/>
+          </a:prstGeom>
+        </p:spPr>
+      </p:pic>
+      <p:sp>
+        <p:nvSpPr>
+          <p:cNvPr id="5" name="Right Arrow 4"/>
+          <p:cNvSpPr/>
+          <p:nvPr/>
+        </p:nvSpPr>
+        <p:spPr>
+          <a:xfrm>
+            <a:off x="4715256" y="3695700"/>
+            <a:ext cx="1219200" cy="533400"/>
+          </a:xfrm>
+          <a:prstGeom prst="rightArrow">
+            <a:avLst/>
+          </a:prstGeom>
+          <a:solidFill>
+            <a:schemeClr val="bg1">
+              <a:lumMod val="65000"/>
+            </a:schemeClr>
+          </a:solidFill>
+          <a:ln>
+            <a:noFill/>
+          </a:ln>
+        </p:spPr>
+        <p:style>
+          <a:lnRef idx="2">
+            <a:schemeClr val="accent1">
+              <a:shade val="50000"/>
+            </a:schemeClr>
+          </a:lnRef>
+          <a:fillRef idx="1">
+            <a:schemeClr val="accent1"/>
+          </a:fillRef>
+          <a:effectRef idx="0">
+            <a:schemeClr val="accent1"/>
+          </a:effectRef>
+          <a:fontRef idx="minor">
+            <a:schemeClr val="lt1"/>
+          </a:fontRef>
+        </p:style>
+        <p:txBody>
+          <a:bodyPr rtlCol="0" anchor="ctr"/>
+          <a:lstStyle/>
+          <a:p>
+            <a:pPr algn="ctr"/>
+            <a:endParaRPr lang="en-IN"/>
+          </a:p>
+        </p:txBody>
+      </p:sp>
+      <p:pic>
+        <p:nvPicPr>
+          <p:cNvPr id="9218" name="Picture 2"/>
+          <p:cNvPicPr>
+            <a:picLocks noChangeAspect="1" noChangeArrowheads="1"/>
+          </p:cNvPicPr>
+          <p:nvPr/>
+        </p:nvPicPr>
+        <p:blipFill>
+          <a:blip r:embed="rId3">
+            <a:extLst>
+              <a:ext uri="{28A0092B-C50C-407E-A947-70E740481C1C}">
+                <a14:useLocalDpi xmlns:a14="http://schemas.microsoft.com/office/drawing/2010/main" val="0"/>
+              </a:ext>
+            </a:extLst>
+          </a:blip>
+          <a:srcRect/>
+          <a:stretch>
+            <a:fillRect/>
+          </a:stretch>
+        </p:blipFill>
+        <p:spPr bwMode="auto">
+          <a:xfrm>
+            <a:off x="6172200" y="1752600"/>
+            <a:ext cx="1219200" cy="4749800"/>
+          </a:xfrm>
+          <a:prstGeom prst="rect">
+            <a:avLst/>
+          </a:prstGeom>
+          <a:noFill/>
+          <a:ln>
+            <a:noFill/>
+          </a:ln>
+          <a:effectLst/>
+          <a:extLst>
+            <a:ext uri="{909E8E84-426E-40DD-AFC4-6F175D3DCCD1}">
+              <a14:hiddenFill xmlns:a14="http://schemas.microsoft.com/office/drawing/2010/main">
+                <a:solidFill>
+                  <a:schemeClr val="accent1"/>
+                </a:solidFill>
+              </a14:hiddenFill>
+            </a:ext>
+            <a:ext uri="{91240B29-F687-4F45-9708-019B960494DF}">
+              <a14:hiddenLine xmlns:a14="http://schemas.microsoft.com/office/drawing/2010/main" w="9525">
+                <a:solidFill>
+                  <a:schemeClr val="tx1"/>
+                </a:solidFill>
+                <a:miter lim="800000"/>
+                <a:headEnd/>
+                <a:tailEnd/>
+              </a14:hiddenLine>
+            </a:ext>
+            <a:ext uri="{AF507438-7753-43E0-B8FC-AC1667EBCBE1}">
+              <a14:hiddenEffects xmlns:a14="http://schemas.microsoft.com/office/drawing/2010/main">
+                <a:effectLst>
+                  <a:outerShdw dist="35921" dir="2700000" algn="ctr" rotWithShape="0">
+                    <a:schemeClr val="bg2"/>
+                  </a:outerShdw>
+                </a:effectLst>
+              </a14:hiddenEffects>
+            </a:ext>
+          </a:extLst>
+        </p:spPr>
+      </p:pic>
+    </p:spTree>
+    <p:extLst>
+      <p:ext uri="{BB962C8B-B14F-4D97-AF65-F5344CB8AC3E}">
+        <p14:creationId xmlns:p14="http://schemas.microsoft.com/office/powerpoint/2010/main" val="2833837665"/>
+      </p:ext>
+    </p:extLst>
+  </p:cSld>
+  <p:clrMapOvr>
+    <a:masterClrMapping/>
+  </p:clrMapOvr>
+  <p:timing>
+    <p:tnLst>
+      <p:par>
+        <p:cTn id="1" dur="indefinite" restart="never" nodeType="tmRoot"/>
+      </p:par>
+    </p:tnLst>
+  </p:timing>
+</p:sld>
+</file>
+
+<file path=ppt/slides/slide14.xml><?xml version="1.0" encoding="utf-8"?>
+<p:sld xmlns:a="http://schemas.openxmlformats.org/drawingml/2006/main" xmlns:r="http://schemas.openxmlformats.org/officeDocument/2006/relationships" xmlns:p="http://schemas.openxmlformats.org/presentationml/2006/main">
+  <p:cSld>
+    <p:spTree>
+      <p:nvGrpSpPr>
+        <p:cNvPr id="1" name=""/>
+        <p:cNvGrpSpPr/>
+        <p:nvPr/>
+      </p:nvGrpSpPr>
+      <p:grpSpPr>
+        <a:xfrm>
+          <a:off x="0" y="0"/>
+          <a:ext cx="0" cy="0"/>
+          <a:chOff x="0" y="0"/>
+          <a:chExt cx="0" cy="0"/>
+        </a:xfrm>
+      </p:grpSpPr>
+      <p:sp>
+        <p:nvSpPr>
+          <p:cNvPr id="2" name="Title 1"/>
+          <p:cNvSpPr>
+            <a:spLocks noGrp="1"/>
+          </p:cNvSpPr>
+          <p:nvPr>
+            <p:ph type="title"/>
+          </p:nvPr>
+        </p:nvSpPr>
+        <p:spPr>
+          <a:xfrm>
+            <a:off x="457200" y="274638"/>
+            <a:ext cx="8229600" cy="792162"/>
+          </a:xfrm>
+        </p:spPr>
+        <p:txBody>
+          <a:bodyPr/>
+          <a:lstStyle/>
+          <a:p>
+            <a:pPr algn="l"/>
+            <a:r>
+              <a:rPr lang="en-IN" dirty="0" smtClean="0"/>
+              <a:t>Data Imputation:</a:t>
+            </a:r>
+            <a:endParaRPr lang="en-IN" dirty="0"/>
+          </a:p>
+        </p:txBody>
+      </p:sp>
+      <p:sp>
+        <p:nvSpPr>
+          <p:cNvPr id="3" name="Content Placeholder 2"/>
+          <p:cNvSpPr>
+            <a:spLocks noGrp="1"/>
+          </p:cNvSpPr>
+          <p:nvPr>
+            <p:ph idx="1"/>
+          </p:nvPr>
+        </p:nvSpPr>
+        <p:spPr>
+          <a:xfrm>
+            <a:off x="457200" y="994569"/>
+            <a:ext cx="8229600" cy="3126582"/>
+          </a:xfrm>
+        </p:spPr>
+        <p:txBody>
+          <a:bodyPr>
+            <a:normAutofit fontScale="92500"/>
+          </a:bodyPr>
+          <a:lstStyle/>
+          <a:p>
+            <a:pPr marL="0" indent="0">
+              <a:buNone/>
+            </a:pPr>
+            <a:r>
+              <a:rPr lang="en-IN" sz="2400" b="1" dirty="0" smtClean="0"/>
+              <a:t># MULTIVARIATE IMPUTATION (Iterative Regression Imputation)</a:t>
+            </a:r>
+          </a:p>
+          <a:p>
+            <a:pPr marL="0" indent="0">
+              <a:buNone/>
+            </a:pPr>
+            <a:r>
+              <a:rPr lang="en-IN" sz="2400" dirty="0" smtClean="0"/>
+              <a:t>		      Importing dependencies</a:t>
+            </a:r>
+          </a:p>
+          <a:p>
+            <a:pPr marL="0" indent="0">
+              <a:buNone/>
+            </a:pPr>
+            <a:endParaRPr lang="en-IN" sz="2400" dirty="0"/>
+          </a:p>
+          <a:p>
+            <a:pPr marL="0" indent="0">
+              <a:buNone/>
+            </a:pPr>
+            <a:endParaRPr lang="en-IN" sz="2400" dirty="0" smtClean="0"/>
+          </a:p>
+          <a:p>
+            <a:pPr marL="0" indent="0">
+              <a:buNone/>
+            </a:pPr>
+            <a:endParaRPr lang="en-IN" sz="2400" dirty="0"/>
+          </a:p>
+          <a:p>
+            <a:pPr marL="0" indent="0">
+              <a:buNone/>
+            </a:pPr>
+            <a:endParaRPr lang="en-IN" sz="2400" b="1" dirty="0" smtClean="0"/>
+          </a:p>
+          <a:p>
+            <a:pPr marL="0" indent="0">
+              <a:buNone/>
+            </a:pPr>
+            <a:r>
+              <a:rPr lang="en-IN" sz="2400" b="1" dirty="0" smtClean="0"/>
+              <a:t>1.                        Bayesian Ridge Regressor imputation</a:t>
+            </a:r>
+            <a:r>
+              <a:rPr lang="en-IN" sz="2400" b="1" dirty="0"/>
+              <a:t>	</a:t>
+            </a:r>
+            <a:r>
+              <a:rPr lang="en-IN" sz="2400" b="1" dirty="0" smtClean="0"/>
+              <a:t>	</a:t>
+            </a:r>
+            <a:endParaRPr lang="en-IN" sz="2400" b="1" dirty="0"/>
+          </a:p>
+        </p:txBody>
+      </p:sp>
+      <p:pic>
+        <p:nvPicPr>
+          <p:cNvPr id="13314" name="Picture 2"/>
+          <p:cNvPicPr>
+            <a:picLocks noChangeAspect="1" noChangeArrowheads="1"/>
+          </p:cNvPicPr>
+          <p:nvPr/>
+        </p:nvPicPr>
+        <p:blipFill>
+          <a:blip r:embed="rId2">
+            <a:extLst>
+              <a:ext uri="{28A0092B-C50C-407E-A947-70E740481C1C}">
+                <a14:useLocalDpi xmlns:a14="http://schemas.microsoft.com/office/drawing/2010/main" val="0"/>
+              </a:ext>
+            </a:extLst>
+          </a:blip>
+          <a:srcRect/>
+          <a:stretch>
+            <a:fillRect/>
+          </a:stretch>
+        </p:blipFill>
+        <p:spPr bwMode="auto">
+          <a:xfrm>
+            <a:off x="228600" y="1905000"/>
+            <a:ext cx="8839200" cy="1192293"/>
+          </a:xfrm>
+          <a:prstGeom prst="rect">
+            <a:avLst/>
+          </a:prstGeom>
+          <a:noFill/>
+          <a:ln>
+            <a:noFill/>
+          </a:ln>
+          <a:effectLst/>
+          <a:extLst>
+            <a:ext uri="{909E8E84-426E-40DD-AFC4-6F175D3DCCD1}">
+              <a14:hiddenFill xmlns:a14="http://schemas.microsoft.com/office/drawing/2010/main">
+                <a:solidFill>
+                  <a:schemeClr val="accent1"/>
+                </a:solidFill>
+              </a14:hiddenFill>
+            </a:ext>
+            <a:ext uri="{91240B29-F687-4F45-9708-019B960494DF}">
+              <a14:hiddenLine xmlns:a14="http://schemas.microsoft.com/office/drawing/2010/main" w="9525">
+                <a:solidFill>
+                  <a:schemeClr val="tx1"/>
+                </a:solidFill>
+                <a:miter lim="800000"/>
+                <a:headEnd/>
+                <a:tailEnd/>
+              </a14:hiddenLine>
+            </a:ext>
+            <a:ext uri="{AF507438-7753-43E0-B8FC-AC1667EBCBE1}">
+              <a14:hiddenEffects xmlns:a14="http://schemas.microsoft.com/office/drawing/2010/main">
+                <a:effectLst>
+                  <a:outerShdw dist="35921" dir="2700000" algn="ctr" rotWithShape="0">
+                    <a:schemeClr val="bg2"/>
+                  </a:outerShdw>
+                </a:effectLst>
+              </a14:hiddenEffects>
+            </a:ext>
+          </a:extLst>
+        </p:spPr>
+      </p:pic>
+      <p:pic>
+        <p:nvPicPr>
+          <p:cNvPr id="4" name="Picture 3"/>
+          <p:cNvPicPr>
+            <a:picLocks noChangeAspect="1"/>
+          </p:cNvPicPr>
+          <p:nvPr/>
+        </p:nvPicPr>
+        <p:blipFill>
+          <a:blip r:embed="rId3">
+            <a:extLst>
+              <a:ext uri="{28A0092B-C50C-407E-A947-70E740481C1C}">
+                <a14:useLocalDpi xmlns:a14="http://schemas.microsoft.com/office/drawing/2010/main" val="0"/>
+              </a:ext>
+            </a:extLst>
+          </a:blip>
+          <a:stretch>
+            <a:fillRect/>
+          </a:stretch>
+        </p:blipFill>
+        <p:spPr>
+          <a:xfrm>
+            <a:off x="0" y="4038600"/>
+            <a:ext cx="9144000" cy="2020584"/>
+          </a:xfrm>
+          <a:prstGeom prst="rect">
+            <a:avLst/>
+          </a:prstGeom>
+        </p:spPr>
+      </p:pic>
+    </p:spTree>
+    <p:extLst>
+      <p:ext uri="{BB962C8B-B14F-4D97-AF65-F5344CB8AC3E}">
+        <p14:creationId xmlns:p14="http://schemas.microsoft.com/office/powerpoint/2010/main" val="278376518"/>
+      </p:ext>
+    </p:extLst>
+  </p:cSld>
+  <p:clrMapOvr>
+    <a:masterClrMapping/>
+  </p:clrMapOvr>
+  <p:timing>
+    <p:tnLst>
+      <p:par>
+        <p:cTn id="1" dur="indefinite" restart="never" nodeType="tmRoot"/>
+      </p:par>
+    </p:tnLst>
+  </p:timing>
+</p:sld>
+</file>
+
+<file path=ppt/slides/slide15.xml><?xml version="1.0" encoding="utf-8"?>
+<p:sld xmlns:a="http://schemas.openxmlformats.org/drawingml/2006/main" xmlns:r="http://schemas.openxmlformats.org/officeDocument/2006/relationships" xmlns:p="http://schemas.openxmlformats.org/presentationml/2006/main">
+  <p:cSld>
+    <p:spTree>
+      <p:nvGrpSpPr>
+        <p:cNvPr id="1" name=""/>
+        <p:cNvGrpSpPr/>
+        <p:nvPr/>
+      </p:nvGrpSpPr>
+      <p:grpSpPr>
+        <a:xfrm>
+          <a:off x="0" y="0"/>
+          <a:ext cx="0" cy="0"/>
+          <a:chOff x="0" y="0"/>
+          <a:chExt cx="0" cy="0"/>
+        </a:xfrm>
+      </p:grpSpPr>
+      <p:sp>
+        <p:nvSpPr>
+          <p:cNvPr id="2" name="Title 1"/>
+          <p:cNvSpPr>
+            <a:spLocks noGrp="1"/>
+          </p:cNvSpPr>
+          <p:nvPr>
+            <p:ph type="title"/>
+          </p:nvPr>
+        </p:nvSpPr>
+        <p:spPr>
+          <a:xfrm>
+            <a:off x="457200" y="274638"/>
+            <a:ext cx="8229600" cy="792162"/>
+          </a:xfrm>
+        </p:spPr>
+        <p:txBody>
+          <a:bodyPr/>
+          <a:lstStyle/>
+          <a:p>
+            <a:pPr algn="l"/>
+            <a:r>
+              <a:rPr lang="en-IN" dirty="0" smtClean="0"/>
+              <a:t>Data Imputation:</a:t>
+            </a:r>
+            <a:endParaRPr lang="en-IN" dirty="0"/>
+          </a:p>
+        </p:txBody>
+      </p:sp>
+      <p:sp>
+        <p:nvSpPr>
+          <p:cNvPr id="3" name="Content Placeholder 2"/>
+          <p:cNvSpPr>
+            <a:spLocks noGrp="1"/>
+          </p:cNvSpPr>
+          <p:nvPr>
+            <p:ph idx="1"/>
+          </p:nvPr>
+        </p:nvSpPr>
+        <p:spPr>
+          <a:xfrm>
+            <a:off x="457200" y="994569"/>
+            <a:ext cx="8229600" cy="3126582"/>
+          </a:xfrm>
+        </p:spPr>
+        <p:txBody>
+          <a:bodyPr>
+            <a:normAutofit/>
+          </a:bodyPr>
+          <a:lstStyle/>
+          <a:p>
+            <a:pPr marL="0" indent="0">
+              <a:buNone/>
+            </a:pPr>
+            <a:r>
+              <a:rPr lang="en-IN" sz="2400" b="1" dirty="0" smtClean="0"/>
+              <a:t># MULTIVARIATE IMPUTATION</a:t>
+            </a:r>
+          </a:p>
+          <a:p>
+            <a:pPr marL="0" indent="0">
+              <a:buNone/>
+            </a:pPr>
+            <a:r>
+              <a:rPr lang="en-IN" sz="2400" dirty="0" smtClean="0"/>
+              <a:t>Bayesian Ridge</a:t>
+            </a:r>
+          </a:p>
+          <a:p>
+            <a:pPr marL="0" indent="0">
+              <a:buNone/>
+            </a:pPr>
+            <a:r>
+              <a:rPr lang="en-IN" sz="2400" dirty="0" smtClean="0"/>
+              <a:t>Imputed data</a:t>
+            </a:r>
+          </a:p>
+        </p:txBody>
+      </p:sp>
+      <p:pic>
+        <p:nvPicPr>
+          <p:cNvPr id="4" name="Picture 3"/>
+          <p:cNvPicPr>
+            <a:picLocks noChangeAspect="1"/>
+          </p:cNvPicPr>
+          <p:nvPr/>
+        </p:nvPicPr>
+        <p:blipFill>
+          <a:blip r:embed="rId2">
+            <a:extLst>
+              <a:ext uri="{28A0092B-C50C-407E-A947-70E740481C1C}">
+                <a14:useLocalDpi xmlns:a14="http://schemas.microsoft.com/office/drawing/2010/main" val="0"/>
+              </a:ext>
+            </a:extLst>
+          </a:blip>
+          <a:stretch>
+            <a:fillRect/>
+          </a:stretch>
+        </p:blipFill>
+        <p:spPr>
+          <a:xfrm>
+            <a:off x="3124200" y="1752600"/>
+            <a:ext cx="1292633" cy="4756150"/>
+          </a:xfrm>
+          <a:prstGeom prst="rect">
+            <a:avLst/>
+          </a:prstGeom>
+        </p:spPr>
+      </p:pic>
+      <p:sp>
+        <p:nvSpPr>
+          <p:cNvPr id="5" name="Right Arrow 4"/>
+          <p:cNvSpPr/>
+          <p:nvPr/>
+        </p:nvSpPr>
+        <p:spPr>
+          <a:xfrm>
+            <a:off x="4715256" y="3695700"/>
+            <a:ext cx="1219200" cy="533400"/>
+          </a:xfrm>
+          <a:prstGeom prst="rightArrow">
+            <a:avLst/>
+          </a:prstGeom>
+          <a:solidFill>
+            <a:schemeClr val="bg1">
+              <a:lumMod val="65000"/>
+            </a:schemeClr>
+          </a:solidFill>
+          <a:ln>
+            <a:noFill/>
+          </a:ln>
+        </p:spPr>
+        <p:style>
+          <a:lnRef idx="2">
+            <a:schemeClr val="accent1">
+              <a:shade val="50000"/>
+            </a:schemeClr>
+          </a:lnRef>
+          <a:fillRef idx="1">
+            <a:schemeClr val="accent1"/>
+          </a:fillRef>
+          <a:effectRef idx="0">
+            <a:schemeClr val="accent1"/>
+          </a:effectRef>
+          <a:fontRef idx="minor">
+            <a:schemeClr val="lt1"/>
+          </a:fontRef>
+        </p:style>
+        <p:txBody>
+          <a:bodyPr rtlCol="0" anchor="ctr"/>
+          <a:lstStyle/>
+          <a:p>
+            <a:pPr algn="ctr"/>
+            <a:endParaRPr lang="en-IN"/>
+          </a:p>
+        </p:txBody>
+      </p:sp>
+      <p:pic>
+        <p:nvPicPr>
+          <p:cNvPr id="14338" name="Picture 2"/>
+          <p:cNvPicPr>
+            <a:picLocks noChangeAspect="1" noChangeArrowheads="1"/>
+          </p:cNvPicPr>
+          <p:nvPr/>
+        </p:nvPicPr>
+        <p:blipFill>
+          <a:blip r:embed="rId3">
+            <a:extLst>
+              <a:ext uri="{28A0092B-C50C-407E-A947-70E740481C1C}">
+                <a14:useLocalDpi xmlns:a14="http://schemas.microsoft.com/office/drawing/2010/main" val="0"/>
+              </a:ext>
+            </a:extLst>
+          </a:blip>
+          <a:srcRect/>
+          <a:stretch>
+            <a:fillRect/>
+          </a:stretch>
+        </p:blipFill>
+        <p:spPr bwMode="auto">
+          <a:xfrm>
+            <a:off x="6172200" y="1752600"/>
+            <a:ext cx="1645091" cy="4767263"/>
+          </a:xfrm>
+          <a:prstGeom prst="rect">
+            <a:avLst/>
+          </a:prstGeom>
+          <a:noFill/>
+          <a:ln>
+            <a:noFill/>
+          </a:ln>
+          <a:effectLst/>
+          <a:extLst>
+            <a:ext uri="{909E8E84-426E-40DD-AFC4-6F175D3DCCD1}">
+              <a14:hiddenFill xmlns:a14="http://schemas.microsoft.com/office/drawing/2010/main">
+                <a:solidFill>
+                  <a:schemeClr val="accent1"/>
+                </a:solidFill>
+              </a14:hiddenFill>
+            </a:ext>
+            <a:ext uri="{91240B29-F687-4F45-9708-019B960494DF}">
+              <a14:hiddenLine xmlns:a14="http://schemas.microsoft.com/office/drawing/2010/main" w="9525">
+                <a:solidFill>
+                  <a:schemeClr val="tx1"/>
+                </a:solidFill>
+                <a:miter lim="800000"/>
+                <a:headEnd/>
+                <a:tailEnd/>
+              </a14:hiddenLine>
+            </a:ext>
+            <a:ext uri="{AF507438-7753-43E0-B8FC-AC1667EBCBE1}">
+              <a14:hiddenEffects xmlns:a14="http://schemas.microsoft.com/office/drawing/2010/main">
+                <a:effectLst>
+                  <a:outerShdw dist="35921" dir="2700000" algn="ctr" rotWithShape="0">
+                    <a:schemeClr val="bg2"/>
+                  </a:outerShdw>
+                </a:effectLst>
+              </a14:hiddenEffects>
+            </a:ext>
+          </a:extLst>
+        </p:spPr>
+      </p:pic>
+    </p:spTree>
+    <p:extLst>
+      <p:ext uri="{BB962C8B-B14F-4D97-AF65-F5344CB8AC3E}">
+        <p14:creationId xmlns:p14="http://schemas.microsoft.com/office/powerpoint/2010/main" val="2215934593"/>
+      </p:ext>
+    </p:extLst>
+  </p:cSld>
+  <p:clrMapOvr>
+    <a:masterClrMapping/>
+  </p:clrMapOvr>
+  <p:timing>
+    <p:tnLst>
+      <p:par>
+        <p:cTn id="1" dur="indefinite" restart="never" nodeType="tmRoot"/>
+      </p:par>
+    </p:tnLst>
+  </p:timing>
+</p:sld>
+</file>
+
+<file path=ppt/slides/slide16.xml><?xml version="1.0" encoding="utf-8"?>
+<p:sld xmlns:a="http://schemas.openxmlformats.org/drawingml/2006/main" xmlns:r="http://schemas.openxmlformats.org/officeDocument/2006/relationships" xmlns:p="http://schemas.openxmlformats.org/presentationml/2006/main">
+  <p:cSld>
+    <p:spTree>
+      <p:nvGrpSpPr>
+        <p:cNvPr id="1" name=""/>
+        <p:cNvGrpSpPr/>
+        <p:nvPr/>
+      </p:nvGrpSpPr>
+      <p:grpSpPr>
+        <a:xfrm>
+          <a:off x="0" y="0"/>
+          <a:ext cx="0" cy="0"/>
+          <a:chOff x="0" y="0"/>
+          <a:chExt cx="0" cy="0"/>
+        </a:xfrm>
+      </p:grpSpPr>
+      <p:sp>
+        <p:nvSpPr>
+          <p:cNvPr id="2" name="Title 1"/>
+          <p:cNvSpPr>
+            <a:spLocks noGrp="1"/>
+          </p:cNvSpPr>
+          <p:nvPr>
+            <p:ph type="title"/>
+          </p:nvPr>
+        </p:nvSpPr>
+        <p:spPr>
+          <a:xfrm>
+            <a:off x="457200" y="274638"/>
+            <a:ext cx="8229600" cy="792162"/>
+          </a:xfrm>
+        </p:spPr>
+        <p:txBody>
+          <a:bodyPr/>
+          <a:lstStyle/>
+          <a:p>
+            <a:pPr algn="l"/>
+            <a:r>
+              <a:rPr lang="en-IN" dirty="0" smtClean="0"/>
+              <a:t>Data Imputation:</a:t>
+            </a:r>
+            <a:endParaRPr lang="en-IN" dirty="0"/>
+          </a:p>
+        </p:txBody>
+      </p:sp>
+      <p:sp>
+        <p:nvSpPr>
+          <p:cNvPr id="3" name="Content Placeholder 2"/>
+          <p:cNvSpPr>
+            <a:spLocks noGrp="1"/>
+          </p:cNvSpPr>
+          <p:nvPr>
+            <p:ph idx="1"/>
+          </p:nvPr>
+        </p:nvSpPr>
+        <p:spPr>
+          <a:xfrm>
+            <a:off x="457200" y="994569"/>
+            <a:ext cx="8229600" cy="3126582"/>
+          </a:xfrm>
+        </p:spPr>
+        <p:txBody>
+          <a:bodyPr>
+            <a:normAutofit/>
+          </a:bodyPr>
+          <a:lstStyle/>
+          <a:p>
+            <a:pPr marL="0" indent="0">
+              <a:buNone/>
+            </a:pPr>
+            <a:r>
+              <a:rPr lang="en-IN" sz="2400" b="1" dirty="0" smtClean="0"/>
+              <a:t># MULTIVARIATE IMPUTATION (Iterative Regression Imputation)</a:t>
+            </a:r>
+          </a:p>
+          <a:p>
+            <a:pPr marL="0" indent="0">
+              <a:buNone/>
+            </a:pPr>
+            <a:r>
+              <a:rPr lang="en-IN" sz="2400" dirty="0" smtClean="0"/>
+              <a:t>		      Importing dependencies</a:t>
+            </a:r>
+          </a:p>
+          <a:p>
+            <a:pPr marL="0" indent="0">
+              <a:buNone/>
+            </a:pPr>
+            <a:endParaRPr lang="en-IN" sz="2400" dirty="0"/>
+          </a:p>
+          <a:p>
+            <a:pPr marL="0" indent="0">
+              <a:buNone/>
+            </a:pPr>
+            <a:endParaRPr lang="en-IN" sz="2400" dirty="0" smtClean="0"/>
+          </a:p>
+          <a:p>
+            <a:pPr marL="0" indent="0">
+              <a:buNone/>
+            </a:pPr>
+            <a:endParaRPr lang="en-IN" sz="2400" dirty="0"/>
+          </a:p>
+          <a:p>
+            <a:pPr marL="0" indent="0">
+              <a:buNone/>
+            </a:pPr>
+            <a:endParaRPr lang="en-IN" sz="2400" b="1" dirty="0" smtClean="0"/>
+          </a:p>
+          <a:p>
+            <a:pPr marL="0" indent="0">
+              <a:buNone/>
+            </a:pPr>
+            <a:r>
+              <a:rPr lang="en-IN" sz="2400" b="1" dirty="0" smtClean="0"/>
+              <a:t>2.                        Decision tree Regressor imputation</a:t>
+            </a:r>
+            <a:r>
+              <a:rPr lang="en-IN" sz="2400" b="1" dirty="0"/>
+              <a:t>	</a:t>
+            </a:r>
+            <a:r>
+              <a:rPr lang="en-IN" sz="2400" b="1" dirty="0" smtClean="0"/>
+              <a:t>	</a:t>
+            </a:r>
+            <a:endParaRPr lang="en-IN" sz="2400" b="1" dirty="0"/>
+          </a:p>
+        </p:txBody>
+      </p:sp>
+      <p:pic>
+        <p:nvPicPr>
+          <p:cNvPr id="13314" name="Picture 2"/>
+          <p:cNvPicPr>
+            <a:picLocks noChangeAspect="1" noChangeArrowheads="1"/>
+          </p:cNvPicPr>
+          <p:nvPr/>
+        </p:nvPicPr>
+        <p:blipFill>
+          <a:blip r:embed="rId2">
+            <a:extLst>
+              <a:ext uri="{28A0092B-C50C-407E-A947-70E740481C1C}">
+                <a14:useLocalDpi xmlns:a14="http://schemas.microsoft.com/office/drawing/2010/main" val="0"/>
+              </a:ext>
+            </a:extLst>
+          </a:blip>
+          <a:srcRect/>
+          <a:stretch>
+            <a:fillRect/>
+          </a:stretch>
+        </p:blipFill>
+        <p:spPr bwMode="auto">
+          <a:xfrm>
+            <a:off x="228600" y="1905000"/>
+            <a:ext cx="8839200" cy="1192293"/>
+          </a:xfrm>
+          <a:prstGeom prst="rect">
+            <a:avLst/>
+          </a:prstGeom>
+          <a:noFill/>
+          <a:ln>
+            <a:noFill/>
+          </a:ln>
+          <a:effectLst/>
+          <a:extLst>
+            <a:ext uri="{909E8E84-426E-40DD-AFC4-6F175D3DCCD1}">
+              <a14:hiddenFill xmlns:a14="http://schemas.microsoft.com/office/drawing/2010/main">
+                <a:solidFill>
+                  <a:schemeClr val="accent1"/>
+                </a:solidFill>
+              </a14:hiddenFill>
+            </a:ext>
+            <a:ext uri="{91240B29-F687-4F45-9708-019B960494DF}">
+              <a14:hiddenLine xmlns:a14="http://schemas.microsoft.com/office/drawing/2010/main" w="9525">
+                <a:solidFill>
+                  <a:schemeClr val="tx1"/>
+                </a:solidFill>
+                <a:miter lim="800000"/>
+                <a:headEnd/>
+                <a:tailEnd/>
+              </a14:hiddenLine>
+            </a:ext>
+            <a:ext uri="{AF507438-7753-43E0-B8FC-AC1667EBCBE1}">
+              <a14:hiddenEffects xmlns:a14="http://schemas.microsoft.com/office/drawing/2010/main">
+                <a:effectLst>
+                  <a:outerShdw dist="35921" dir="2700000" algn="ctr" rotWithShape="0">
+                    <a:schemeClr val="bg2"/>
+                  </a:outerShdw>
+                </a:effectLst>
+              </a14:hiddenEffects>
+            </a:ext>
+          </a:extLst>
+        </p:spPr>
+      </p:pic>
+      <p:pic>
+        <p:nvPicPr>
+          <p:cNvPr id="4" name="Picture 3"/>
+          <p:cNvPicPr>
+            <a:picLocks noChangeAspect="1"/>
+          </p:cNvPicPr>
+          <p:nvPr/>
+        </p:nvPicPr>
+        <p:blipFill>
+          <a:blip r:embed="rId3">
+            <a:extLst>
+              <a:ext uri="{28A0092B-C50C-407E-A947-70E740481C1C}">
+                <a14:useLocalDpi xmlns:a14="http://schemas.microsoft.com/office/drawing/2010/main" val="0"/>
+              </a:ext>
+            </a:extLst>
+          </a:blip>
+          <a:stretch>
+            <a:fillRect/>
+          </a:stretch>
+        </p:blipFill>
+        <p:spPr>
+          <a:xfrm>
+            <a:off x="0" y="4191000"/>
+            <a:ext cx="9144000" cy="2144068"/>
+          </a:xfrm>
+          <a:prstGeom prst="rect">
+            <a:avLst/>
+          </a:prstGeom>
+        </p:spPr>
+      </p:pic>
+    </p:spTree>
+    <p:extLst>
+      <p:ext uri="{BB962C8B-B14F-4D97-AF65-F5344CB8AC3E}">
+        <p14:creationId xmlns:p14="http://schemas.microsoft.com/office/powerpoint/2010/main" val="4024891230"/>
+      </p:ext>
+    </p:extLst>
+  </p:cSld>
+  <p:clrMapOvr>
+    <a:masterClrMapping/>
+  </p:clrMapOvr>
+  <p:timing>
+    <p:tnLst>
+      <p:par>
+        <p:cTn id="1" dur="indefinite" restart="never" nodeType="tmRoot"/>
+      </p:par>
+    </p:tnLst>
+  </p:timing>
+</p:sld>
+</file>
+
+<file path=ppt/slides/slide17.xml><?xml version="1.0" encoding="utf-8"?>
+<p:sld xmlns:a="http://schemas.openxmlformats.org/drawingml/2006/main" xmlns:r="http://schemas.openxmlformats.org/officeDocument/2006/relationships" xmlns:p="http://schemas.openxmlformats.org/presentationml/2006/main">
+  <p:cSld>
+    <p:spTree>
+      <p:nvGrpSpPr>
+        <p:cNvPr id="1" name=""/>
+        <p:cNvGrpSpPr/>
+        <p:nvPr/>
+      </p:nvGrpSpPr>
+      <p:grpSpPr>
+        <a:xfrm>
+          <a:off x="0" y="0"/>
+          <a:ext cx="0" cy="0"/>
+          <a:chOff x="0" y="0"/>
+          <a:chExt cx="0" cy="0"/>
+        </a:xfrm>
+      </p:grpSpPr>
+      <p:sp>
+        <p:nvSpPr>
+          <p:cNvPr id="2" name="Title 1"/>
+          <p:cNvSpPr>
+            <a:spLocks noGrp="1"/>
+          </p:cNvSpPr>
+          <p:nvPr>
+            <p:ph type="title"/>
+          </p:nvPr>
+        </p:nvSpPr>
+        <p:spPr>
+          <a:xfrm>
+            <a:off x="457200" y="274638"/>
+            <a:ext cx="8229600" cy="792162"/>
+          </a:xfrm>
+        </p:spPr>
+        <p:txBody>
+          <a:bodyPr/>
+          <a:lstStyle/>
+          <a:p>
+            <a:pPr algn="l"/>
+            <a:r>
+              <a:rPr lang="en-IN" dirty="0" smtClean="0"/>
+              <a:t>Data Imputation:</a:t>
+            </a:r>
+            <a:endParaRPr lang="en-IN" dirty="0"/>
+          </a:p>
+        </p:txBody>
+      </p:sp>
+      <p:sp>
+        <p:nvSpPr>
+          <p:cNvPr id="3" name="Content Placeholder 2"/>
+          <p:cNvSpPr>
+            <a:spLocks noGrp="1"/>
+          </p:cNvSpPr>
+          <p:nvPr>
+            <p:ph idx="1"/>
+          </p:nvPr>
+        </p:nvSpPr>
+        <p:spPr>
+          <a:xfrm>
+            <a:off x="457200" y="994569"/>
+            <a:ext cx="8229600" cy="3126582"/>
+          </a:xfrm>
+        </p:spPr>
+        <p:txBody>
+          <a:bodyPr>
+            <a:normAutofit/>
+          </a:bodyPr>
+          <a:lstStyle/>
+          <a:p>
+            <a:pPr marL="0" indent="0">
+              <a:buNone/>
+            </a:pPr>
+            <a:r>
+              <a:rPr lang="en-IN" sz="2400" b="1" dirty="0" smtClean="0"/>
+              <a:t># MULTIVARIATE IMPUTATION</a:t>
+            </a:r>
+          </a:p>
+          <a:p>
+            <a:pPr marL="0" indent="0">
+              <a:buNone/>
+            </a:pPr>
+            <a:r>
+              <a:rPr lang="en-IN" sz="2400" dirty="0" smtClean="0"/>
+              <a:t>Decision tree </a:t>
+            </a:r>
+          </a:p>
+          <a:p>
+            <a:pPr marL="0" indent="0">
+              <a:buNone/>
+            </a:pPr>
+            <a:r>
+              <a:rPr lang="en-IN" sz="2400" dirty="0" smtClean="0"/>
+              <a:t>Imputed data</a:t>
+            </a:r>
+          </a:p>
+        </p:txBody>
+      </p:sp>
+      <p:pic>
+        <p:nvPicPr>
+          <p:cNvPr id="4" name="Picture 3"/>
+          <p:cNvPicPr>
+            <a:picLocks noChangeAspect="1"/>
+          </p:cNvPicPr>
+          <p:nvPr/>
+        </p:nvPicPr>
+        <p:blipFill>
+          <a:blip r:embed="rId2">
+            <a:extLst>
+              <a:ext uri="{28A0092B-C50C-407E-A947-70E740481C1C}">
+                <a14:useLocalDpi xmlns:a14="http://schemas.microsoft.com/office/drawing/2010/main" val="0"/>
+              </a:ext>
+            </a:extLst>
+          </a:blip>
+          <a:stretch>
+            <a:fillRect/>
+          </a:stretch>
+        </p:blipFill>
+        <p:spPr>
+          <a:xfrm>
+            <a:off x="3124200" y="1752600"/>
+            <a:ext cx="1292633" cy="4756150"/>
+          </a:xfrm>
+          <a:prstGeom prst="rect">
+            <a:avLst/>
+          </a:prstGeom>
+        </p:spPr>
+      </p:pic>
+      <p:sp>
+        <p:nvSpPr>
+          <p:cNvPr id="5" name="Right Arrow 4"/>
+          <p:cNvSpPr/>
+          <p:nvPr/>
+        </p:nvSpPr>
+        <p:spPr>
+          <a:xfrm>
+            <a:off x="4715256" y="3695700"/>
+            <a:ext cx="1219200" cy="533400"/>
+          </a:xfrm>
+          <a:prstGeom prst="rightArrow">
+            <a:avLst/>
+          </a:prstGeom>
+          <a:solidFill>
+            <a:schemeClr val="bg1">
+              <a:lumMod val="65000"/>
+            </a:schemeClr>
+          </a:solidFill>
+          <a:ln>
+            <a:noFill/>
+          </a:ln>
+        </p:spPr>
+        <p:style>
+          <a:lnRef idx="2">
+            <a:schemeClr val="accent1">
+              <a:shade val="50000"/>
+            </a:schemeClr>
+          </a:lnRef>
+          <a:fillRef idx="1">
+            <a:schemeClr val="accent1"/>
+          </a:fillRef>
+          <a:effectRef idx="0">
+            <a:schemeClr val="accent1"/>
+          </a:effectRef>
+          <a:fontRef idx="minor">
+            <a:schemeClr val="lt1"/>
+          </a:fontRef>
+        </p:style>
+        <p:txBody>
+          <a:bodyPr rtlCol="0" anchor="ctr"/>
+          <a:lstStyle/>
+          <a:p>
+            <a:pPr algn="ctr"/>
+            <a:endParaRPr lang="en-IN"/>
+          </a:p>
+        </p:txBody>
+      </p:sp>
+      <p:pic>
+        <p:nvPicPr>
+          <p:cNvPr id="15363" name="Picture 3"/>
+          <p:cNvPicPr>
+            <a:picLocks noChangeAspect="1" noChangeArrowheads="1"/>
+          </p:cNvPicPr>
+          <p:nvPr/>
+        </p:nvPicPr>
+        <p:blipFill>
+          <a:blip r:embed="rId3">
+            <a:extLst>
+              <a:ext uri="{28A0092B-C50C-407E-A947-70E740481C1C}">
+                <a14:useLocalDpi xmlns:a14="http://schemas.microsoft.com/office/drawing/2010/main" val="0"/>
+              </a:ext>
+            </a:extLst>
+          </a:blip>
+          <a:srcRect/>
+          <a:stretch>
+            <a:fillRect/>
+          </a:stretch>
+        </p:blipFill>
+        <p:spPr bwMode="auto">
+          <a:xfrm>
+            <a:off x="6096000" y="1778793"/>
+            <a:ext cx="1219200" cy="4689765"/>
+          </a:xfrm>
+          <a:prstGeom prst="rect">
+            <a:avLst/>
+          </a:prstGeom>
+          <a:noFill/>
+          <a:ln>
+            <a:noFill/>
+          </a:ln>
+          <a:effectLst/>
+          <a:extLst>
+            <a:ext uri="{909E8E84-426E-40DD-AFC4-6F175D3DCCD1}">
+              <a14:hiddenFill xmlns:a14="http://schemas.microsoft.com/office/drawing/2010/main">
+                <a:solidFill>
+                  <a:schemeClr val="accent1"/>
+                </a:solidFill>
+              </a14:hiddenFill>
+            </a:ext>
+            <a:ext uri="{91240B29-F687-4F45-9708-019B960494DF}">
+              <a14:hiddenLine xmlns:a14="http://schemas.microsoft.com/office/drawing/2010/main" w="9525">
+                <a:solidFill>
+                  <a:schemeClr val="tx1"/>
+                </a:solidFill>
+                <a:miter lim="800000"/>
+                <a:headEnd/>
+                <a:tailEnd/>
+              </a14:hiddenLine>
+            </a:ext>
+            <a:ext uri="{AF507438-7753-43E0-B8FC-AC1667EBCBE1}">
+              <a14:hiddenEffects xmlns:a14="http://schemas.microsoft.com/office/drawing/2010/main">
+                <a:effectLst>
+                  <a:outerShdw dist="35921" dir="2700000" algn="ctr" rotWithShape="0">
+                    <a:schemeClr val="bg2"/>
+                  </a:outerShdw>
+                </a:effectLst>
+              </a14:hiddenEffects>
+            </a:ext>
+          </a:extLst>
+        </p:spPr>
+      </p:pic>
+    </p:spTree>
+    <p:extLst>
+      <p:ext uri="{BB962C8B-B14F-4D97-AF65-F5344CB8AC3E}">
+        <p14:creationId xmlns:p14="http://schemas.microsoft.com/office/powerpoint/2010/main" val="1374312334"/>
+      </p:ext>
+    </p:extLst>
+  </p:cSld>
+  <p:clrMapOvr>
+    <a:masterClrMapping/>
+  </p:clrMapOvr>
+  <p:timing>
+    <p:tnLst>
+      <p:par>
+        <p:cTn id="1" dur="indefinite" restart="never" nodeType="tmRoot"/>
+      </p:par>
+    </p:tnLst>
+  </p:timing>
+</p:sld>
+</file>
+
+<file path=ppt/slides/slide18.xml><?xml version="1.0" encoding="utf-8"?>
+<p:sld xmlns:a="http://schemas.openxmlformats.org/drawingml/2006/main" xmlns:r="http://schemas.openxmlformats.org/officeDocument/2006/relationships" xmlns:p="http://schemas.openxmlformats.org/presentationml/2006/main">
+  <p:cSld>
+    <p:spTree>
+      <p:nvGrpSpPr>
+        <p:cNvPr id="1" name=""/>
+        <p:cNvGrpSpPr/>
+        <p:nvPr/>
+      </p:nvGrpSpPr>
+      <p:grpSpPr>
+        <a:xfrm>
+          <a:off x="0" y="0"/>
+          <a:ext cx="0" cy="0"/>
+          <a:chOff x="0" y="0"/>
+          <a:chExt cx="0" cy="0"/>
+        </a:xfrm>
+      </p:grpSpPr>
+      <p:sp>
+        <p:nvSpPr>
+          <p:cNvPr id="2" name="Title 1"/>
+          <p:cNvSpPr>
+            <a:spLocks noGrp="1"/>
+          </p:cNvSpPr>
+          <p:nvPr>
+            <p:ph type="title"/>
+          </p:nvPr>
+        </p:nvSpPr>
+        <p:spPr>
+          <a:xfrm>
+            <a:off x="457200" y="274638"/>
+            <a:ext cx="8229600" cy="792162"/>
+          </a:xfrm>
+        </p:spPr>
+        <p:txBody>
+          <a:bodyPr/>
+          <a:lstStyle/>
+          <a:p>
+            <a:pPr algn="l"/>
+            <a:r>
+              <a:rPr lang="en-IN" dirty="0" smtClean="0"/>
+              <a:t>Data Imputation:</a:t>
+            </a:r>
+            <a:endParaRPr lang="en-IN" dirty="0"/>
+          </a:p>
+        </p:txBody>
+      </p:sp>
+      <p:sp>
+        <p:nvSpPr>
+          <p:cNvPr id="3" name="Content Placeholder 2"/>
+          <p:cNvSpPr>
+            <a:spLocks noGrp="1"/>
+          </p:cNvSpPr>
+          <p:nvPr>
+            <p:ph idx="1"/>
+          </p:nvPr>
+        </p:nvSpPr>
+        <p:spPr>
+          <a:xfrm>
+            <a:off x="457200" y="994569"/>
+            <a:ext cx="8229600" cy="3126582"/>
+          </a:xfrm>
+        </p:spPr>
+        <p:txBody>
+          <a:bodyPr>
+            <a:normAutofit/>
+          </a:bodyPr>
+          <a:lstStyle/>
+          <a:p>
+            <a:pPr marL="0" indent="0">
+              <a:buNone/>
+            </a:pPr>
+            <a:r>
+              <a:rPr lang="en-IN" sz="2400" b="1" dirty="0" smtClean="0"/>
+              <a:t># MULTIVARIATE IMPUTATION (Iterative Regression Imputation)</a:t>
+            </a:r>
+          </a:p>
+          <a:p>
+            <a:pPr marL="0" indent="0">
+              <a:buNone/>
+            </a:pPr>
+            <a:r>
+              <a:rPr lang="en-IN" sz="2400" dirty="0" smtClean="0"/>
+              <a:t>		      Importing dependencies</a:t>
+            </a:r>
+          </a:p>
+          <a:p>
+            <a:pPr marL="0" indent="0">
+              <a:buNone/>
+            </a:pPr>
+            <a:endParaRPr lang="en-IN" sz="2400" dirty="0"/>
+          </a:p>
+          <a:p>
+            <a:pPr marL="0" indent="0">
+              <a:buNone/>
+            </a:pPr>
+            <a:endParaRPr lang="en-IN" sz="2400" dirty="0" smtClean="0"/>
+          </a:p>
+          <a:p>
+            <a:pPr marL="0" indent="0">
+              <a:buNone/>
+            </a:pPr>
+            <a:endParaRPr lang="en-IN" sz="2400" dirty="0"/>
+          </a:p>
+          <a:p>
+            <a:pPr marL="0" indent="0">
+              <a:buNone/>
+            </a:pPr>
+            <a:endParaRPr lang="en-IN" sz="2400" b="1" dirty="0" smtClean="0"/>
+          </a:p>
+          <a:p>
+            <a:pPr marL="0" indent="0">
+              <a:buNone/>
+            </a:pPr>
+            <a:r>
+              <a:rPr lang="en-IN" sz="2400" b="1" dirty="0" smtClean="0"/>
+              <a:t>3.                        Extra Trees Regressor imputation</a:t>
+            </a:r>
+            <a:r>
+              <a:rPr lang="en-IN" sz="2400" b="1" dirty="0"/>
+              <a:t>	</a:t>
+            </a:r>
+            <a:r>
+              <a:rPr lang="en-IN" sz="2400" b="1" dirty="0" smtClean="0"/>
+              <a:t>	</a:t>
+            </a:r>
+            <a:endParaRPr lang="en-IN" sz="2400" b="1" dirty="0"/>
+          </a:p>
+        </p:txBody>
+      </p:sp>
+      <p:pic>
+        <p:nvPicPr>
+          <p:cNvPr id="13314" name="Picture 2"/>
+          <p:cNvPicPr>
+            <a:picLocks noChangeAspect="1" noChangeArrowheads="1"/>
+          </p:cNvPicPr>
+          <p:nvPr/>
+        </p:nvPicPr>
+        <p:blipFill>
+          <a:blip r:embed="rId2">
+            <a:extLst>
+              <a:ext uri="{28A0092B-C50C-407E-A947-70E740481C1C}">
+                <a14:useLocalDpi xmlns:a14="http://schemas.microsoft.com/office/drawing/2010/main" val="0"/>
+              </a:ext>
+            </a:extLst>
+          </a:blip>
+          <a:srcRect/>
+          <a:stretch>
+            <a:fillRect/>
+          </a:stretch>
+        </p:blipFill>
+        <p:spPr bwMode="auto">
+          <a:xfrm>
+            <a:off x="228600" y="1905000"/>
+            <a:ext cx="8839200" cy="1192293"/>
+          </a:xfrm>
+          <a:prstGeom prst="rect">
+            <a:avLst/>
+          </a:prstGeom>
+          <a:noFill/>
+          <a:ln>
+            <a:noFill/>
+          </a:ln>
+          <a:effectLst/>
+          <a:extLst>
+            <a:ext uri="{909E8E84-426E-40DD-AFC4-6F175D3DCCD1}">
+              <a14:hiddenFill xmlns:a14="http://schemas.microsoft.com/office/drawing/2010/main">
+                <a:solidFill>
+                  <a:schemeClr val="accent1"/>
+                </a:solidFill>
+              </a14:hiddenFill>
+            </a:ext>
+            <a:ext uri="{91240B29-F687-4F45-9708-019B960494DF}">
+              <a14:hiddenLine xmlns:a14="http://schemas.microsoft.com/office/drawing/2010/main" w="9525">
+                <a:solidFill>
+                  <a:schemeClr val="tx1"/>
+                </a:solidFill>
+                <a:miter lim="800000"/>
+                <a:headEnd/>
+                <a:tailEnd/>
+              </a14:hiddenLine>
+            </a:ext>
+            <a:ext uri="{AF507438-7753-43E0-B8FC-AC1667EBCBE1}">
+              <a14:hiddenEffects xmlns:a14="http://schemas.microsoft.com/office/drawing/2010/main">
+                <a:effectLst>
+                  <a:outerShdw dist="35921" dir="2700000" algn="ctr" rotWithShape="0">
+                    <a:schemeClr val="bg2"/>
+                  </a:outerShdw>
+                </a:effectLst>
+              </a14:hiddenEffects>
+            </a:ext>
+          </a:extLst>
+        </p:spPr>
+      </p:pic>
+      <p:pic>
+        <p:nvPicPr>
+          <p:cNvPr id="4" name="Picture 3"/>
+          <p:cNvPicPr>
+            <a:picLocks noChangeAspect="1"/>
+          </p:cNvPicPr>
+          <p:nvPr/>
+        </p:nvPicPr>
+        <p:blipFill>
+          <a:blip r:embed="rId3">
+            <a:extLst>
+              <a:ext uri="{28A0092B-C50C-407E-A947-70E740481C1C}">
+                <a14:useLocalDpi xmlns:a14="http://schemas.microsoft.com/office/drawing/2010/main" val="0"/>
+              </a:ext>
+            </a:extLst>
+          </a:blip>
+          <a:stretch>
+            <a:fillRect/>
+          </a:stretch>
+        </p:blipFill>
+        <p:spPr>
+          <a:xfrm>
+            <a:off x="0" y="4267200"/>
+            <a:ext cx="9144000" cy="2109698"/>
+          </a:xfrm>
+          <a:prstGeom prst="rect">
+            <a:avLst/>
+          </a:prstGeom>
+        </p:spPr>
+      </p:pic>
+    </p:spTree>
+    <p:extLst>
+      <p:ext uri="{BB962C8B-B14F-4D97-AF65-F5344CB8AC3E}">
+        <p14:creationId xmlns:p14="http://schemas.microsoft.com/office/powerpoint/2010/main" val="1141281293"/>
+      </p:ext>
+    </p:extLst>
+  </p:cSld>
+  <p:clrMapOvr>
+    <a:masterClrMapping/>
+  </p:clrMapOvr>
+  <p:timing>
+    <p:tnLst>
+      <p:par>
+        <p:cTn id="1" dur="indefinite" restart="never" nodeType="tmRoot"/>
+      </p:par>
+    </p:tnLst>
+  </p:timing>
+</p:sld>
+</file>
+
+<file path=ppt/slides/slide19.xml><?xml version="1.0" encoding="utf-8"?>
+<p:sld xmlns:a="http://schemas.openxmlformats.org/drawingml/2006/main" xmlns:r="http://schemas.openxmlformats.org/officeDocument/2006/relationships" xmlns:p="http://schemas.openxmlformats.org/presentationml/2006/main">
+  <p:cSld>
+    <p:spTree>
+      <p:nvGrpSpPr>
+        <p:cNvPr id="1" name=""/>
+        <p:cNvGrpSpPr/>
+        <p:nvPr/>
+      </p:nvGrpSpPr>
+      <p:grpSpPr>
+        <a:xfrm>
+          <a:off x="0" y="0"/>
+          <a:ext cx="0" cy="0"/>
+          <a:chOff x="0" y="0"/>
+          <a:chExt cx="0" cy="0"/>
+        </a:xfrm>
+      </p:grpSpPr>
+      <p:sp>
+        <p:nvSpPr>
+          <p:cNvPr id="2" name="Title 1"/>
+          <p:cNvSpPr>
+            <a:spLocks noGrp="1"/>
+          </p:cNvSpPr>
+          <p:nvPr>
+            <p:ph type="title"/>
+          </p:nvPr>
+        </p:nvSpPr>
+        <p:spPr>
+          <a:xfrm>
+            <a:off x="457200" y="274638"/>
+            <a:ext cx="8229600" cy="792162"/>
+          </a:xfrm>
+        </p:spPr>
+        <p:txBody>
+          <a:bodyPr/>
+          <a:lstStyle/>
+          <a:p>
+            <a:pPr algn="l"/>
+            <a:r>
+              <a:rPr lang="en-IN" dirty="0" smtClean="0"/>
+              <a:t>Data Imputation:</a:t>
+            </a:r>
+            <a:endParaRPr lang="en-IN" dirty="0"/>
+          </a:p>
+        </p:txBody>
+      </p:sp>
+      <p:sp>
+        <p:nvSpPr>
+          <p:cNvPr id="3" name="Content Placeholder 2"/>
+          <p:cNvSpPr>
+            <a:spLocks noGrp="1"/>
+          </p:cNvSpPr>
+          <p:nvPr>
+            <p:ph idx="1"/>
+          </p:nvPr>
+        </p:nvSpPr>
+        <p:spPr>
+          <a:xfrm>
+            <a:off x="457200" y="994569"/>
+            <a:ext cx="8229600" cy="3126582"/>
+          </a:xfrm>
+        </p:spPr>
+        <p:txBody>
+          <a:bodyPr>
+            <a:normAutofit/>
+          </a:bodyPr>
+          <a:lstStyle/>
+          <a:p>
+            <a:pPr marL="0" indent="0">
+              <a:buNone/>
+            </a:pPr>
+            <a:r>
+              <a:rPr lang="en-IN" sz="2400" b="1" dirty="0" smtClean="0"/>
+              <a:t># MULTIVARIATE IMPUTATION</a:t>
+            </a:r>
+          </a:p>
+          <a:p>
+            <a:pPr marL="0" indent="0">
+              <a:buNone/>
+            </a:pPr>
+            <a:r>
+              <a:rPr lang="en-IN" sz="2400" dirty="0" smtClean="0"/>
+              <a:t>Extra trees</a:t>
+            </a:r>
+          </a:p>
+          <a:p>
+            <a:pPr marL="0" indent="0">
+              <a:buNone/>
+            </a:pPr>
+            <a:r>
+              <a:rPr lang="en-IN" sz="2400" dirty="0" smtClean="0"/>
+              <a:t>Imputed data</a:t>
+            </a:r>
+          </a:p>
+        </p:txBody>
+      </p:sp>
+      <p:pic>
+        <p:nvPicPr>
+          <p:cNvPr id="4" name="Picture 3"/>
+          <p:cNvPicPr>
+            <a:picLocks noChangeAspect="1"/>
+          </p:cNvPicPr>
+          <p:nvPr/>
+        </p:nvPicPr>
+        <p:blipFill>
+          <a:blip r:embed="rId2">
+            <a:extLst>
+              <a:ext uri="{28A0092B-C50C-407E-A947-70E740481C1C}">
+                <a14:useLocalDpi xmlns:a14="http://schemas.microsoft.com/office/drawing/2010/main" val="0"/>
+              </a:ext>
+            </a:extLst>
+          </a:blip>
+          <a:stretch>
+            <a:fillRect/>
+          </a:stretch>
+        </p:blipFill>
+        <p:spPr>
+          <a:xfrm>
+            <a:off x="3124200" y="1752600"/>
+            <a:ext cx="1292633" cy="4756150"/>
+          </a:xfrm>
+          <a:prstGeom prst="rect">
+            <a:avLst/>
+          </a:prstGeom>
+        </p:spPr>
+      </p:pic>
+      <p:sp>
+        <p:nvSpPr>
+          <p:cNvPr id="5" name="Right Arrow 4"/>
+          <p:cNvSpPr/>
+          <p:nvPr/>
+        </p:nvSpPr>
+        <p:spPr>
+          <a:xfrm>
+            <a:off x="4715256" y="3695700"/>
+            <a:ext cx="1219200" cy="533400"/>
+          </a:xfrm>
+          <a:prstGeom prst="rightArrow">
+            <a:avLst/>
+          </a:prstGeom>
+          <a:solidFill>
+            <a:schemeClr val="bg1">
+              <a:lumMod val="65000"/>
+            </a:schemeClr>
+          </a:solidFill>
+          <a:ln>
+            <a:noFill/>
+          </a:ln>
+        </p:spPr>
+        <p:style>
+          <a:lnRef idx="2">
+            <a:schemeClr val="accent1">
+              <a:shade val="50000"/>
+            </a:schemeClr>
+          </a:lnRef>
+          <a:fillRef idx="1">
+            <a:schemeClr val="accent1"/>
+          </a:fillRef>
+          <a:effectRef idx="0">
+            <a:schemeClr val="accent1"/>
+          </a:effectRef>
+          <a:fontRef idx="minor">
+            <a:schemeClr val="lt1"/>
+          </a:fontRef>
+        </p:style>
+        <p:txBody>
+          <a:bodyPr rtlCol="0" anchor="ctr"/>
+          <a:lstStyle/>
+          <a:p>
+            <a:pPr algn="ctr"/>
+            <a:endParaRPr lang="en-IN"/>
+          </a:p>
+        </p:txBody>
+      </p:sp>
+      <p:pic>
+        <p:nvPicPr>
+          <p:cNvPr id="6" name="Picture 2"/>
+          <p:cNvPicPr>
+            <a:picLocks noChangeAspect="1" noChangeArrowheads="1"/>
+          </p:cNvPicPr>
+          <p:nvPr/>
+        </p:nvPicPr>
+        <p:blipFill>
+          <a:blip r:embed="rId3">
+            <a:extLst>
+              <a:ext uri="{28A0092B-C50C-407E-A947-70E740481C1C}">
+                <a14:useLocalDpi xmlns:a14="http://schemas.microsoft.com/office/drawing/2010/main" val="0"/>
+              </a:ext>
+            </a:extLst>
+          </a:blip>
+          <a:srcRect/>
+          <a:stretch>
+            <a:fillRect/>
+          </a:stretch>
+        </p:blipFill>
+        <p:spPr bwMode="auto">
+          <a:xfrm>
+            <a:off x="6172200" y="1752600"/>
+            <a:ext cx="1241409" cy="4748213"/>
+          </a:xfrm>
+          <a:prstGeom prst="rect">
+            <a:avLst/>
+          </a:prstGeom>
+          <a:noFill/>
+          <a:ln>
+            <a:noFill/>
+          </a:ln>
+          <a:effectLst/>
+          <a:extLst>
+            <a:ext uri="{909E8E84-426E-40DD-AFC4-6F175D3DCCD1}">
+              <a14:hiddenFill xmlns:a14="http://schemas.microsoft.com/office/drawing/2010/main">
+                <a:solidFill>
+                  <a:schemeClr val="accent1"/>
+                </a:solidFill>
+              </a14:hiddenFill>
+            </a:ext>
+            <a:ext uri="{91240B29-F687-4F45-9708-019B960494DF}">
+              <a14:hiddenLine xmlns:a14="http://schemas.microsoft.com/office/drawing/2010/main" w="9525">
+                <a:solidFill>
+                  <a:schemeClr val="tx1"/>
+                </a:solidFill>
+                <a:miter lim="800000"/>
+                <a:headEnd/>
+                <a:tailEnd/>
+              </a14:hiddenLine>
+            </a:ext>
+            <a:ext uri="{AF507438-7753-43E0-B8FC-AC1667EBCBE1}">
+              <a14:hiddenEffects xmlns:a14="http://schemas.microsoft.com/office/drawing/2010/main">
+                <a:effectLst>
+                  <a:outerShdw dist="35921" dir="2700000" algn="ctr" rotWithShape="0">
+                    <a:schemeClr val="bg2"/>
+                  </a:outerShdw>
+                </a:effectLst>
+              </a14:hiddenEffects>
+            </a:ext>
+          </a:extLst>
+        </p:spPr>
+      </p:pic>
+    </p:spTree>
+    <p:extLst>
+      <p:ext uri="{BB962C8B-B14F-4D97-AF65-F5344CB8AC3E}">
+        <p14:creationId xmlns:p14="http://schemas.microsoft.com/office/powerpoint/2010/main" val="425058232"/>
       </p:ext>
     </p:extLst>
   </p:cSld>
@@ -3129,7 +5710,7 @@
       </p:grpSpPr>
       <p:pic>
         <p:nvPicPr>
-          <p:cNvPr id="1026" name="Picture 2" descr="C:\Users\DELL\Desktop\Efftronics\Types of missing data.png"/>
+          <p:cNvPr id="1027" name="Picture 3"/>
           <p:cNvPicPr>
             <a:picLocks noChangeAspect="1" noChangeArrowheads="1"/>
           </p:cNvPicPr>
@@ -3150,28 +5731,2515 @@
         </p:blipFill>
         <p:spPr bwMode="auto">
           <a:xfrm>
-            <a:off x="-1295400" y="1143000"/>
-            <a:ext cx="10134600" cy="4460203"/>
+            <a:off x="533400" y="2819400"/>
+            <a:ext cx="7874000" cy="2146300"/>
           </a:xfrm>
           <a:prstGeom prst="rect">
             <a:avLst/>
           </a:prstGeom>
           <a:noFill/>
+          <a:ln>
+            <a:noFill/>
+          </a:ln>
+          <a:effectLst/>
           <a:extLst>
             <a:ext uri="{909E8E84-426E-40DD-AFC4-6F175D3DCCD1}">
               <a14:hiddenFill xmlns:a14="http://schemas.microsoft.com/office/drawing/2010/main">
                 <a:solidFill>
-                  <a:srgbClr val="FFFFFF"/>
+                  <a:schemeClr val="accent1"/>
                 </a:solidFill>
               </a14:hiddenFill>
             </a:ext>
+            <a:ext uri="{91240B29-F687-4F45-9708-019B960494DF}">
+              <a14:hiddenLine xmlns:a14="http://schemas.microsoft.com/office/drawing/2010/main" w="9525">
+                <a:solidFill>
+                  <a:schemeClr val="tx1"/>
+                </a:solidFill>
+                <a:miter lim="800000"/>
+                <a:headEnd/>
+                <a:tailEnd/>
+              </a14:hiddenLine>
+            </a:ext>
+            <a:ext uri="{AF507438-7753-43E0-B8FC-AC1667EBCBE1}">
+              <a14:hiddenEffects xmlns:a14="http://schemas.microsoft.com/office/drawing/2010/main">
+                <a:effectLst>
+                  <a:outerShdw dist="35921" dir="2700000" algn="ctr" rotWithShape="0">
+                    <a:schemeClr val="bg2"/>
+                  </a:outerShdw>
+                </a:effectLst>
+              </a14:hiddenEffects>
+            </a:ext>
           </a:extLst>
+        </p:spPr>
+      </p:pic>
+      <p:sp>
+        <p:nvSpPr>
+          <p:cNvPr id="2" name="Title 1"/>
+          <p:cNvSpPr>
+            <a:spLocks noGrp="1"/>
+          </p:cNvSpPr>
+          <p:nvPr>
+            <p:ph type="title"/>
+          </p:nvPr>
+        </p:nvSpPr>
+        <p:spPr>
+          <a:xfrm>
+            <a:off x="457200" y="274638"/>
+            <a:ext cx="8229600" cy="792162"/>
+          </a:xfrm>
+        </p:spPr>
+        <p:txBody>
+          <a:bodyPr/>
+          <a:lstStyle/>
+          <a:p>
+            <a:pPr algn="l"/>
+            <a:r>
+              <a:rPr lang="en-IN" dirty="0" smtClean="0"/>
+              <a:t>Data Deletion:</a:t>
+            </a:r>
+            <a:endParaRPr lang="en-IN" dirty="0"/>
+          </a:p>
+        </p:txBody>
+      </p:sp>
+      <p:sp>
+        <p:nvSpPr>
+          <p:cNvPr id="3" name="Content Placeholder 2"/>
+          <p:cNvSpPr>
+            <a:spLocks noGrp="1"/>
+          </p:cNvSpPr>
+          <p:nvPr>
+            <p:ph idx="1"/>
+          </p:nvPr>
+        </p:nvSpPr>
+        <p:spPr>
+          <a:xfrm>
+            <a:off x="457200" y="994568"/>
+            <a:ext cx="8229600" cy="4525963"/>
+          </a:xfrm>
+        </p:spPr>
+        <p:txBody>
+          <a:bodyPr>
+            <a:normAutofit/>
+          </a:bodyPr>
+          <a:lstStyle/>
+          <a:p>
+            <a:pPr marL="0" indent="0">
+              <a:buNone/>
+            </a:pPr>
+            <a:r>
+              <a:rPr lang="en-IN" sz="2400" dirty="0" smtClean="0"/>
+              <a:t>Importing dataset</a:t>
+            </a:r>
+          </a:p>
+          <a:p>
+            <a:pPr marL="0" indent="0">
+              <a:buNone/>
+            </a:pPr>
+            <a:r>
+              <a:rPr lang="en-IN" sz="2400" dirty="0" smtClean="0"/>
+              <a:t>      </a:t>
+            </a:r>
+          </a:p>
+          <a:p>
+            <a:pPr marL="0" indent="0">
+              <a:buNone/>
+            </a:pPr>
+            <a:r>
+              <a:rPr lang="en-IN" sz="2400" dirty="0" smtClean="0"/>
+              <a:t>    </a:t>
+            </a:r>
+          </a:p>
+          <a:p>
+            <a:pPr marL="0" indent="0">
+              <a:buNone/>
+            </a:pPr>
+            <a:r>
+              <a:rPr lang="en-IN" sz="2400" dirty="0" smtClean="0"/>
+              <a:t>Summarizing missing value</a:t>
+            </a:r>
+          </a:p>
+          <a:p>
+            <a:pPr marL="457200" indent="-457200">
+              <a:buFont typeface="+mj-lt"/>
+              <a:buAutoNum type="arabicPeriod"/>
+            </a:pPr>
+            <a:endParaRPr lang="en-IN" sz="2400" dirty="0"/>
+          </a:p>
+        </p:txBody>
+      </p:sp>
+      <p:pic>
+        <p:nvPicPr>
+          <p:cNvPr id="1026" name="Picture 2"/>
+          <p:cNvPicPr>
+            <a:picLocks noChangeAspect="1" noChangeArrowheads="1"/>
+          </p:cNvPicPr>
+          <p:nvPr/>
+        </p:nvPicPr>
+        <p:blipFill>
+          <a:blip r:embed="rId3">
+            <a:extLst>
+              <a:ext uri="{28A0092B-C50C-407E-A947-70E740481C1C}">
+                <a14:useLocalDpi xmlns:a14="http://schemas.microsoft.com/office/drawing/2010/main" val="0"/>
+              </a:ext>
+            </a:extLst>
+          </a:blip>
+          <a:srcRect/>
+          <a:stretch>
+            <a:fillRect/>
+          </a:stretch>
+        </p:blipFill>
+        <p:spPr bwMode="auto">
+          <a:xfrm>
+            <a:off x="533400" y="1483233"/>
+            <a:ext cx="7874000" cy="666750"/>
+          </a:xfrm>
+          <a:prstGeom prst="rect">
+            <a:avLst/>
+          </a:prstGeom>
+          <a:noFill/>
+          <a:ln>
+            <a:noFill/>
+          </a:ln>
+          <a:effectLst/>
+          <a:extLst>
+            <a:ext uri="{909E8E84-426E-40DD-AFC4-6F175D3DCCD1}">
+              <a14:hiddenFill xmlns:a14="http://schemas.microsoft.com/office/drawing/2010/main">
+                <a:solidFill>
+                  <a:schemeClr val="accent1"/>
+                </a:solidFill>
+              </a14:hiddenFill>
+            </a:ext>
+            <a:ext uri="{91240B29-F687-4F45-9708-019B960494DF}">
+              <a14:hiddenLine xmlns:a14="http://schemas.microsoft.com/office/drawing/2010/main" w="9525">
+                <a:solidFill>
+                  <a:schemeClr val="tx1"/>
+                </a:solidFill>
+                <a:miter lim="800000"/>
+                <a:headEnd/>
+                <a:tailEnd/>
+              </a14:hiddenLine>
+            </a:ext>
+            <a:ext uri="{AF507438-7753-43E0-B8FC-AC1667EBCBE1}">
+              <a14:hiddenEffects xmlns:a14="http://schemas.microsoft.com/office/drawing/2010/main">
+                <a:effectLst>
+                  <a:outerShdw dist="35921" dir="2700000" algn="ctr" rotWithShape="0">
+                    <a:schemeClr val="bg2"/>
+                  </a:outerShdw>
+                </a:effectLst>
+              </a14:hiddenEffects>
+            </a:ext>
+          </a:extLst>
+        </p:spPr>
+      </p:pic>
+      <p:pic>
+        <p:nvPicPr>
+          <p:cNvPr id="4" name="Picture 3"/>
+          <p:cNvPicPr>
+            <a:picLocks noChangeAspect="1"/>
+          </p:cNvPicPr>
+          <p:nvPr/>
+        </p:nvPicPr>
+        <p:blipFill>
+          <a:blip r:embed="rId4">
+            <a:extLst>
+              <a:ext uri="{28A0092B-C50C-407E-A947-70E740481C1C}">
+                <a14:useLocalDpi xmlns:a14="http://schemas.microsoft.com/office/drawing/2010/main" val="0"/>
+              </a:ext>
+            </a:extLst>
+          </a:blip>
+          <a:stretch>
+            <a:fillRect/>
+          </a:stretch>
+        </p:blipFill>
+        <p:spPr>
+          <a:xfrm>
+            <a:off x="6477000" y="327406"/>
+            <a:ext cx="1592718" cy="5860288"/>
+          </a:xfrm>
+          <a:prstGeom prst="rect">
+            <a:avLst/>
+          </a:prstGeom>
+        </p:spPr>
+      </p:pic>
+      <p:sp>
+        <p:nvSpPr>
+          <p:cNvPr id="5" name="Rectangle 4"/>
+          <p:cNvSpPr/>
+          <p:nvPr/>
+        </p:nvSpPr>
+        <p:spPr>
+          <a:xfrm>
+            <a:off x="8055494" y="1483233"/>
+            <a:ext cx="540882" cy="1066800"/>
+          </a:xfrm>
+          <a:prstGeom prst="rect">
+            <a:avLst/>
+          </a:prstGeom>
+          <a:solidFill>
+            <a:schemeClr val="bg1"/>
+          </a:solidFill>
+          <a:ln>
+            <a:noFill/>
+          </a:ln>
+        </p:spPr>
+        <p:style>
+          <a:lnRef idx="2">
+            <a:schemeClr val="accent1">
+              <a:shade val="50000"/>
+            </a:schemeClr>
+          </a:lnRef>
+          <a:fillRef idx="1">
+            <a:schemeClr val="accent1"/>
+          </a:fillRef>
+          <a:effectRef idx="0">
+            <a:schemeClr val="accent1"/>
+          </a:effectRef>
+          <a:fontRef idx="minor">
+            <a:schemeClr val="lt1"/>
+          </a:fontRef>
+        </p:style>
+        <p:txBody>
+          <a:bodyPr rtlCol="0" anchor="ctr"/>
+          <a:lstStyle/>
+          <a:p>
+            <a:pPr algn="ctr"/>
+            <a:endParaRPr lang="en-IN"/>
+          </a:p>
+        </p:txBody>
+      </p:sp>
+      <p:sp>
+        <p:nvSpPr>
+          <p:cNvPr id="8" name="Rectangle 7"/>
+          <p:cNvSpPr/>
+          <p:nvPr/>
+        </p:nvSpPr>
+        <p:spPr>
+          <a:xfrm>
+            <a:off x="8086159" y="2667000"/>
+            <a:ext cx="540882" cy="1676400"/>
+          </a:xfrm>
+          <a:prstGeom prst="rect">
+            <a:avLst/>
+          </a:prstGeom>
+          <a:solidFill>
+            <a:schemeClr val="bg1"/>
+          </a:solidFill>
+          <a:ln>
+            <a:noFill/>
+          </a:ln>
+        </p:spPr>
+        <p:style>
+          <a:lnRef idx="2">
+            <a:schemeClr val="accent1">
+              <a:shade val="50000"/>
+            </a:schemeClr>
+          </a:lnRef>
+          <a:fillRef idx="1">
+            <a:schemeClr val="accent1"/>
+          </a:fillRef>
+          <a:effectRef idx="0">
+            <a:schemeClr val="accent1"/>
+          </a:effectRef>
+          <a:fontRef idx="minor">
+            <a:schemeClr val="lt1"/>
+          </a:fontRef>
+        </p:style>
+        <p:txBody>
+          <a:bodyPr rtlCol="0" anchor="ctr"/>
+          <a:lstStyle/>
+          <a:p>
+            <a:pPr algn="ctr"/>
+            <a:endParaRPr lang="en-IN"/>
+          </a:p>
+        </p:txBody>
+      </p:sp>
+    </p:spTree>
+    <p:extLst>
+      <p:ext uri="{BB962C8B-B14F-4D97-AF65-F5344CB8AC3E}">
+        <p14:creationId xmlns:p14="http://schemas.microsoft.com/office/powerpoint/2010/main" val="911296032"/>
+      </p:ext>
+    </p:extLst>
+  </p:cSld>
+  <p:clrMapOvr>
+    <a:masterClrMapping/>
+  </p:clrMapOvr>
+  <p:timing>
+    <p:tnLst>
+      <p:par>
+        <p:cTn id="1" dur="indefinite" restart="never" nodeType="tmRoot"/>
+      </p:par>
+    </p:tnLst>
+  </p:timing>
+</p:sld>
+</file>
+
+<file path=ppt/slides/slide20.xml><?xml version="1.0" encoding="utf-8"?>
+<p:sld xmlns:a="http://schemas.openxmlformats.org/drawingml/2006/main" xmlns:r="http://schemas.openxmlformats.org/officeDocument/2006/relationships" xmlns:p="http://schemas.openxmlformats.org/presentationml/2006/main">
+  <p:cSld>
+    <p:spTree>
+      <p:nvGrpSpPr>
+        <p:cNvPr id="1" name=""/>
+        <p:cNvGrpSpPr/>
+        <p:nvPr/>
+      </p:nvGrpSpPr>
+      <p:grpSpPr>
+        <a:xfrm>
+          <a:off x="0" y="0"/>
+          <a:ext cx="0" cy="0"/>
+          <a:chOff x="0" y="0"/>
+          <a:chExt cx="0" cy="0"/>
+        </a:xfrm>
+      </p:grpSpPr>
+      <p:sp>
+        <p:nvSpPr>
+          <p:cNvPr id="2" name="Title 1"/>
+          <p:cNvSpPr>
+            <a:spLocks noGrp="1"/>
+          </p:cNvSpPr>
+          <p:nvPr>
+            <p:ph type="title"/>
+          </p:nvPr>
+        </p:nvSpPr>
+        <p:spPr>
+          <a:xfrm>
+            <a:off x="457200" y="274638"/>
+            <a:ext cx="8229600" cy="792162"/>
+          </a:xfrm>
+        </p:spPr>
+        <p:txBody>
+          <a:bodyPr/>
+          <a:lstStyle/>
+          <a:p>
+            <a:pPr algn="l"/>
+            <a:r>
+              <a:rPr lang="en-IN" dirty="0" smtClean="0"/>
+              <a:t>Data Imputation:</a:t>
+            </a:r>
+            <a:endParaRPr lang="en-IN" dirty="0"/>
+          </a:p>
+        </p:txBody>
+      </p:sp>
+      <p:sp>
+        <p:nvSpPr>
+          <p:cNvPr id="3" name="Content Placeholder 2"/>
+          <p:cNvSpPr>
+            <a:spLocks noGrp="1"/>
+          </p:cNvSpPr>
+          <p:nvPr>
+            <p:ph idx="1"/>
+          </p:nvPr>
+        </p:nvSpPr>
+        <p:spPr>
+          <a:xfrm>
+            <a:off x="457200" y="994569"/>
+            <a:ext cx="8229600" cy="3126582"/>
+          </a:xfrm>
+        </p:spPr>
+        <p:txBody>
+          <a:bodyPr>
+            <a:normAutofit/>
+          </a:bodyPr>
+          <a:lstStyle/>
+          <a:p>
+            <a:pPr marL="0" indent="0">
+              <a:buNone/>
+            </a:pPr>
+            <a:r>
+              <a:rPr lang="en-IN" sz="2400" b="1" dirty="0" smtClean="0"/>
+              <a:t># MULTIVARIATE IMPUTATION (Iterative Regression Imputation)</a:t>
+            </a:r>
+          </a:p>
+          <a:p>
+            <a:pPr marL="0" indent="0">
+              <a:buNone/>
+            </a:pPr>
+            <a:r>
+              <a:rPr lang="en-IN" sz="2400" dirty="0" smtClean="0"/>
+              <a:t>		      Importing dependencies</a:t>
+            </a:r>
+          </a:p>
+          <a:p>
+            <a:pPr marL="0" indent="0">
+              <a:buNone/>
+            </a:pPr>
+            <a:endParaRPr lang="en-IN" sz="2400" dirty="0"/>
+          </a:p>
+          <a:p>
+            <a:pPr marL="0" indent="0">
+              <a:buNone/>
+            </a:pPr>
+            <a:endParaRPr lang="en-IN" sz="2400" dirty="0" smtClean="0"/>
+          </a:p>
+          <a:p>
+            <a:pPr marL="0" indent="0">
+              <a:buNone/>
+            </a:pPr>
+            <a:endParaRPr lang="en-IN" sz="2400" dirty="0"/>
+          </a:p>
+          <a:p>
+            <a:pPr marL="0" indent="0">
+              <a:buNone/>
+            </a:pPr>
+            <a:endParaRPr lang="en-IN" sz="2400" b="1" dirty="0" smtClean="0"/>
+          </a:p>
+          <a:p>
+            <a:pPr marL="0" indent="0">
+              <a:buNone/>
+            </a:pPr>
+            <a:r>
+              <a:rPr lang="en-IN" sz="2400" b="1" dirty="0" smtClean="0"/>
+              <a:t>4.                        K-</a:t>
+            </a:r>
+            <a:r>
+              <a:rPr lang="en-IN" sz="2400" b="1" dirty="0" err="1" smtClean="0"/>
+              <a:t>Neighbors</a:t>
+            </a:r>
+            <a:r>
+              <a:rPr lang="en-IN" sz="2400" b="1" dirty="0" smtClean="0"/>
+              <a:t> Regressor imputation</a:t>
+            </a:r>
+            <a:r>
+              <a:rPr lang="en-IN" sz="2400" b="1" dirty="0"/>
+              <a:t>	</a:t>
+            </a:r>
+            <a:r>
+              <a:rPr lang="en-IN" sz="2400" b="1" dirty="0" smtClean="0"/>
+              <a:t>	</a:t>
+            </a:r>
+            <a:endParaRPr lang="en-IN" sz="2400" b="1" dirty="0"/>
+          </a:p>
+        </p:txBody>
+      </p:sp>
+      <p:pic>
+        <p:nvPicPr>
+          <p:cNvPr id="13314" name="Picture 2"/>
+          <p:cNvPicPr>
+            <a:picLocks noChangeAspect="1" noChangeArrowheads="1"/>
+          </p:cNvPicPr>
+          <p:nvPr/>
+        </p:nvPicPr>
+        <p:blipFill>
+          <a:blip r:embed="rId2">
+            <a:extLst>
+              <a:ext uri="{28A0092B-C50C-407E-A947-70E740481C1C}">
+                <a14:useLocalDpi xmlns:a14="http://schemas.microsoft.com/office/drawing/2010/main" val="0"/>
+              </a:ext>
+            </a:extLst>
+          </a:blip>
+          <a:srcRect/>
+          <a:stretch>
+            <a:fillRect/>
+          </a:stretch>
+        </p:blipFill>
+        <p:spPr bwMode="auto">
+          <a:xfrm>
+            <a:off x="228600" y="1905000"/>
+            <a:ext cx="8839200" cy="1192293"/>
+          </a:xfrm>
+          <a:prstGeom prst="rect">
+            <a:avLst/>
+          </a:prstGeom>
+          <a:noFill/>
+          <a:ln>
+            <a:noFill/>
+          </a:ln>
+          <a:effectLst/>
+          <a:extLst>
+            <a:ext uri="{909E8E84-426E-40DD-AFC4-6F175D3DCCD1}">
+              <a14:hiddenFill xmlns:a14="http://schemas.microsoft.com/office/drawing/2010/main">
+                <a:solidFill>
+                  <a:schemeClr val="accent1"/>
+                </a:solidFill>
+              </a14:hiddenFill>
+            </a:ext>
+            <a:ext uri="{91240B29-F687-4F45-9708-019B960494DF}">
+              <a14:hiddenLine xmlns:a14="http://schemas.microsoft.com/office/drawing/2010/main" w="9525">
+                <a:solidFill>
+                  <a:schemeClr val="tx1"/>
+                </a:solidFill>
+                <a:miter lim="800000"/>
+                <a:headEnd/>
+                <a:tailEnd/>
+              </a14:hiddenLine>
+            </a:ext>
+            <a:ext uri="{AF507438-7753-43E0-B8FC-AC1667EBCBE1}">
+              <a14:hiddenEffects xmlns:a14="http://schemas.microsoft.com/office/drawing/2010/main">
+                <a:effectLst>
+                  <a:outerShdw dist="35921" dir="2700000" algn="ctr" rotWithShape="0">
+                    <a:schemeClr val="bg2"/>
+                  </a:outerShdw>
+                </a:effectLst>
+              </a14:hiddenEffects>
+            </a:ext>
+          </a:extLst>
+        </p:spPr>
+      </p:pic>
+      <p:pic>
+        <p:nvPicPr>
+          <p:cNvPr id="4" name="Picture 3"/>
+          <p:cNvPicPr>
+            <a:picLocks noChangeAspect="1"/>
+          </p:cNvPicPr>
+          <p:nvPr/>
+        </p:nvPicPr>
+        <p:blipFill>
+          <a:blip r:embed="rId3">
+            <a:extLst>
+              <a:ext uri="{28A0092B-C50C-407E-A947-70E740481C1C}">
+                <a14:useLocalDpi xmlns:a14="http://schemas.microsoft.com/office/drawing/2010/main" val="0"/>
+              </a:ext>
+            </a:extLst>
+          </a:blip>
+          <a:stretch>
+            <a:fillRect/>
+          </a:stretch>
+        </p:blipFill>
+        <p:spPr>
+          <a:xfrm>
+            <a:off x="0" y="4267200"/>
+            <a:ext cx="9144000" cy="2051316"/>
+          </a:xfrm>
+          <a:prstGeom prst="rect">
+            <a:avLst/>
+          </a:prstGeom>
         </p:spPr>
       </p:pic>
     </p:spTree>
     <p:extLst>
       <p:ext uri="{BB962C8B-B14F-4D97-AF65-F5344CB8AC3E}">
-        <p14:creationId xmlns:p14="http://schemas.microsoft.com/office/powerpoint/2010/main" val="3608994480"/>
+        <p14:creationId xmlns:p14="http://schemas.microsoft.com/office/powerpoint/2010/main" val="34177035"/>
+      </p:ext>
+    </p:extLst>
+  </p:cSld>
+  <p:clrMapOvr>
+    <a:masterClrMapping/>
+  </p:clrMapOvr>
+  <p:timing>
+    <p:tnLst>
+      <p:par>
+        <p:cTn id="1" dur="indefinite" restart="never" nodeType="tmRoot"/>
+      </p:par>
+    </p:tnLst>
+  </p:timing>
+</p:sld>
+</file>
+
+<file path=ppt/slides/slide21.xml><?xml version="1.0" encoding="utf-8"?>
+<p:sld xmlns:a="http://schemas.openxmlformats.org/drawingml/2006/main" xmlns:r="http://schemas.openxmlformats.org/officeDocument/2006/relationships" xmlns:p="http://schemas.openxmlformats.org/presentationml/2006/main">
+  <p:cSld>
+    <p:spTree>
+      <p:nvGrpSpPr>
+        <p:cNvPr id="1" name=""/>
+        <p:cNvGrpSpPr/>
+        <p:nvPr/>
+      </p:nvGrpSpPr>
+      <p:grpSpPr>
+        <a:xfrm>
+          <a:off x="0" y="0"/>
+          <a:ext cx="0" cy="0"/>
+          <a:chOff x="0" y="0"/>
+          <a:chExt cx="0" cy="0"/>
+        </a:xfrm>
+      </p:grpSpPr>
+      <p:sp>
+        <p:nvSpPr>
+          <p:cNvPr id="2" name="Title 1"/>
+          <p:cNvSpPr>
+            <a:spLocks noGrp="1"/>
+          </p:cNvSpPr>
+          <p:nvPr>
+            <p:ph type="title"/>
+          </p:nvPr>
+        </p:nvSpPr>
+        <p:spPr>
+          <a:xfrm>
+            <a:off x="457200" y="274638"/>
+            <a:ext cx="8229600" cy="792162"/>
+          </a:xfrm>
+        </p:spPr>
+        <p:txBody>
+          <a:bodyPr/>
+          <a:lstStyle/>
+          <a:p>
+            <a:pPr algn="l"/>
+            <a:r>
+              <a:rPr lang="en-IN" dirty="0" smtClean="0"/>
+              <a:t>Data Imputation:</a:t>
+            </a:r>
+            <a:endParaRPr lang="en-IN" dirty="0"/>
+          </a:p>
+        </p:txBody>
+      </p:sp>
+      <p:sp>
+        <p:nvSpPr>
+          <p:cNvPr id="3" name="Content Placeholder 2"/>
+          <p:cNvSpPr>
+            <a:spLocks noGrp="1"/>
+          </p:cNvSpPr>
+          <p:nvPr>
+            <p:ph idx="1"/>
+          </p:nvPr>
+        </p:nvSpPr>
+        <p:spPr>
+          <a:xfrm>
+            <a:off x="457200" y="994569"/>
+            <a:ext cx="8229600" cy="3126582"/>
+          </a:xfrm>
+        </p:spPr>
+        <p:txBody>
+          <a:bodyPr>
+            <a:normAutofit/>
+          </a:bodyPr>
+          <a:lstStyle/>
+          <a:p>
+            <a:pPr marL="0" indent="0">
+              <a:buNone/>
+            </a:pPr>
+            <a:r>
+              <a:rPr lang="en-IN" sz="2400" b="1" dirty="0" smtClean="0"/>
+              <a:t># MULTIVARIATE IMPUTATION</a:t>
+            </a:r>
+          </a:p>
+          <a:p>
+            <a:pPr marL="0" indent="0">
+              <a:buNone/>
+            </a:pPr>
+            <a:r>
+              <a:rPr lang="en-IN" sz="2400" dirty="0" smtClean="0"/>
+              <a:t>K-</a:t>
+            </a:r>
+            <a:r>
+              <a:rPr lang="en-IN" sz="2400" dirty="0" err="1" smtClean="0"/>
+              <a:t>neighbors</a:t>
+            </a:r>
+            <a:endParaRPr lang="en-IN" sz="2400" dirty="0" smtClean="0"/>
+          </a:p>
+          <a:p>
+            <a:pPr marL="0" indent="0">
+              <a:buNone/>
+            </a:pPr>
+            <a:r>
+              <a:rPr lang="en-IN" sz="2400" dirty="0" smtClean="0"/>
+              <a:t>Imputed data</a:t>
+            </a:r>
+          </a:p>
+        </p:txBody>
+      </p:sp>
+      <p:pic>
+        <p:nvPicPr>
+          <p:cNvPr id="4" name="Picture 3"/>
+          <p:cNvPicPr>
+            <a:picLocks noChangeAspect="1"/>
+          </p:cNvPicPr>
+          <p:nvPr/>
+        </p:nvPicPr>
+        <p:blipFill>
+          <a:blip r:embed="rId2">
+            <a:extLst>
+              <a:ext uri="{28A0092B-C50C-407E-A947-70E740481C1C}">
+                <a14:useLocalDpi xmlns:a14="http://schemas.microsoft.com/office/drawing/2010/main" val="0"/>
+              </a:ext>
+            </a:extLst>
+          </a:blip>
+          <a:stretch>
+            <a:fillRect/>
+          </a:stretch>
+        </p:blipFill>
+        <p:spPr>
+          <a:xfrm>
+            <a:off x="3124200" y="1752600"/>
+            <a:ext cx="1292633" cy="4756150"/>
+          </a:xfrm>
+          <a:prstGeom prst="rect">
+            <a:avLst/>
+          </a:prstGeom>
+        </p:spPr>
+      </p:pic>
+      <p:sp>
+        <p:nvSpPr>
+          <p:cNvPr id="5" name="Right Arrow 4"/>
+          <p:cNvSpPr/>
+          <p:nvPr/>
+        </p:nvSpPr>
+        <p:spPr>
+          <a:xfrm>
+            <a:off x="4715256" y="3695700"/>
+            <a:ext cx="1219200" cy="533400"/>
+          </a:xfrm>
+          <a:prstGeom prst="rightArrow">
+            <a:avLst/>
+          </a:prstGeom>
+          <a:solidFill>
+            <a:schemeClr val="bg1">
+              <a:lumMod val="65000"/>
+            </a:schemeClr>
+          </a:solidFill>
+          <a:ln>
+            <a:noFill/>
+          </a:ln>
+        </p:spPr>
+        <p:style>
+          <a:lnRef idx="2">
+            <a:schemeClr val="accent1">
+              <a:shade val="50000"/>
+            </a:schemeClr>
+          </a:lnRef>
+          <a:fillRef idx="1">
+            <a:schemeClr val="accent1"/>
+          </a:fillRef>
+          <a:effectRef idx="0">
+            <a:schemeClr val="accent1"/>
+          </a:effectRef>
+          <a:fontRef idx="minor">
+            <a:schemeClr val="lt1"/>
+          </a:fontRef>
+        </p:style>
+        <p:txBody>
+          <a:bodyPr rtlCol="0" anchor="ctr"/>
+          <a:lstStyle/>
+          <a:p>
+            <a:pPr algn="ctr"/>
+            <a:endParaRPr lang="en-IN"/>
+          </a:p>
+        </p:txBody>
+      </p:sp>
+      <p:pic>
+        <p:nvPicPr>
+          <p:cNvPr id="16386" name="Picture 2"/>
+          <p:cNvPicPr>
+            <a:picLocks noChangeAspect="1" noChangeArrowheads="1"/>
+          </p:cNvPicPr>
+          <p:nvPr/>
+        </p:nvPicPr>
+        <p:blipFill>
+          <a:blip r:embed="rId3">
+            <a:extLst>
+              <a:ext uri="{28A0092B-C50C-407E-A947-70E740481C1C}">
+                <a14:useLocalDpi xmlns:a14="http://schemas.microsoft.com/office/drawing/2010/main" val="0"/>
+              </a:ext>
+            </a:extLst>
+          </a:blip>
+          <a:srcRect/>
+          <a:stretch>
+            <a:fillRect/>
+          </a:stretch>
+        </p:blipFill>
+        <p:spPr bwMode="auto">
+          <a:xfrm>
+            <a:off x="6172200" y="1677987"/>
+            <a:ext cx="1251666" cy="4905375"/>
+          </a:xfrm>
+          <a:prstGeom prst="rect">
+            <a:avLst/>
+          </a:prstGeom>
+          <a:noFill/>
+          <a:ln>
+            <a:noFill/>
+          </a:ln>
+          <a:effectLst/>
+          <a:extLst>
+            <a:ext uri="{909E8E84-426E-40DD-AFC4-6F175D3DCCD1}">
+              <a14:hiddenFill xmlns:a14="http://schemas.microsoft.com/office/drawing/2010/main">
+                <a:solidFill>
+                  <a:schemeClr val="accent1"/>
+                </a:solidFill>
+              </a14:hiddenFill>
+            </a:ext>
+            <a:ext uri="{91240B29-F687-4F45-9708-019B960494DF}">
+              <a14:hiddenLine xmlns:a14="http://schemas.microsoft.com/office/drawing/2010/main" w="9525">
+                <a:solidFill>
+                  <a:schemeClr val="tx1"/>
+                </a:solidFill>
+                <a:miter lim="800000"/>
+                <a:headEnd/>
+                <a:tailEnd/>
+              </a14:hiddenLine>
+            </a:ext>
+            <a:ext uri="{AF507438-7753-43E0-B8FC-AC1667EBCBE1}">
+              <a14:hiddenEffects xmlns:a14="http://schemas.microsoft.com/office/drawing/2010/main">
+                <a:effectLst>
+                  <a:outerShdw dist="35921" dir="2700000" algn="ctr" rotWithShape="0">
+                    <a:schemeClr val="bg2"/>
+                  </a:outerShdw>
+                </a:effectLst>
+              </a14:hiddenEffects>
+            </a:ext>
+          </a:extLst>
+        </p:spPr>
+      </p:pic>
+    </p:spTree>
+    <p:extLst>
+      <p:ext uri="{BB962C8B-B14F-4D97-AF65-F5344CB8AC3E}">
+        <p14:creationId xmlns:p14="http://schemas.microsoft.com/office/powerpoint/2010/main" val="2337234525"/>
+      </p:ext>
+    </p:extLst>
+  </p:cSld>
+  <p:clrMapOvr>
+    <a:masterClrMapping/>
+  </p:clrMapOvr>
+  <p:timing>
+    <p:tnLst>
+      <p:par>
+        <p:cTn id="1" dur="indefinite" restart="never" nodeType="tmRoot"/>
+      </p:par>
+    </p:tnLst>
+  </p:timing>
+</p:sld>
+</file>
+
+<file path=ppt/slides/slide3.xml><?xml version="1.0" encoding="utf-8"?>
+<p:sld xmlns:a="http://schemas.openxmlformats.org/drawingml/2006/main" xmlns:r="http://schemas.openxmlformats.org/officeDocument/2006/relationships" xmlns:p="http://schemas.openxmlformats.org/presentationml/2006/main">
+  <p:cSld>
+    <p:spTree>
+      <p:nvGrpSpPr>
+        <p:cNvPr id="1" name=""/>
+        <p:cNvGrpSpPr/>
+        <p:nvPr/>
+      </p:nvGrpSpPr>
+      <p:grpSpPr>
+        <a:xfrm>
+          <a:off x="0" y="0"/>
+          <a:ext cx="0" cy="0"/>
+          <a:chOff x="0" y="0"/>
+          <a:chExt cx="0" cy="0"/>
+        </a:xfrm>
+      </p:grpSpPr>
+      <p:sp>
+        <p:nvSpPr>
+          <p:cNvPr id="2" name="Title 1"/>
+          <p:cNvSpPr>
+            <a:spLocks noGrp="1"/>
+          </p:cNvSpPr>
+          <p:nvPr>
+            <p:ph type="title"/>
+          </p:nvPr>
+        </p:nvSpPr>
+        <p:spPr>
+          <a:xfrm>
+            <a:off x="457200" y="274638"/>
+            <a:ext cx="8229600" cy="792162"/>
+          </a:xfrm>
+        </p:spPr>
+        <p:txBody>
+          <a:bodyPr/>
+          <a:lstStyle/>
+          <a:p>
+            <a:pPr algn="l"/>
+            <a:r>
+              <a:rPr lang="en-IN" dirty="0" smtClean="0"/>
+              <a:t>Data Deletion:</a:t>
+            </a:r>
+            <a:endParaRPr lang="en-IN" dirty="0"/>
+          </a:p>
+        </p:txBody>
+      </p:sp>
+      <p:sp>
+        <p:nvSpPr>
+          <p:cNvPr id="3" name="Content Placeholder 2"/>
+          <p:cNvSpPr>
+            <a:spLocks noGrp="1"/>
+          </p:cNvSpPr>
+          <p:nvPr>
+            <p:ph idx="1"/>
+          </p:nvPr>
+        </p:nvSpPr>
+        <p:spPr>
+          <a:xfrm>
+            <a:off x="457200" y="994569"/>
+            <a:ext cx="8229600" cy="3126582"/>
+          </a:xfrm>
+        </p:spPr>
+        <p:txBody>
+          <a:bodyPr>
+            <a:normAutofit/>
+          </a:bodyPr>
+          <a:lstStyle/>
+          <a:p>
+            <a:pPr marL="0" indent="0">
+              <a:buNone/>
+            </a:pPr>
+            <a:r>
+              <a:rPr lang="en-IN" sz="2400" dirty="0"/>
+              <a:t>Drop the </a:t>
+            </a:r>
+            <a:r>
+              <a:rPr lang="en-IN" sz="2400" b="1" i="1" dirty="0"/>
+              <a:t>rows</a:t>
+            </a:r>
+            <a:r>
+              <a:rPr lang="en-IN" sz="2400" dirty="0"/>
+              <a:t> where at least one element is missing.</a:t>
+            </a:r>
+          </a:p>
+          <a:p>
+            <a:pPr marL="0" indent="0">
+              <a:buNone/>
+            </a:pPr>
+            <a:r>
+              <a:rPr lang="en-IN" sz="2400" dirty="0"/>
+              <a:t/>
+            </a:r>
+            <a:br>
+              <a:rPr lang="en-IN" sz="2400" dirty="0"/>
+            </a:br>
+            <a:r>
+              <a:rPr lang="en-IN" sz="2400" dirty="0" smtClean="0"/>
+              <a:t>      </a:t>
+            </a:r>
+          </a:p>
+          <a:p>
+            <a:pPr marL="0" indent="0">
+              <a:buNone/>
+            </a:pPr>
+            <a:r>
+              <a:rPr lang="en-IN" sz="2400" dirty="0" smtClean="0"/>
+              <a:t>    </a:t>
+            </a:r>
+          </a:p>
+          <a:p>
+            <a:pPr marL="0" indent="0">
+              <a:buNone/>
+            </a:pPr>
+            <a:endParaRPr lang="en-IN" sz="2400" dirty="0" smtClean="0"/>
+          </a:p>
+        </p:txBody>
+      </p:sp>
+      <p:pic>
+        <p:nvPicPr>
+          <p:cNvPr id="2050" name="Picture 2"/>
+          <p:cNvPicPr>
+            <a:picLocks noChangeAspect="1" noChangeArrowheads="1"/>
+          </p:cNvPicPr>
+          <p:nvPr/>
+        </p:nvPicPr>
+        <p:blipFill>
+          <a:blip r:embed="rId2">
+            <a:extLst>
+              <a:ext uri="{28A0092B-C50C-407E-A947-70E740481C1C}">
+                <a14:useLocalDpi xmlns:a14="http://schemas.microsoft.com/office/drawing/2010/main" val="0"/>
+              </a:ext>
+            </a:extLst>
+          </a:blip>
+          <a:srcRect/>
+          <a:stretch>
+            <a:fillRect/>
+          </a:stretch>
+        </p:blipFill>
+        <p:spPr bwMode="auto">
+          <a:xfrm>
+            <a:off x="533400" y="1447800"/>
+            <a:ext cx="7880350" cy="4305300"/>
+          </a:xfrm>
+          <a:prstGeom prst="rect">
+            <a:avLst/>
+          </a:prstGeom>
+          <a:noFill/>
+          <a:ln>
+            <a:noFill/>
+          </a:ln>
+          <a:effectLst/>
+          <a:extLst>
+            <a:ext uri="{909E8E84-426E-40DD-AFC4-6F175D3DCCD1}">
+              <a14:hiddenFill xmlns:a14="http://schemas.microsoft.com/office/drawing/2010/main">
+                <a:solidFill>
+                  <a:schemeClr val="accent1"/>
+                </a:solidFill>
+              </a14:hiddenFill>
+            </a:ext>
+            <a:ext uri="{91240B29-F687-4F45-9708-019B960494DF}">
+              <a14:hiddenLine xmlns:a14="http://schemas.microsoft.com/office/drawing/2010/main" w="9525">
+                <a:solidFill>
+                  <a:schemeClr val="tx1"/>
+                </a:solidFill>
+                <a:miter lim="800000"/>
+                <a:headEnd/>
+                <a:tailEnd/>
+              </a14:hiddenLine>
+            </a:ext>
+            <a:ext uri="{AF507438-7753-43E0-B8FC-AC1667EBCBE1}">
+              <a14:hiddenEffects xmlns:a14="http://schemas.microsoft.com/office/drawing/2010/main">
+                <a:effectLst>
+                  <a:outerShdw dist="35921" dir="2700000" algn="ctr" rotWithShape="0">
+                    <a:schemeClr val="bg2"/>
+                  </a:outerShdw>
+                </a:effectLst>
+              </a14:hiddenEffects>
+            </a:ext>
+          </a:extLst>
+        </p:spPr>
+      </p:pic>
+      <p:cxnSp>
+        <p:nvCxnSpPr>
+          <p:cNvPr id="10" name="Straight Arrow Connector 9"/>
+          <p:cNvCxnSpPr/>
+          <p:nvPr/>
+        </p:nvCxnSpPr>
+        <p:spPr>
+          <a:xfrm flipH="1">
+            <a:off x="1905000" y="2234184"/>
+            <a:ext cx="1143000" cy="0"/>
+          </a:xfrm>
+          <a:prstGeom prst="straightConnector1">
+            <a:avLst/>
+          </a:prstGeom>
+          <a:ln>
+            <a:tailEnd type="arrow"/>
+          </a:ln>
+        </p:spPr>
+        <p:style>
+          <a:lnRef idx="1">
+            <a:schemeClr val="accent1"/>
+          </a:lnRef>
+          <a:fillRef idx="0">
+            <a:schemeClr val="accent1"/>
+          </a:fillRef>
+          <a:effectRef idx="0">
+            <a:schemeClr val="accent1"/>
+          </a:effectRef>
+          <a:fontRef idx="minor">
+            <a:schemeClr val="tx1"/>
+          </a:fontRef>
+        </p:style>
+      </p:cxnSp>
+      <p:cxnSp>
+        <p:nvCxnSpPr>
+          <p:cNvPr id="16" name="Straight Arrow Connector 15"/>
+          <p:cNvCxnSpPr/>
+          <p:nvPr/>
+        </p:nvCxnSpPr>
+        <p:spPr>
+          <a:xfrm flipH="1">
+            <a:off x="1905000" y="3886200"/>
+            <a:ext cx="1143000" cy="0"/>
+          </a:xfrm>
+          <a:prstGeom prst="straightConnector1">
+            <a:avLst/>
+          </a:prstGeom>
+          <a:ln>
+            <a:tailEnd type="arrow"/>
+          </a:ln>
+        </p:spPr>
+        <p:style>
+          <a:lnRef idx="1">
+            <a:schemeClr val="accent1"/>
+          </a:lnRef>
+          <a:fillRef idx="0">
+            <a:schemeClr val="accent1"/>
+          </a:fillRef>
+          <a:effectRef idx="0">
+            <a:schemeClr val="accent1"/>
+          </a:effectRef>
+          <a:fontRef idx="minor">
+            <a:schemeClr val="tx1"/>
+          </a:fontRef>
+        </p:style>
+      </p:cxnSp>
+    </p:spTree>
+    <p:extLst>
+      <p:ext uri="{BB962C8B-B14F-4D97-AF65-F5344CB8AC3E}">
+        <p14:creationId xmlns:p14="http://schemas.microsoft.com/office/powerpoint/2010/main" val="2393865371"/>
+      </p:ext>
+    </p:extLst>
+  </p:cSld>
+  <p:clrMapOvr>
+    <a:masterClrMapping/>
+  </p:clrMapOvr>
+  <p:timing>
+    <p:tnLst>
+      <p:par>
+        <p:cTn id="1" dur="indefinite" restart="never" nodeType="tmRoot"/>
+      </p:par>
+    </p:tnLst>
+  </p:timing>
+</p:sld>
+</file>
+
+<file path=ppt/slides/slide4.xml><?xml version="1.0" encoding="utf-8"?>
+<p:sld xmlns:a="http://schemas.openxmlformats.org/drawingml/2006/main" xmlns:r="http://schemas.openxmlformats.org/officeDocument/2006/relationships" xmlns:p="http://schemas.openxmlformats.org/presentationml/2006/main">
+  <p:cSld>
+    <p:spTree>
+      <p:nvGrpSpPr>
+        <p:cNvPr id="1" name=""/>
+        <p:cNvGrpSpPr/>
+        <p:nvPr/>
+      </p:nvGrpSpPr>
+      <p:grpSpPr>
+        <a:xfrm>
+          <a:off x="0" y="0"/>
+          <a:ext cx="0" cy="0"/>
+          <a:chOff x="0" y="0"/>
+          <a:chExt cx="0" cy="0"/>
+        </a:xfrm>
+      </p:grpSpPr>
+      <p:pic>
+        <p:nvPicPr>
+          <p:cNvPr id="3074" name="Picture 2"/>
+          <p:cNvPicPr>
+            <a:picLocks noChangeAspect="1" noChangeArrowheads="1"/>
+          </p:cNvPicPr>
+          <p:nvPr/>
+        </p:nvPicPr>
+        <p:blipFill>
+          <a:blip r:embed="rId2">
+            <a:extLst>
+              <a:ext uri="{28A0092B-C50C-407E-A947-70E740481C1C}">
+                <a14:useLocalDpi xmlns:a14="http://schemas.microsoft.com/office/drawing/2010/main" val="0"/>
+              </a:ext>
+            </a:extLst>
+          </a:blip>
+          <a:srcRect/>
+          <a:stretch>
+            <a:fillRect/>
+          </a:stretch>
+        </p:blipFill>
+        <p:spPr bwMode="auto">
+          <a:xfrm>
+            <a:off x="557784" y="1490472"/>
+            <a:ext cx="7905750" cy="4921250"/>
+          </a:xfrm>
+          <a:prstGeom prst="rect">
+            <a:avLst/>
+          </a:prstGeom>
+          <a:noFill/>
+          <a:ln>
+            <a:noFill/>
+          </a:ln>
+          <a:effectLst/>
+          <a:extLst>
+            <a:ext uri="{909E8E84-426E-40DD-AFC4-6F175D3DCCD1}">
+              <a14:hiddenFill xmlns:a14="http://schemas.microsoft.com/office/drawing/2010/main">
+                <a:solidFill>
+                  <a:schemeClr val="accent1"/>
+                </a:solidFill>
+              </a14:hiddenFill>
+            </a:ext>
+            <a:ext uri="{91240B29-F687-4F45-9708-019B960494DF}">
+              <a14:hiddenLine xmlns:a14="http://schemas.microsoft.com/office/drawing/2010/main" w="9525">
+                <a:solidFill>
+                  <a:schemeClr val="tx1"/>
+                </a:solidFill>
+                <a:miter lim="800000"/>
+                <a:headEnd/>
+                <a:tailEnd/>
+              </a14:hiddenLine>
+            </a:ext>
+            <a:ext uri="{AF507438-7753-43E0-B8FC-AC1667EBCBE1}">
+              <a14:hiddenEffects xmlns:a14="http://schemas.microsoft.com/office/drawing/2010/main">
+                <a:effectLst>
+                  <a:outerShdw dist="35921" dir="2700000" algn="ctr" rotWithShape="0">
+                    <a:schemeClr val="bg2"/>
+                  </a:outerShdw>
+                </a:effectLst>
+              </a14:hiddenEffects>
+            </a:ext>
+          </a:extLst>
+        </p:spPr>
+      </p:pic>
+      <p:sp>
+        <p:nvSpPr>
+          <p:cNvPr id="2" name="Title 1"/>
+          <p:cNvSpPr>
+            <a:spLocks noGrp="1"/>
+          </p:cNvSpPr>
+          <p:nvPr>
+            <p:ph type="title"/>
+          </p:nvPr>
+        </p:nvSpPr>
+        <p:spPr>
+          <a:xfrm>
+            <a:off x="457200" y="274638"/>
+            <a:ext cx="8229600" cy="792162"/>
+          </a:xfrm>
+        </p:spPr>
+        <p:txBody>
+          <a:bodyPr/>
+          <a:lstStyle/>
+          <a:p>
+            <a:pPr algn="l"/>
+            <a:r>
+              <a:rPr lang="en-IN" dirty="0" smtClean="0"/>
+              <a:t>Data Deletion:</a:t>
+            </a:r>
+            <a:endParaRPr lang="en-IN" dirty="0"/>
+          </a:p>
+        </p:txBody>
+      </p:sp>
+      <p:sp>
+        <p:nvSpPr>
+          <p:cNvPr id="3" name="Content Placeholder 2"/>
+          <p:cNvSpPr>
+            <a:spLocks noGrp="1"/>
+          </p:cNvSpPr>
+          <p:nvPr>
+            <p:ph idx="1"/>
+          </p:nvPr>
+        </p:nvSpPr>
+        <p:spPr>
+          <a:xfrm>
+            <a:off x="457200" y="994569"/>
+            <a:ext cx="8229600" cy="3126582"/>
+          </a:xfrm>
+        </p:spPr>
+        <p:txBody>
+          <a:bodyPr>
+            <a:normAutofit/>
+          </a:bodyPr>
+          <a:lstStyle/>
+          <a:p>
+            <a:pPr marL="0" indent="0">
+              <a:buNone/>
+            </a:pPr>
+            <a:r>
+              <a:rPr lang="en-IN" sz="2400" dirty="0"/>
+              <a:t>Define in </a:t>
+            </a:r>
+            <a:r>
+              <a:rPr lang="en-IN" sz="2400" b="1" i="1" dirty="0"/>
+              <a:t>which </a:t>
+            </a:r>
+            <a:r>
+              <a:rPr lang="en-IN" sz="2400" b="1" i="1" dirty="0" smtClean="0"/>
+              <a:t>columns </a:t>
+            </a:r>
+            <a:r>
+              <a:rPr lang="en-IN" sz="2400" dirty="0"/>
+              <a:t>to look for missing values</a:t>
+            </a:r>
+            <a:r>
+              <a:rPr lang="en-IN" sz="2400" dirty="0" smtClean="0"/>
+              <a:t>.</a:t>
+            </a:r>
+            <a:endParaRPr lang="en-IN" sz="2400" dirty="0"/>
+          </a:p>
+        </p:txBody>
+      </p:sp>
+      <p:cxnSp>
+        <p:nvCxnSpPr>
+          <p:cNvPr id="10" name="Straight Arrow Connector 9"/>
+          <p:cNvCxnSpPr/>
+          <p:nvPr/>
+        </p:nvCxnSpPr>
+        <p:spPr>
+          <a:xfrm flipH="1">
+            <a:off x="1981200" y="2286000"/>
+            <a:ext cx="1143000" cy="0"/>
+          </a:xfrm>
+          <a:prstGeom prst="straightConnector1">
+            <a:avLst/>
+          </a:prstGeom>
+          <a:ln>
+            <a:tailEnd type="arrow"/>
+          </a:ln>
+        </p:spPr>
+        <p:style>
+          <a:lnRef idx="1">
+            <a:schemeClr val="accent1"/>
+          </a:lnRef>
+          <a:fillRef idx="0">
+            <a:schemeClr val="accent1"/>
+          </a:fillRef>
+          <a:effectRef idx="0">
+            <a:schemeClr val="accent1"/>
+          </a:effectRef>
+          <a:fontRef idx="minor">
+            <a:schemeClr val="tx1"/>
+          </a:fontRef>
+        </p:style>
+      </p:cxnSp>
+    </p:spTree>
+    <p:extLst>
+      <p:ext uri="{BB962C8B-B14F-4D97-AF65-F5344CB8AC3E}">
+        <p14:creationId xmlns:p14="http://schemas.microsoft.com/office/powerpoint/2010/main" val="1641640422"/>
+      </p:ext>
+    </p:extLst>
+  </p:cSld>
+  <p:clrMapOvr>
+    <a:masterClrMapping/>
+  </p:clrMapOvr>
+  <p:timing>
+    <p:tnLst>
+      <p:par>
+        <p:cTn id="1" dur="indefinite" restart="never" nodeType="tmRoot"/>
+      </p:par>
+    </p:tnLst>
+  </p:timing>
+</p:sld>
+</file>
+
+<file path=ppt/slides/slide5.xml><?xml version="1.0" encoding="utf-8"?>
+<p:sld xmlns:a="http://schemas.openxmlformats.org/drawingml/2006/main" xmlns:r="http://schemas.openxmlformats.org/officeDocument/2006/relationships" xmlns:p="http://schemas.openxmlformats.org/presentationml/2006/main">
+  <p:cSld>
+    <p:spTree>
+      <p:nvGrpSpPr>
+        <p:cNvPr id="1" name=""/>
+        <p:cNvGrpSpPr/>
+        <p:nvPr/>
+      </p:nvGrpSpPr>
+      <p:grpSpPr>
+        <a:xfrm>
+          <a:off x="0" y="0"/>
+          <a:ext cx="0" cy="0"/>
+          <a:chOff x="0" y="0"/>
+          <a:chExt cx="0" cy="0"/>
+        </a:xfrm>
+      </p:grpSpPr>
+      <p:sp>
+        <p:nvSpPr>
+          <p:cNvPr id="2" name="Title 1"/>
+          <p:cNvSpPr>
+            <a:spLocks noGrp="1"/>
+          </p:cNvSpPr>
+          <p:nvPr>
+            <p:ph type="title"/>
+          </p:nvPr>
+        </p:nvSpPr>
+        <p:spPr>
+          <a:xfrm>
+            <a:off x="457200" y="274638"/>
+            <a:ext cx="8229600" cy="792162"/>
+          </a:xfrm>
+        </p:spPr>
+        <p:txBody>
+          <a:bodyPr/>
+          <a:lstStyle/>
+          <a:p>
+            <a:pPr algn="l"/>
+            <a:r>
+              <a:rPr lang="en-IN" dirty="0" smtClean="0"/>
+              <a:t>Data Deletion:</a:t>
+            </a:r>
+            <a:endParaRPr lang="en-IN" dirty="0"/>
+          </a:p>
+        </p:txBody>
+      </p:sp>
+      <p:sp>
+        <p:nvSpPr>
+          <p:cNvPr id="3" name="Content Placeholder 2"/>
+          <p:cNvSpPr>
+            <a:spLocks noGrp="1"/>
+          </p:cNvSpPr>
+          <p:nvPr>
+            <p:ph idx="1"/>
+          </p:nvPr>
+        </p:nvSpPr>
+        <p:spPr>
+          <a:xfrm>
+            <a:off x="457200" y="994569"/>
+            <a:ext cx="8229600" cy="3126582"/>
+          </a:xfrm>
+        </p:spPr>
+        <p:txBody>
+          <a:bodyPr>
+            <a:normAutofit/>
+          </a:bodyPr>
+          <a:lstStyle/>
+          <a:p>
+            <a:pPr marL="0" indent="0">
+              <a:buNone/>
+            </a:pPr>
+            <a:r>
+              <a:rPr lang="en-IN" sz="2400" dirty="0"/>
+              <a:t>Drop the </a:t>
+            </a:r>
+            <a:r>
+              <a:rPr lang="en-IN" sz="2400" b="1" i="1" dirty="0"/>
+              <a:t>columns</a:t>
+            </a:r>
+            <a:r>
+              <a:rPr lang="en-IN" sz="2400" dirty="0"/>
+              <a:t> where at least one element is missing.</a:t>
+            </a:r>
+          </a:p>
+        </p:txBody>
+      </p:sp>
+      <p:pic>
+        <p:nvPicPr>
+          <p:cNvPr id="4098" name="Picture 2"/>
+          <p:cNvPicPr>
+            <a:picLocks noChangeAspect="1" noChangeArrowheads="1"/>
+          </p:cNvPicPr>
+          <p:nvPr/>
+        </p:nvPicPr>
+        <p:blipFill>
+          <a:blip r:embed="rId2">
+            <a:extLst>
+              <a:ext uri="{28A0092B-C50C-407E-A947-70E740481C1C}">
+                <a14:useLocalDpi xmlns:a14="http://schemas.microsoft.com/office/drawing/2010/main" val="0"/>
+              </a:ext>
+            </a:extLst>
+          </a:blip>
+          <a:srcRect/>
+          <a:stretch>
+            <a:fillRect/>
+          </a:stretch>
+        </p:blipFill>
+        <p:spPr bwMode="auto">
+          <a:xfrm>
+            <a:off x="533400" y="1447800"/>
+            <a:ext cx="7886700" cy="5327650"/>
+          </a:xfrm>
+          <a:prstGeom prst="rect">
+            <a:avLst/>
+          </a:prstGeom>
+          <a:noFill/>
+          <a:ln>
+            <a:noFill/>
+          </a:ln>
+          <a:effectLst/>
+          <a:extLst>
+            <a:ext uri="{909E8E84-426E-40DD-AFC4-6F175D3DCCD1}">
+              <a14:hiddenFill xmlns:a14="http://schemas.microsoft.com/office/drawing/2010/main">
+                <a:solidFill>
+                  <a:schemeClr val="accent1"/>
+                </a:solidFill>
+              </a14:hiddenFill>
+            </a:ext>
+            <a:ext uri="{91240B29-F687-4F45-9708-019B960494DF}">
+              <a14:hiddenLine xmlns:a14="http://schemas.microsoft.com/office/drawing/2010/main" w="9525">
+                <a:solidFill>
+                  <a:schemeClr val="tx1"/>
+                </a:solidFill>
+                <a:miter lim="800000"/>
+                <a:headEnd/>
+                <a:tailEnd/>
+              </a14:hiddenLine>
+            </a:ext>
+            <a:ext uri="{AF507438-7753-43E0-B8FC-AC1667EBCBE1}">
+              <a14:hiddenEffects xmlns:a14="http://schemas.microsoft.com/office/drawing/2010/main">
+                <a:effectLst>
+                  <a:outerShdw dist="35921" dir="2700000" algn="ctr" rotWithShape="0">
+                    <a:schemeClr val="bg2"/>
+                  </a:outerShdw>
+                </a:effectLst>
+              </a14:hiddenEffects>
+            </a:ext>
+          </a:extLst>
+        </p:spPr>
+      </p:pic>
+    </p:spTree>
+    <p:extLst>
+      <p:ext uri="{BB962C8B-B14F-4D97-AF65-F5344CB8AC3E}">
+        <p14:creationId xmlns:p14="http://schemas.microsoft.com/office/powerpoint/2010/main" val="1261213843"/>
+      </p:ext>
+    </p:extLst>
+  </p:cSld>
+  <p:clrMapOvr>
+    <a:masterClrMapping/>
+  </p:clrMapOvr>
+  <p:timing>
+    <p:tnLst>
+      <p:par>
+        <p:cTn id="1" dur="indefinite" restart="never" nodeType="tmRoot"/>
+      </p:par>
+    </p:tnLst>
+  </p:timing>
+</p:sld>
+</file>
+
+<file path=ppt/slides/slide6.xml><?xml version="1.0" encoding="utf-8"?>
+<p:sld xmlns:a="http://schemas.openxmlformats.org/drawingml/2006/main" xmlns:r="http://schemas.openxmlformats.org/officeDocument/2006/relationships" xmlns:p="http://schemas.openxmlformats.org/presentationml/2006/main">
+  <p:cSld>
+    <p:spTree>
+      <p:nvGrpSpPr>
+        <p:cNvPr id="1" name=""/>
+        <p:cNvGrpSpPr/>
+        <p:nvPr/>
+      </p:nvGrpSpPr>
+      <p:grpSpPr>
+        <a:xfrm>
+          <a:off x="0" y="0"/>
+          <a:ext cx="0" cy="0"/>
+          <a:chOff x="0" y="0"/>
+          <a:chExt cx="0" cy="0"/>
+        </a:xfrm>
+      </p:grpSpPr>
+      <p:sp>
+        <p:nvSpPr>
+          <p:cNvPr id="2" name="Title 1"/>
+          <p:cNvSpPr>
+            <a:spLocks noGrp="1"/>
+          </p:cNvSpPr>
+          <p:nvPr>
+            <p:ph type="title"/>
+          </p:nvPr>
+        </p:nvSpPr>
+        <p:spPr>
+          <a:xfrm>
+            <a:off x="457200" y="274638"/>
+            <a:ext cx="8229600" cy="792162"/>
+          </a:xfrm>
+        </p:spPr>
+        <p:txBody>
+          <a:bodyPr/>
+          <a:lstStyle/>
+          <a:p>
+            <a:pPr algn="l"/>
+            <a:r>
+              <a:rPr lang="en-IN" dirty="0" smtClean="0"/>
+              <a:t>Data Imputation:</a:t>
+            </a:r>
+            <a:endParaRPr lang="en-IN" dirty="0"/>
+          </a:p>
+        </p:txBody>
+      </p:sp>
+      <p:sp>
+        <p:nvSpPr>
+          <p:cNvPr id="3" name="Content Placeholder 2"/>
+          <p:cNvSpPr>
+            <a:spLocks noGrp="1"/>
+          </p:cNvSpPr>
+          <p:nvPr>
+            <p:ph idx="1"/>
+          </p:nvPr>
+        </p:nvSpPr>
+        <p:spPr>
+          <a:xfrm>
+            <a:off x="457200" y="994569"/>
+            <a:ext cx="8229600" cy="3126582"/>
+          </a:xfrm>
+        </p:spPr>
+        <p:txBody>
+          <a:bodyPr>
+            <a:normAutofit/>
+          </a:bodyPr>
+          <a:lstStyle/>
+          <a:p>
+            <a:pPr marL="0" indent="0">
+              <a:buNone/>
+            </a:pPr>
+            <a:r>
+              <a:rPr lang="en-IN" sz="2400" b="1" dirty="0" smtClean="0"/>
+              <a:t># UNIVARIATE IMPUTATION</a:t>
+            </a:r>
+          </a:p>
+          <a:p>
+            <a:pPr marL="0" indent="0">
+              <a:buNone/>
+            </a:pPr>
+            <a:r>
+              <a:rPr lang="en-IN" sz="2400" dirty="0" smtClean="0"/>
+              <a:t>			Importing dependencies</a:t>
+            </a:r>
+          </a:p>
+          <a:p>
+            <a:pPr marL="0" indent="0">
+              <a:buNone/>
+            </a:pPr>
+            <a:r>
+              <a:rPr lang="en-IN" sz="2400" dirty="0" smtClean="0"/>
+              <a:t>	</a:t>
+            </a:r>
+          </a:p>
+          <a:p>
+            <a:pPr marL="0" indent="0">
+              <a:buNone/>
+            </a:pPr>
+            <a:endParaRPr lang="en-IN" sz="2400" dirty="0"/>
+          </a:p>
+          <a:p>
+            <a:pPr marL="0" indent="0">
+              <a:buNone/>
+            </a:pPr>
+            <a:r>
+              <a:rPr lang="en-IN" sz="2400" b="1" dirty="0" smtClean="0"/>
+              <a:t>1.  			     Mean Imputation</a:t>
+            </a:r>
+            <a:endParaRPr lang="en-IN" sz="2400" b="1" dirty="0"/>
+          </a:p>
+        </p:txBody>
+      </p:sp>
+      <p:pic>
+        <p:nvPicPr>
+          <p:cNvPr id="5123" name="Picture 3"/>
+          <p:cNvPicPr>
+            <a:picLocks noChangeAspect="1" noChangeArrowheads="1"/>
+          </p:cNvPicPr>
+          <p:nvPr/>
+        </p:nvPicPr>
+        <p:blipFill>
+          <a:blip r:embed="rId2">
+            <a:extLst>
+              <a:ext uri="{28A0092B-C50C-407E-A947-70E740481C1C}">
+                <a14:useLocalDpi xmlns:a14="http://schemas.microsoft.com/office/drawing/2010/main" val="0"/>
+              </a:ext>
+            </a:extLst>
+          </a:blip>
+          <a:srcRect/>
+          <a:stretch>
+            <a:fillRect/>
+          </a:stretch>
+        </p:blipFill>
+        <p:spPr bwMode="auto">
+          <a:xfrm>
+            <a:off x="533400" y="1905000"/>
+            <a:ext cx="7708900" cy="647700"/>
+          </a:xfrm>
+          <a:prstGeom prst="rect">
+            <a:avLst/>
+          </a:prstGeom>
+          <a:noFill/>
+          <a:ln>
+            <a:noFill/>
+          </a:ln>
+          <a:effectLst/>
+          <a:extLst>
+            <a:ext uri="{909E8E84-426E-40DD-AFC4-6F175D3DCCD1}">
+              <a14:hiddenFill xmlns:a14="http://schemas.microsoft.com/office/drawing/2010/main">
+                <a:solidFill>
+                  <a:schemeClr val="accent1"/>
+                </a:solidFill>
+              </a14:hiddenFill>
+            </a:ext>
+            <a:ext uri="{91240B29-F687-4F45-9708-019B960494DF}">
+              <a14:hiddenLine xmlns:a14="http://schemas.microsoft.com/office/drawing/2010/main" w="9525">
+                <a:solidFill>
+                  <a:schemeClr val="tx1"/>
+                </a:solidFill>
+                <a:miter lim="800000"/>
+                <a:headEnd/>
+                <a:tailEnd/>
+              </a14:hiddenLine>
+            </a:ext>
+            <a:ext uri="{AF507438-7753-43E0-B8FC-AC1667EBCBE1}">
+              <a14:hiddenEffects xmlns:a14="http://schemas.microsoft.com/office/drawing/2010/main">
+                <a:effectLst>
+                  <a:outerShdw dist="35921" dir="2700000" algn="ctr" rotWithShape="0">
+                    <a:schemeClr val="bg2"/>
+                  </a:outerShdw>
+                </a:effectLst>
+              </a14:hiddenEffects>
+            </a:ext>
+          </a:extLst>
+        </p:spPr>
+      </p:pic>
+      <p:pic>
+        <p:nvPicPr>
+          <p:cNvPr id="5125" name="Picture 5"/>
+          <p:cNvPicPr>
+            <a:picLocks noChangeAspect="1" noChangeArrowheads="1"/>
+          </p:cNvPicPr>
+          <p:nvPr/>
+        </p:nvPicPr>
+        <p:blipFill>
+          <a:blip r:embed="rId3">
+            <a:extLst>
+              <a:ext uri="{28A0092B-C50C-407E-A947-70E740481C1C}">
+                <a14:useLocalDpi xmlns:a14="http://schemas.microsoft.com/office/drawing/2010/main" val="0"/>
+              </a:ext>
+            </a:extLst>
+          </a:blip>
+          <a:srcRect/>
+          <a:stretch>
+            <a:fillRect/>
+          </a:stretch>
+        </p:blipFill>
+        <p:spPr bwMode="auto">
+          <a:xfrm>
+            <a:off x="533400" y="3276600"/>
+            <a:ext cx="8229600" cy="1689100"/>
+          </a:xfrm>
+          <a:prstGeom prst="rect">
+            <a:avLst/>
+          </a:prstGeom>
+          <a:noFill/>
+          <a:ln>
+            <a:noFill/>
+          </a:ln>
+          <a:effectLst/>
+          <a:extLst>
+            <a:ext uri="{909E8E84-426E-40DD-AFC4-6F175D3DCCD1}">
+              <a14:hiddenFill xmlns:a14="http://schemas.microsoft.com/office/drawing/2010/main">
+                <a:solidFill>
+                  <a:schemeClr val="accent1"/>
+                </a:solidFill>
+              </a14:hiddenFill>
+            </a:ext>
+            <a:ext uri="{91240B29-F687-4F45-9708-019B960494DF}">
+              <a14:hiddenLine xmlns:a14="http://schemas.microsoft.com/office/drawing/2010/main" w="9525">
+                <a:solidFill>
+                  <a:schemeClr val="tx1"/>
+                </a:solidFill>
+                <a:miter lim="800000"/>
+                <a:headEnd/>
+                <a:tailEnd/>
+              </a14:hiddenLine>
+            </a:ext>
+            <a:ext uri="{AF507438-7753-43E0-B8FC-AC1667EBCBE1}">
+              <a14:hiddenEffects xmlns:a14="http://schemas.microsoft.com/office/drawing/2010/main">
+                <a:effectLst>
+                  <a:outerShdw dist="35921" dir="2700000" algn="ctr" rotWithShape="0">
+                    <a:schemeClr val="bg2"/>
+                  </a:outerShdw>
+                </a:effectLst>
+              </a14:hiddenEffects>
+            </a:ext>
+          </a:extLst>
+        </p:spPr>
+      </p:pic>
+    </p:spTree>
+    <p:extLst>
+      <p:ext uri="{BB962C8B-B14F-4D97-AF65-F5344CB8AC3E}">
+        <p14:creationId xmlns:p14="http://schemas.microsoft.com/office/powerpoint/2010/main" val="3249707846"/>
+      </p:ext>
+    </p:extLst>
+  </p:cSld>
+  <p:clrMapOvr>
+    <a:masterClrMapping/>
+  </p:clrMapOvr>
+  <p:timing>
+    <p:tnLst>
+      <p:par>
+        <p:cTn id="1" dur="indefinite" restart="never" nodeType="tmRoot"/>
+      </p:par>
+    </p:tnLst>
+  </p:timing>
+</p:sld>
+</file>
+
+<file path=ppt/slides/slide7.xml><?xml version="1.0" encoding="utf-8"?>
+<p:sld xmlns:a="http://schemas.openxmlformats.org/drawingml/2006/main" xmlns:r="http://schemas.openxmlformats.org/officeDocument/2006/relationships" xmlns:p="http://schemas.openxmlformats.org/presentationml/2006/main">
+  <p:cSld>
+    <p:spTree>
+      <p:nvGrpSpPr>
+        <p:cNvPr id="1" name=""/>
+        <p:cNvGrpSpPr/>
+        <p:nvPr/>
+      </p:nvGrpSpPr>
+      <p:grpSpPr>
+        <a:xfrm>
+          <a:off x="0" y="0"/>
+          <a:ext cx="0" cy="0"/>
+          <a:chOff x="0" y="0"/>
+          <a:chExt cx="0" cy="0"/>
+        </a:xfrm>
+      </p:grpSpPr>
+      <p:sp>
+        <p:nvSpPr>
+          <p:cNvPr id="2" name="Title 1"/>
+          <p:cNvSpPr>
+            <a:spLocks noGrp="1"/>
+          </p:cNvSpPr>
+          <p:nvPr>
+            <p:ph type="title"/>
+          </p:nvPr>
+        </p:nvSpPr>
+        <p:spPr>
+          <a:xfrm>
+            <a:off x="457200" y="274638"/>
+            <a:ext cx="8229600" cy="792162"/>
+          </a:xfrm>
+        </p:spPr>
+        <p:txBody>
+          <a:bodyPr/>
+          <a:lstStyle/>
+          <a:p>
+            <a:pPr algn="l"/>
+            <a:r>
+              <a:rPr lang="en-IN" dirty="0" smtClean="0"/>
+              <a:t>Data Imputation:</a:t>
+            </a:r>
+            <a:endParaRPr lang="en-IN" dirty="0"/>
+          </a:p>
+        </p:txBody>
+      </p:sp>
+      <p:sp>
+        <p:nvSpPr>
+          <p:cNvPr id="3" name="Content Placeholder 2"/>
+          <p:cNvSpPr>
+            <a:spLocks noGrp="1"/>
+          </p:cNvSpPr>
+          <p:nvPr>
+            <p:ph idx="1"/>
+          </p:nvPr>
+        </p:nvSpPr>
+        <p:spPr>
+          <a:xfrm>
+            <a:off x="457200" y="994569"/>
+            <a:ext cx="8229600" cy="3126582"/>
+          </a:xfrm>
+        </p:spPr>
+        <p:txBody>
+          <a:bodyPr>
+            <a:normAutofit/>
+          </a:bodyPr>
+          <a:lstStyle/>
+          <a:p>
+            <a:pPr marL="0" indent="0">
+              <a:buNone/>
+            </a:pPr>
+            <a:r>
+              <a:rPr lang="en-IN" sz="2400" b="1" dirty="0" smtClean="0"/>
+              <a:t># UNIVARIATE IMPUTATION</a:t>
+            </a:r>
+          </a:p>
+          <a:p>
+            <a:pPr marL="0" indent="0">
+              <a:buNone/>
+            </a:pPr>
+            <a:r>
+              <a:rPr lang="en-IN" sz="2400" dirty="0" smtClean="0"/>
+              <a:t>Mean imputed data</a:t>
+            </a:r>
+            <a:endParaRPr lang="en-IN" sz="2400" dirty="0"/>
+          </a:p>
+        </p:txBody>
+      </p:sp>
+      <p:pic>
+        <p:nvPicPr>
+          <p:cNvPr id="6146" name="Picture 2"/>
+          <p:cNvPicPr>
+            <a:picLocks noChangeAspect="1" noChangeArrowheads="1"/>
+          </p:cNvPicPr>
+          <p:nvPr/>
+        </p:nvPicPr>
+        <p:blipFill>
+          <a:blip r:embed="rId2">
+            <a:extLst>
+              <a:ext uri="{28A0092B-C50C-407E-A947-70E740481C1C}">
+                <a14:useLocalDpi xmlns:a14="http://schemas.microsoft.com/office/drawing/2010/main" val="0"/>
+              </a:ext>
+            </a:extLst>
+          </a:blip>
+          <a:srcRect/>
+          <a:stretch>
+            <a:fillRect/>
+          </a:stretch>
+        </p:blipFill>
+        <p:spPr bwMode="auto">
+          <a:xfrm>
+            <a:off x="6172200" y="1752600"/>
+            <a:ext cx="1460500" cy="4756150"/>
+          </a:xfrm>
+          <a:prstGeom prst="rect">
+            <a:avLst/>
+          </a:prstGeom>
+          <a:noFill/>
+          <a:ln>
+            <a:noFill/>
+          </a:ln>
+          <a:effectLst/>
+          <a:extLst>
+            <a:ext uri="{909E8E84-426E-40DD-AFC4-6F175D3DCCD1}">
+              <a14:hiddenFill xmlns:a14="http://schemas.microsoft.com/office/drawing/2010/main">
+                <a:solidFill>
+                  <a:schemeClr val="accent1"/>
+                </a:solidFill>
+              </a14:hiddenFill>
+            </a:ext>
+            <a:ext uri="{91240B29-F687-4F45-9708-019B960494DF}">
+              <a14:hiddenLine xmlns:a14="http://schemas.microsoft.com/office/drawing/2010/main" w="9525">
+                <a:solidFill>
+                  <a:schemeClr val="tx1"/>
+                </a:solidFill>
+                <a:miter lim="800000"/>
+                <a:headEnd/>
+                <a:tailEnd/>
+              </a14:hiddenLine>
+            </a:ext>
+            <a:ext uri="{AF507438-7753-43E0-B8FC-AC1667EBCBE1}">
+              <a14:hiddenEffects xmlns:a14="http://schemas.microsoft.com/office/drawing/2010/main">
+                <a:effectLst>
+                  <a:outerShdw dist="35921" dir="2700000" algn="ctr" rotWithShape="0">
+                    <a:schemeClr val="bg2"/>
+                  </a:outerShdw>
+                </a:effectLst>
+              </a14:hiddenEffects>
+            </a:ext>
+          </a:extLst>
+        </p:spPr>
+      </p:pic>
+      <p:pic>
+        <p:nvPicPr>
+          <p:cNvPr id="4" name="Picture 3"/>
+          <p:cNvPicPr>
+            <a:picLocks noChangeAspect="1"/>
+          </p:cNvPicPr>
+          <p:nvPr/>
+        </p:nvPicPr>
+        <p:blipFill>
+          <a:blip r:embed="rId3">
+            <a:extLst>
+              <a:ext uri="{28A0092B-C50C-407E-A947-70E740481C1C}">
+                <a14:useLocalDpi xmlns:a14="http://schemas.microsoft.com/office/drawing/2010/main" val="0"/>
+              </a:ext>
+            </a:extLst>
+          </a:blip>
+          <a:stretch>
+            <a:fillRect/>
+          </a:stretch>
+        </p:blipFill>
+        <p:spPr>
+          <a:xfrm>
+            <a:off x="3124200" y="1752600"/>
+            <a:ext cx="1292633" cy="4756150"/>
+          </a:xfrm>
+          <a:prstGeom prst="rect">
+            <a:avLst/>
+          </a:prstGeom>
+        </p:spPr>
+      </p:pic>
+      <p:sp>
+        <p:nvSpPr>
+          <p:cNvPr id="5" name="Right Arrow 4"/>
+          <p:cNvSpPr/>
+          <p:nvPr/>
+        </p:nvSpPr>
+        <p:spPr>
+          <a:xfrm>
+            <a:off x="4715256" y="3695700"/>
+            <a:ext cx="1219200" cy="533400"/>
+          </a:xfrm>
+          <a:prstGeom prst="rightArrow">
+            <a:avLst/>
+          </a:prstGeom>
+          <a:solidFill>
+            <a:schemeClr val="bg1">
+              <a:lumMod val="65000"/>
+            </a:schemeClr>
+          </a:solidFill>
+          <a:ln>
+            <a:noFill/>
+          </a:ln>
+        </p:spPr>
+        <p:style>
+          <a:lnRef idx="2">
+            <a:schemeClr val="accent1">
+              <a:shade val="50000"/>
+            </a:schemeClr>
+          </a:lnRef>
+          <a:fillRef idx="1">
+            <a:schemeClr val="accent1"/>
+          </a:fillRef>
+          <a:effectRef idx="0">
+            <a:schemeClr val="accent1"/>
+          </a:effectRef>
+          <a:fontRef idx="minor">
+            <a:schemeClr val="lt1"/>
+          </a:fontRef>
+        </p:style>
+        <p:txBody>
+          <a:bodyPr rtlCol="0" anchor="ctr"/>
+          <a:lstStyle/>
+          <a:p>
+            <a:pPr algn="ctr"/>
+            <a:endParaRPr lang="en-IN"/>
+          </a:p>
+        </p:txBody>
+      </p:sp>
+    </p:spTree>
+    <p:extLst>
+      <p:ext uri="{BB962C8B-B14F-4D97-AF65-F5344CB8AC3E}">
+        <p14:creationId xmlns:p14="http://schemas.microsoft.com/office/powerpoint/2010/main" val="4006786836"/>
+      </p:ext>
+    </p:extLst>
+  </p:cSld>
+  <p:clrMapOvr>
+    <a:masterClrMapping/>
+  </p:clrMapOvr>
+  <p:timing>
+    <p:tnLst>
+      <p:par>
+        <p:cTn id="1" dur="indefinite" restart="never" nodeType="tmRoot"/>
+      </p:par>
+    </p:tnLst>
+  </p:timing>
+</p:sld>
+</file>
+
+<file path=ppt/slides/slide8.xml><?xml version="1.0" encoding="utf-8"?>
+<p:sld xmlns:a="http://schemas.openxmlformats.org/drawingml/2006/main" xmlns:r="http://schemas.openxmlformats.org/officeDocument/2006/relationships" xmlns:p="http://schemas.openxmlformats.org/presentationml/2006/main">
+  <p:cSld>
+    <p:spTree>
+      <p:nvGrpSpPr>
+        <p:cNvPr id="1" name=""/>
+        <p:cNvGrpSpPr/>
+        <p:nvPr/>
+      </p:nvGrpSpPr>
+      <p:grpSpPr>
+        <a:xfrm>
+          <a:off x="0" y="0"/>
+          <a:ext cx="0" cy="0"/>
+          <a:chOff x="0" y="0"/>
+          <a:chExt cx="0" cy="0"/>
+        </a:xfrm>
+      </p:grpSpPr>
+      <p:sp>
+        <p:nvSpPr>
+          <p:cNvPr id="2" name="Title 1"/>
+          <p:cNvSpPr>
+            <a:spLocks noGrp="1"/>
+          </p:cNvSpPr>
+          <p:nvPr>
+            <p:ph type="title"/>
+          </p:nvPr>
+        </p:nvSpPr>
+        <p:spPr>
+          <a:xfrm>
+            <a:off x="457200" y="274638"/>
+            <a:ext cx="8229600" cy="792162"/>
+          </a:xfrm>
+        </p:spPr>
+        <p:txBody>
+          <a:bodyPr/>
+          <a:lstStyle/>
+          <a:p>
+            <a:pPr algn="l"/>
+            <a:r>
+              <a:rPr lang="en-IN" dirty="0" smtClean="0"/>
+              <a:t>Data Imputation:</a:t>
+            </a:r>
+            <a:endParaRPr lang="en-IN" dirty="0"/>
+          </a:p>
+        </p:txBody>
+      </p:sp>
+      <p:sp>
+        <p:nvSpPr>
+          <p:cNvPr id="3" name="Content Placeholder 2"/>
+          <p:cNvSpPr>
+            <a:spLocks noGrp="1"/>
+          </p:cNvSpPr>
+          <p:nvPr>
+            <p:ph idx="1"/>
+          </p:nvPr>
+        </p:nvSpPr>
+        <p:spPr>
+          <a:xfrm>
+            <a:off x="457200" y="994569"/>
+            <a:ext cx="8229600" cy="3126582"/>
+          </a:xfrm>
+        </p:spPr>
+        <p:txBody>
+          <a:bodyPr>
+            <a:normAutofit/>
+          </a:bodyPr>
+          <a:lstStyle/>
+          <a:p>
+            <a:pPr marL="0" indent="0">
+              <a:buNone/>
+            </a:pPr>
+            <a:r>
+              <a:rPr lang="en-IN" sz="2400" b="1" dirty="0" smtClean="0"/>
+              <a:t># UNIVARIATE IMPUTATION</a:t>
+            </a:r>
+          </a:p>
+          <a:p>
+            <a:pPr marL="0" indent="0">
+              <a:buNone/>
+            </a:pPr>
+            <a:r>
+              <a:rPr lang="en-IN" sz="2400" dirty="0" smtClean="0"/>
+              <a:t>			Importing dependencies</a:t>
+            </a:r>
+          </a:p>
+          <a:p>
+            <a:pPr marL="0" indent="0">
+              <a:buNone/>
+            </a:pPr>
+            <a:r>
+              <a:rPr lang="en-IN" sz="2400" dirty="0" smtClean="0"/>
+              <a:t>	</a:t>
+            </a:r>
+          </a:p>
+          <a:p>
+            <a:pPr marL="0" indent="0">
+              <a:buNone/>
+            </a:pPr>
+            <a:endParaRPr lang="en-IN" sz="2400" dirty="0"/>
+          </a:p>
+          <a:p>
+            <a:pPr marL="0" indent="0">
+              <a:buNone/>
+            </a:pPr>
+            <a:r>
+              <a:rPr lang="en-IN" sz="2400" b="1" dirty="0" smtClean="0"/>
+              <a:t>2.  			     Median Imputation</a:t>
+            </a:r>
+            <a:endParaRPr lang="en-IN" sz="2400" b="1" dirty="0"/>
+          </a:p>
+        </p:txBody>
+      </p:sp>
+      <p:pic>
+        <p:nvPicPr>
+          <p:cNvPr id="5123" name="Picture 3"/>
+          <p:cNvPicPr>
+            <a:picLocks noChangeAspect="1" noChangeArrowheads="1"/>
+          </p:cNvPicPr>
+          <p:nvPr/>
+        </p:nvPicPr>
+        <p:blipFill>
+          <a:blip r:embed="rId2">
+            <a:extLst>
+              <a:ext uri="{28A0092B-C50C-407E-A947-70E740481C1C}">
+                <a14:useLocalDpi xmlns:a14="http://schemas.microsoft.com/office/drawing/2010/main" val="0"/>
+              </a:ext>
+            </a:extLst>
+          </a:blip>
+          <a:srcRect/>
+          <a:stretch>
+            <a:fillRect/>
+          </a:stretch>
+        </p:blipFill>
+        <p:spPr bwMode="auto">
+          <a:xfrm>
+            <a:off x="533400" y="1905000"/>
+            <a:ext cx="7708900" cy="647700"/>
+          </a:xfrm>
+          <a:prstGeom prst="rect">
+            <a:avLst/>
+          </a:prstGeom>
+          <a:noFill/>
+          <a:ln>
+            <a:noFill/>
+          </a:ln>
+          <a:effectLst/>
+          <a:extLst>
+            <a:ext uri="{909E8E84-426E-40DD-AFC4-6F175D3DCCD1}">
+              <a14:hiddenFill xmlns:a14="http://schemas.microsoft.com/office/drawing/2010/main">
+                <a:solidFill>
+                  <a:schemeClr val="accent1"/>
+                </a:solidFill>
+              </a14:hiddenFill>
+            </a:ext>
+            <a:ext uri="{91240B29-F687-4F45-9708-019B960494DF}">
+              <a14:hiddenLine xmlns:a14="http://schemas.microsoft.com/office/drawing/2010/main" w="9525">
+                <a:solidFill>
+                  <a:schemeClr val="tx1"/>
+                </a:solidFill>
+                <a:miter lim="800000"/>
+                <a:headEnd/>
+                <a:tailEnd/>
+              </a14:hiddenLine>
+            </a:ext>
+            <a:ext uri="{AF507438-7753-43E0-B8FC-AC1667EBCBE1}">
+              <a14:hiddenEffects xmlns:a14="http://schemas.microsoft.com/office/drawing/2010/main">
+                <a:effectLst>
+                  <a:outerShdw dist="35921" dir="2700000" algn="ctr" rotWithShape="0">
+                    <a:schemeClr val="bg2"/>
+                  </a:outerShdw>
+                </a:effectLst>
+              </a14:hiddenEffects>
+            </a:ext>
+          </a:extLst>
+        </p:spPr>
+      </p:pic>
+      <p:pic>
+        <p:nvPicPr>
+          <p:cNvPr id="10242" name="Picture 2"/>
+          <p:cNvPicPr>
+            <a:picLocks noChangeAspect="1" noChangeArrowheads="1"/>
+          </p:cNvPicPr>
+          <p:nvPr/>
+        </p:nvPicPr>
+        <p:blipFill>
+          <a:blip r:embed="rId3">
+            <a:extLst>
+              <a:ext uri="{28A0092B-C50C-407E-A947-70E740481C1C}">
+                <a14:useLocalDpi xmlns:a14="http://schemas.microsoft.com/office/drawing/2010/main" val="0"/>
+              </a:ext>
+            </a:extLst>
+          </a:blip>
+          <a:srcRect/>
+          <a:stretch>
+            <a:fillRect/>
+          </a:stretch>
+        </p:blipFill>
+        <p:spPr bwMode="auto">
+          <a:xfrm>
+            <a:off x="533400" y="3429000"/>
+            <a:ext cx="7760436" cy="1720850"/>
+          </a:xfrm>
+          <a:prstGeom prst="rect">
+            <a:avLst/>
+          </a:prstGeom>
+          <a:noFill/>
+          <a:ln>
+            <a:noFill/>
+          </a:ln>
+          <a:effectLst/>
+          <a:extLst>
+            <a:ext uri="{909E8E84-426E-40DD-AFC4-6F175D3DCCD1}">
+              <a14:hiddenFill xmlns:a14="http://schemas.microsoft.com/office/drawing/2010/main">
+                <a:solidFill>
+                  <a:schemeClr val="accent1"/>
+                </a:solidFill>
+              </a14:hiddenFill>
+            </a:ext>
+            <a:ext uri="{91240B29-F687-4F45-9708-019B960494DF}">
+              <a14:hiddenLine xmlns:a14="http://schemas.microsoft.com/office/drawing/2010/main" w="9525">
+                <a:solidFill>
+                  <a:schemeClr val="tx1"/>
+                </a:solidFill>
+                <a:miter lim="800000"/>
+                <a:headEnd/>
+                <a:tailEnd/>
+              </a14:hiddenLine>
+            </a:ext>
+            <a:ext uri="{AF507438-7753-43E0-B8FC-AC1667EBCBE1}">
+              <a14:hiddenEffects xmlns:a14="http://schemas.microsoft.com/office/drawing/2010/main">
+                <a:effectLst>
+                  <a:outerShdw dist="35921" dir="2700000" algn="ctr" rotWithShape="0">
+                    <a:schemeClr val="bg2"/>
+                  </a:outerShdw>
+                </a:effectLst>
+              </a14:hiddenEffects>
+            </a:ext>
+          </a:extLst>
+        </p:spPr>
+      </p:pic>
+    </p:spTree>
+    <p:extLst>
+      <p:ext uri="{BB962C8B-B14F-4D97-AF65-F5344CB8AC3E}">
+        <p14:creationId xmlns:p14="http://schemas.microsoft.com/office/powerpoint/2010/main" val="3713389356"/>
+      </p:ext>
+    </p:extLst>
+  </p:cSld>
+  <p:clrMapOvr>
+    <a:masterClrMapping/>
+  </p:clrMapOvr>
+  <p:timing>
+    <p:tnLst>
+      <p:par>
+        <p:cTn id="1" dur="indefinite" restart="never" nodeType="tmRoot"/>
+      </p:par>
+    </p:tnLst>
+  </p:timing>
+</p:sld>
+</file>
+
+<file path=ppt/slides/slide9.xml><?xml version="1.0" encoding="utf-8"?>
+<p:sld xmlns:a="http://schemas.openxmlformats.org/drawingml/2006/main" xmlns:r="http://schemas.openxmlformats.org/officeDocument/2006/relationships" xmlns:p="http://schemas.openxmlformats.org/presentationml/2006/main">
+  <p:cSld>
+    <p:spTree>
+      <p:nvGrpSpPr>
+        <p:cNvPr id="1" name=""/>
+        <p:cNvGrpSpPr/>
+        <p:nvPr/>
+      </p:nvGrpSpPr>
+      <p:grpSpPr>
+        <a:xfrm>
+          <a:off x="0" y="0"/>
+          <a:ext cx="0" cy="0"/>
+          <a:chOff x="0" y="0"/>
+          <a:chExt cx="0" cy="0"/>
+        </a:xfrm>
+      </p:grpSpPr>
+      <p:sp>
+        <p:nvSpPr>
+          <p:cNvPr id="2" name="Title 1"/>
+          <p:cNvSpPr>
+            <a:spLocks noGrp="1"/>
+          </p:cNvSpPr>
+          <p:nvPr>
+            <p:ph type="title"/>
+          </p:nvPr>
+        </p:nvSpPr>
+        <p:spPr>
+          <a:xfrm>
+            <a:off x="457200" y="274638"/>
+            <a:ext cx="8229600" cy="792162"/>
+          </a:xfrm>
+        </p:spPr>
+        <p:txBody>
+          <a:bodyPr/>
+          <a:lstStyle/>
+          <a:p>
+            <a:pPr algn="l"/>
+            <a:r>
+              <a:rPr lang="en-IN" dirty="0" smtClean="0"/>
+              <a:t>Data Imputation:</a:t>
+            </a:r>
+            <a:endParaRPr lang="en-IN" dirty="0"/>
+          </a:p>
+        </p:txBody>
+      </p:sp>
+      <p:sp>
+        <p:nvSpPr>
+          <p:cNvPr id="3" name="Content Placeholder 2"/>
+          <p:cNvSpPr>
+            <a:spLocks noGrp="1"/>
+          </p:cNvSpPr>
+          <p:nvPr>
+            <p:ph idx="1"/>
+          </p:nvPr>
+        </p:nvSpPr>
+        <p:spPr>
+          <a:xfrm>
+            <a:off x="457200" y="994569"/>
+            <a:ext cx="8229600" cy="3126582"/>
+          </a:xfrm>
+        </p:spPr>
+        <p:txBody>
+          <a:bodyPr>
+            <a:normAutofit/>
+          </a:bodyPr>
+          <a:lstStyle/>
+          <a:p>
+            <a:pPr marL="0" indent="0">
+              <a:buNone/>
+            </a:pPr>
+            <a:r>
+              <a:rPr lang="en-IN" sz="2400" b="1" dirty="0" smtClean="0"/>
+              <a:t># UNIVARIATE IMPUTATION</a:t>
+            </a:r>
+          </a:p>
+          <a:p>
+            <a:pPr marL="0" indent="0">
+              <a:buNone/>
+            </a:pPr>
+            <a:r>
+              <a:rPr lang="en-IN" sz="2400" dirty="0" smtClean="0"/>
+              <a:t>Median imputed data</a:t>
+            </a:r>
+            <a:endParaRPr lang="en-IN" sz="2400" dirty="0"/>
+          </a:p>
+        </p:txBody>
+      </p:sp>
+      <p:pic>
+        <p:nvPicPr>
+          <p:cNvPr id="4" name="Picture 3"/>
+          <p:cNvPicPr>
+            <a:picLocks noChangeAspect="1"/>
+          </p:cNvPicPr>
+          <p:nvPr/>
+        </p:nvPicPr>
+        <p:blipFill>
+          <a:blip r:embed="rId2">
+            <a:extLst>
+              <a:ext uri="{28A0092B-C50C-407E-A947-70E740481C1C}">
+                <a14:useLocalDpi xmlns:a14="http://schemas.microsoft.com/office/drawing/2010/main" val="0"/>
+              </a:ext>
+            </a:extLst>
+          </a:blip>
+          <a:stretch>
+            <a:fillRect/>
+          </a:stretch>
+        </p:blipFill>
+        <p:spPr>
+          <a:xfrm>
+            <a:off x="3124200" y="1752600"/>
+            <a:ext cx="1292633" cy="4756150"/>
+          </a:xfrm>
+          <a:prstGeom prst="rect">
+            <a:avLst/>
+          </a:prstGeom>
+        </p:spPr>
+      </p:pic>
+      <p:sp>
+        <p:nvSpPr>
+          <p:cNvPr id="5" name="Right Arrow 4"/>
+          <p:cNvSpPr/>
+          <p:nvPr/>
+        </p:nvSpPr>
+        <p:spPr>
+          <a:xfrm>
+            <a:off x="4715256" y="3695700"/>
+            <a:ext cx="1219200" cy="533400"/>
+          </a:xfrm>
+          <a:prstGeom prst="rightArrow">
+            <a:avLst/>
+          </a:prstGeom>
+          <a:solidFill>
+            <a:schemeClr val="bg1">
+              <a:lumMod val="65000"/>
+            </a:schemeClr>
+          </a:solidFill>
+          <a:ln>
+            <a:noFill/>
+          </a:ln>
+        </p:spPr>
+        <p:style>
+          <a:lnRef idx="2">
+            <a:schemeClr val="accent1">
+              <a:shade val="50000"/>
+            </a:schemeClr>
+          </a:lnRef>
+          <a:fillRef idx="1">
+            <a:schemeClr val="accent1"/>
+          </a:fillRef>
+          <a:effectRef idx="0">
+            <a:schemeClr val="accent1"/>
+          </a:effectRef>
+          <a:fontRef idx="minor">
+            <a:schemeClr val="lt1"/>
+          </a:fontRef>
+        </p:style>
+        <p:txBody>
+          <a:bodyPr rtlCol="0" anchor="ctr"/>
+          <a:lstStyle/>
+          <a:p>
+            <a:pPr algn="ctr"/>
+            <a:endParaRPr lang="en-IN"/>
+          </a:p>
+        </p:txBody>
+      </p:sp>
+      <p:pic>
+        <p:nvPicPr>
+          <p:cNvPr id="7170" name="Picture 2"/>
+          <p:cNvPicPr>
+            <a:picLocks noChangeAspect="1" noChangeArrowheads="1"/>
+          </p:cNvPicPr>
+          <p:nvPr/>
+        </p:nvPicPr>
+        <p:blipFill>
+          <a:blip r:embed="rId3">
+            <a:extLst>
+              <a:ext uri="{28A0092B-C50C-407E-A947-70E740481C1C}">
+                <a14:useLocalDpi xmlns:a14="http://schemas.microsoft.com/office/drawing/2010/main" val="0"/>
+              </a:ext>
+            </a:extLst>
+          </a:blip>
+          <a:srcRect/>
+          <a:stretch>
+            <a:fillRect/>
+          </a:stretch>
+        </p:blipFill>
+        <p:spPr bwMode="auto">
+          <a:xfrm>
+            <a:off x="6248400" y="1752600"/>
+            <a:ext cx="1225550" cy="4743450"/>
+          </a:xfrm>
+          <a:prstGeom prst="rect">
+            <a:avLst/>
+          </a:prstGeom>
+          <a:noFill/>
+          <a:ln>
+            <a:noFill/>
+          </a:ln>
+          <a:effectLst/>
+          <a:extLst>
+            <a:ext uri="{909E8E84-426E-40DD-AFC4-6F175D3DCCD1}">
+              <a14:hiddenFill xmlns:a14="http://schemas.microsoft.com/office/drawing/2010/main">
+                <a:solidFill>
+                  <a:schemeClr val="accent1"/>
+                </a:solidFill>
+              </a14:hiddenFill>
+            </a:ext>
+            <a:ext uri="{91240B29-F687-4F45-9708-019B960494DF}">
+              <a14:hiddenLine xmlns:a14="http://schemas.microsoft.com/office/drawing/2010/main" w="9525">
+                <a:solidFill>
+                  <a:schemeClr val="tx1"/>
+                </a:solidFill>
+                <a:miter lim="800000"/>
+                <a:headEnd/>
+                <a:tailEnd/>
+              </a14:hiddenLine>
+            </a:ext>
+            <a:ext uri="{AF507438-7753-43E0-B8FC-AC1667EBCBE1}">
+              <a14:hiddenEffects xmlns:a14="http://schemas.microsoft.com/office/drawing/2010/main">
+                <a:effectLst>
+                  <a:outerShdw dist="35921" dir="2700000" algn="ctr" rotWithShape="0">
+                    <a:schemeClr val="bg2"/>
+                  </a:outerShdw>
+                </a:effectLst>
+              </a14:hiddenEffects>
+            </a:ext>
+          </a:extLst>
+        </p:spPr>
+      </p:pic>
+    </p:spTree>
+    <p:extLst>
+      <p:ext uri="{BB962C8B-B14F-4D97-AF65-F5344CB8AC3E}">
+        <p14:creationId xmlns:p14="http://schemas.microsoft.com/office/powerpoint/2010/main" val="1726653250"/>
       </p:ext>
     </p:extLst>
   </p:cSld>
@@ -3263,6 +8331,7 @@
         <a:font script="Mong" typeface="Mongolian Baiti"/>
         <a:font script="Viet" typeface="Times New Roman"/>
         <a:font script="Uigh" typeface="Microsoft Uighur"/>
+        <a:font script="Geor" typeface="Sylfaen"/>
       </a:majorFont>
       <a:minorFont>
         <a:latin typeface="Calibri"/>
@@ -3297,6 +8366,7 @@
         <a:font script="Mong" typeface="Mongolian Baiti"/>
         <a:font script="Viet" typeface="Arial"/>
         <a:font script="Uigh" typeface="Microsoft Uighur"/>
+        <a:font script="Geor" typeface="Sylfaen"/>
       </a:minorFont>
     </a:fontScheme>
     <a:fmtScheme name="Office">
